--- a/Cosmos_DB_Payments_Tech_Scenario_Attendee_Coach_Deck.pptx
+++ b/Cosmos_DB_Payments_Tech_Scenario_Attendee_Coach_Deck.pptx
@@ -5,10 +5,10 @@
     <p:sldMasterId id="2147483878" r:id="rId4"/>
   </p:sldMasterIdLst>
   <p:notesMasterIdLst>
-    <p:notesMasterId r:id="rId23"/>
+    <p:notesMasterId r:id="rId25"/>
   </p:notesMasterIdLst>
   <p:handoutMasterIdLst>
-    <p:handoutMasterId r:id="rId24"/>
+    <p:handoutMasterId r:id="rId26"/>
   </p:handoutMasterIdLst>
   <p:sldIdLst>
     <p:sldId id="2076136285" r:id="rId5"/>
@@ -20,15 +20,17 @@
     <p:sldId id="4669" r:id="rId11"/>
     <p:sldId id="4670" r:id="rId12"/>
     <p:sldId id="2076136300" r:id="rId13"/>
-    <p:sldId id="2076136275" r:id="rId14"/>
-    <p:sldId id="2076136279" r:id="rId15"/>
-    <p:sldId id="2076136286" r:id="rId16"/>
-    <p:sldId id="2076136287" r:id="rId17"/>
-    <p:sldId id="2076136288" r:id="rId18"/>
-    <p:sldId id="2076136289" r:id="rId19"/>
-    <p:sldId id="2076136290" r:id="rId20"/>
-    <p:sldId id="2076136280" r:id="rId21"/>
-    <p:sldId id="2076136284" r:id="rId22"/>
+    <p:sldId id="2147469940" r:id="rId14"/>
+    <p:sldId id="2147469970" r:id="rId15"/>
+    <p:sldId id="2076136275" r:id="rId16"/>
+    <p:sldId id="2076136279" r:id="rId17"/>
+    <p:sldId id="2076136286" r:id="rId18"/>
+    <p:sldId id="2076136287" r:id="rId19"/>
+    <p:sldId id="2076136288" r:id="rId20"/>
+    <p:sldId id="2076136289" r:id="rId21"/>
+    <p:sldId id="2076136290" r:id="rId22"/>
+    <p:sldId id="2076136280" r:id="rId23"/>
+    <p:sldId id="2076136284" r:id="rId24"/>
   </p:sldIdLst>
   <p:sldSz cx="12192000" cy="6858000"/>
   <p:notesSz cx="6858000" cy="9144000"/>
@@ -145,6 +147,8 @@
             <p14:sldId id="4669"/>
             <p14:sldId id="4670"/>
             <p14:sldId id="2076136300"/>
+            <p14:sldId id="2147469940"/>
+            <p14:sldId id="2147469970"/>
             <p14:sldId id="2076136275"/>
           </p14:sldIdLst>
         </p14:section>
@@ -295,7 +299,7 @@
           <a:p>
             <a:fld id="{5DC6FE6B-C416-4AB4-9C30-FB2A7099CAC6}" type="datetimeFigureOut">
               <a:rPr lang="en-US" smtClean="0"/>
-              <a:t>6/27/2023</a:t>
+              <a:t>6/28/2023</a:t>
             </a:fld>
             <a:endParaRPr lang="en-US"/>
           </a:p>
@@ -472,7 +476,7 @@
           <a:p>
             <a:fld id="{CFF76AD5-84B7-47FE-802A-FFAE792CDC84}" type="datetimeFigureOut">
               <a:rPr lang="en-US" smtClean="0"/>
-              <a:t>6/27/2023</a:t>
+              <a:t>6/28/2023</a:t>
             </a:fld>
             <a:endParaRPr lang="en-US"/>
           </a:p>
@@ -991,6 +995,174 @@
 </p:notes>
 </file>
 
+<file path=ppt/notesSlides/notesSlide12.xml><?xml version="1.0" encoding="utf-8"?>
+<p:notes xmlns:a="http://schemas.openxmlformats.org/drawingml/2006/main" xmlns:r="http://schemas.openxmlformats.org/officeDocument/2006/relationships" xmlns:p="http://schemas.openxmlformats.org/presentationml/2006/main">
+  <p:cSld>
+    <p:spTree>
+      <p:nvGrpSpPr>
+        <p:cNvPr id="1" name=""/>
+        <p:cNvGrpSpPr/>
+        <p:nvPr/>
+      </p:nvGrpSpPr>
+      <p:grpSpPr>
+        <a:xfrm>
+          <a:off x="0" y="0"/>
+          <a:ext cx="0" cy="0"/>
+          <a:chOff x="0" y="0"/>
+          <a:chExt cx="0" cy="0"/>
+        </a:xfrm>
+      </p:grpSpPr>
+      <p:sp>
+        <p:nvSpPr>
+          <p:cNvPr id="2" name="Slide Image Placeholder 1"/>
+          <p:cNvSpPr>
+            <a:spLocks noGrp="1" noRot="1" noChangeAspect="1"/>
+          </p:cNvSpPr>
+          <p:nvPr>
+            <p:ph type="sldImg"/>
+          </p:nvPr>
+        </p:nvSpPr>
+        <p:spPr/>
+      </p:sp>
+      <p:sp>
+        <p:nvSpPr>
+          <p:cNvPr id="3" name="Notes Placeholder 2"/>
+          <p:cNvSpPr>
+            <a:spLocks noGrp="1"/>
+          </p:cNvSpPr>
+          <p:nvPr>
+            <p:ph type="body" idx="1"/>
+          </p:nvPr>
+        </p:nvSpPr>
+        <p:spPr/>
+        <p:txBody>
+          <a:bodyPr/>
+          <a:lstStyle/>
+          <a:p>
+            <a:endParaRPr lang="en-US" dirty="0"/>
+          </a:p>
+        </p:txBody>
+      </p:sp>
+      <p:sp>
+        <p:nvSpPr>
+          <p:cNvPr id="4" name="Slide Number Placeholder 3"/>
+          <p:cNvSpPr>
+            <a:spLocks noGrp="1"/>
+          </p:cNvSpPr>
+          <p:nvPr>
+            <p:ph type="sldNum" sz="quarter" idx="5"/>
+          </p:nvPr>
+        </p:nvSpPr>
+        <p:spPr/>
+        <p:txBody>
+          <a:bodyPr/>
+          <a:lstStyle/>
+          <a:p>
+            <a:fld id="{CCB0B7A7-645F-45EF-A82D-25C8E51FB344}" type="slidenum">
+              <a:rPr lang="en-US" smtClean="0"/>
+              <a:t>17</a:t>
+            </a:fld>
+            <a:endParaRPr lang="en-US"/>
+          </a:p>
+        </p:txBody>
+      </p:sp>
+    </p:spTree>
+    <p:extLst>
+      <p:ext uri="{BB962C8B-B14F-4D97-AF65-F5344CB8AC3E}">
+        <p14:creationId xmlns:p14="http://schemas.microsoft.com/office/powerpoint/2010/main" val="3706595812"/>
+      </p:ext>
+    </p:extLst>
+  </p:cSld>
+  <p:clrMapOvr>
+    <a:masterClrMapping/>
+  </p:clrMapOvr>
+</p:notes>
+</file>
+
+<file path=ppt/notesSlides/notesSlide13.xml><?xml version="1.0" encoding="utf-8"?>
+<p:notes xmlns:a="http://schemas.openxmlformats.org/drawingml/2006/main" xmlns:r="http://schemas.openxmlformats.org/officeDocument/2006/relationships" xmlns:p="http://schemas.openxmlformats.org/presentationml/2006/main">
+  <p:cSld>
+    <p:spTree>
+      <p:nvGrpSpPr>
+        <p:cNvPr id="1" name=""/>
+        <p:cNvGrpSpPr/>
+        <p:nvPr/>
+      </p:nvGrpSpPr>
+      <p:grpSpPr>
+        <a:xfrm>
+          <a:off x="0" y="0"/>
+          <a:ext cx="0" cy="0"/>
+          <a:chOff x="0" y="0"/>
+          <a:chExt cx="0" cy="0"/>
+        </a:xfrm>
+      </p:grpSpPr>
+      <p:sp>
+        <p:nvSpPr>
+          <p:cNvPr id="2" name="Slide Image Placeholder 1"/>
+          <p:cNvSpPr>
+            <a:spLocks noGrp="1" noRot="1" noChangeAspect="1"/>
+          </p:cNvSpPr>
+          <p:nvPr>
+            <p:ph type="sldImg"/>
+          </p:nvPr>
+        </p:nvSpPr>
+        <p:spPr/>
+      </p:sp>
+      <p:sp>
+        <p:nvSpPr>
+          <p:cNvPr id="3" name="Notes Placeholder 2"/>
+          <p:cNvSpPr>
+            <a:spLocks noGrp="1"/>
+          </p:cNvSpPr>
+          <p:nvPr>
+            <p:ph type="body" idx="1"/>
+          </p:nvPr>
+        </p:nvSpPr>
+        <p:spPr/>
+        <p:txBody>
+          <a:bodyPr/>
+          <a:lstStyle/>
+          <a:p>
+            <a:endParaRPr lang="en-US" dirty="0"/>
+          </a:p>
+        </p:txBody>
+      </p:sp>
+      <p:sp>
+        <p:nvSpPr>
+          <p:cNvPr id="4" name="Slide Number Placeholder 3"/>
+          <p:cNvSpPr>
+            <a:spLocks noGrp="1"/>
+          </p:cNvSpPr>
+          <p:nvPr>
+            <p:ph type="sldNum" sz="quarter" idx="5"/>
+          </p:nvPr>
+        </p:nvSpPr>
+        <p:spPr/>
+        <p:txBody>
+          <a:bodyPr/>
+          <a:lstStyle/>
+          <a:p>
+            <a:fld id="{CCB0B7A7-645F-45EF-A82D-25C8E51FB344}" type="slidenum">
+              <a:rPr lang="en-US" smtClean="0"/>
+              <a:t>18</a:t>
+            </a:fld>
+            <a:endParaRPr lang="en-US"/>
+          </a:p>
+        </p:txBody>
+      </p:sp>
+    </p:spTree>
+    <p:extLst>
+      <p:ext uri="{BB962C8B-B14F-4D97-AF65-F5344CB8AC3E}">
+        <p14:creationId xmlns:p14="http://schemas.microsoft.com/office/powerpoint/2010/main" val="3706595812"/>
+      </p:ext>
+    </p:extLst>
+  </p:cSld>
+  <p:clrMapOvr>
+    <a:masterClrMapping/>
+  </p:clrMapOvr>
+</p:notes>
+</file>
+
 <file path=ppt/notesSlides/notesSlide2.xml><?xml version="1.0" encoding="utf-8"?>
 <p:notes xmlns:a="http://schemas.openxmlformats.org/drawingml/2006/main" xmlns:r="http://schemas.openxmlformats.org/officeDocument/2006/relationships" xmlns:p="http://schemas.openxmlformats.org/presentationml/2006/main">
   <p:cSld>
@@ -1465,43 +1637,10 @@
           <a:bodyPr/>
           <a:lstStyle/>
           <a:p>
-            <a:pPr marL="0" marR="0" lvl="0" indent="0" algn="l" defTabSz="914400" rtl="0" eaLnBrk="1" fontAlgn="auto" latinLnBrk="0" hangingPunct="1">
-              <a:lnSpc>
-                <a:spcPct val="100000"/>
-              </a:lnSpc>
-              <a:spcBef>
-                <a:spcPts val="0"/>
-              </a:spcBef>
-              <a:spcAft>
-                <a:spcPts val="0"/>
-              </a:spcAft>
-              <a:buClrTx/>
-              <a:buSzTx/>
-              <a:buFontTx/>
-              <a:buNone/>
-              <a:tabLst/>
-              <a:defRPr/>
-            </a:pPr>
-            <a:r>
-              <a:rPr kumimoji="0" lang="en-US" sz="1200" b="0" i="0" u="none" strike="noStrike" kern="1200" cap="none" spc="0" normalizeH="0" baseline="0" noProof="0">
-                <a:ln>
-                  <a:noFill/>
-                </a:ln>
-                <a:solidFill>
-                  <a:srgbClr val="FFFFFF"/>
-                </a:solidFill>
-                <a:effectLst/>
-                <a:uLnTx/>
-                <a:uFillTx/>
-                <a:latin typeface="Segoe UI" panose="020B0502040204020203" pitchFamily="34" charset="0"/>
-                <a:ea typeface="+mn-ea"/>
-                <a:cs typeface="Segoe UI" panose="020B0502040204020203" pitchFamily="34" charset="0"/>
-              </a:rPr>
-              <a:t>To get started, visit the OpenHack portal:</a:t>
-            </a:r>
-          </a:p>
-          <a:p>
-            <a:endParaRPr lang="en-US"/>
+            <a:r>
+              <a:rPr lang="en-US" dirty="0"/>
+              <a:t>It all starts from an Ask.  The user has a need that needs to be filled.  Kernel, in Semantic Kernel, is the orchestrator for the Ask.  It sends the Ask over to the Planner to the right skills can be found and the right steps can be created from the Ask and Skills.</a:t>
+            </a:r>
           </a:p>
         </p:txBody>
       </p:sp>
@@ -1520,78 +1659,18 @@
           <a:bodyPr/>
           <a:lstStyle/>
           <a:p>
-            <a:pPr marL="0" marR="0" lvl="0" indent="0" algn="r" defTabSz="914400" rtl="0" eaLnBrk="1" fontAlgn="auto" latinLnBrk="0" hangingPunct="1">
-              <a:lnSpc>
-                <a:spcPct val="100000"/>
-              </a:lnSpc>
-              <a:spcBef>
-                <a:spcPts val="0"/>
-              </a:spcBef>
-              <a:spcAft>
-                <a:spcPts val="0"/>
-              </a:spcAft>
-              <a:buClrTx/>
-              <a:buSzTx/>
-              <a:buFontTx/>
-              <a:buNone/>
-              <a:tabLst/>
-              <a:defRPr/>
-            </a:pPr>
-            <a:fld id="{96C4A558-2D39-4963-801C-D8D0AB93CA23}" type="slidenum">
-              <a:rPr kumimoji="0" lang="en-NZ" sz="1200" b="0" i="0" u="none" strike="noStrike" kern="1200" cap="none" spc="0" normalizeH="0" baseline="0" noProof="0" smtClean="0">
-                <a:ln>
-                  <a:noFill/>
-                </a:ln>
-                <a:solidFill>
-                  <a:prstClr val="black"/>
-                </a:solidFill>
-                <a:effectLst/>
-                <a:uLnTx/>
-                <a:uFillTx/>
-                <a:latin typeface="Calibri" panose="020F0502020204030204"/>
-                <a:ea typeface="+mn-ea"/>
-                <a:cs typeface="+mn-cs"/>
-              </a:rPr>
-              <a:pPr marL="0" marR="0" lvl="0" indent="0" algn="r" defTabSz="914400" rtl="0" eaLnBrk="1" fontAlgn="auto" latinLnBrk="0" hangingPunct="1">
-                <a:lnSpc>
-                  <a:spcPct val="100000"/>
-                </a:lnSpc>
-                <a:spcBef>
-                  <a:spcPts val="0"/>
-                </a:spcBef>
-                <a:spcAft>
-                  <a:spcPts val="0"/>
-                </a:spcAft>
-                <a:buClrTx/>
-                <a:buSzTx/>
-                <a:buFontTx/>
-                <a:buNone/>
-                <a:tabLst/>
-                <a:defRPr/>
-              </a:pPr>
+            <a:fld id="{FB75EBB8-D7E4-4048-A244-754319938B9C}" type="slidenum">
+              <a:rPr lang="en-US" smtClean="0"/>
               <a:t>10</a:t>
             </a:fld>
-            <a:endParaRPr kumimoji="0" lang="en-NZ" sz="1200" b="0" i="0" u="none" strike="noStrike" kern="1200" cap="none" spc="0" normalizeH="0" baseline="0" noProof="0">
-              <a:ln>
-                <a:noFill/>
-              </a:ln>
-              <a:solidFill>
-                <a:prstClr val="black"/>
-              </a:solidFill>
-              <a:effectLst/>
-              <a:uLnTx/>
-              <a:uFillTx/>
-              <a:latin typeface="Calibri" panose="020F0502020204030204"/>
-              <a:ea typeface="+mn-ea"/>
-              <a:cs typeface="+mn-cs"/>
-            </a:endParaRPr>
+            <a:endParaRPr lang="en-US"/>
           </a:p>
         </p:txBody>
       </p:sp>
     </p:spTree>
     <p:extLst>
       <p:ext uri="{BB962C8B-B14F-4D97-AF65-F5344CB8AC3E}">
-        <p14:creationId xmlns:p14="http://schemas.microsoft.com/office/powerpoint/2010/main" val="380937796"/>
+        <p14:creationId xmlns:p14="http://schemas.microsoft.com/office/powerpoint/2010/main" val="2185004753"/>
       </p:ext>
     </p:extLst>
   </p:cSld>
@@ -1646,8 +1725,8 @@
           <a:lstStyle/>
           <a:p>
             <a:r>
-              <a:rPr lang="en-US"/>
-              <a:t>This guide is only meant to be a reference. Please do not rely on this guide in place of completing the challenges before coaching. </a:t>
+              <a:rPr lang="en-US" dirty="0"/>
+              <a:t>It always starts with an Ask.  A user has a goal they want to achieve.  We have seen how the Kernel orchestrates the ask to the planner.  The Planner finds the right AI skills that can be used to solve that need.  Some skills are enhanced with memories and with live data connections.  The steps to complete the users ask are executed as part of the plan and the results are returned to the user, resulting in productivity gains and ideally the goal reached.</a:t>
             </a:r>
           </a:p>
         </p:txBody>
@@ -1667,7 +1746,7 @@
           <a:bodyPr/>
           <a:lstStyle/>
           <a:p>
-            <a:fld id="{B14F9875-39BF-4C18-A21D-3E04A24EDC12}" type="slidenum">
+            <a:fld id="{FB75EBB8-D7E4-4048-A244-754319938B9C}" type="slidenum">
               <a:rPr lang="en-US" smtClean="0"/>
               <a:t>11</a:t>
             </a:fld>
@@ -1678,7 +1757,7 @@
     </p:spTree>
     <p:extLst>
       <p:ext uri="{BB962C8B-B14F-4D97-AF65-F5344CB8AC3E}">
-        <p14:creationId xmlns:p14="http://schemas.microsoft.com/office/powerpoint/2010/main" val="1691727235"/>
+        <p14:creationId xmlns:p14="http://schemas.microsoft.com/office/powerpoint/2010/main" val="1741912625"/>
       </p:ext>
     </p:extLst>
   </p:cSld>
@@ -1732,7 +1811,43 @@
           <a:bodyPr/>
           <a:lstStyle/>
           <a:p>
-            <a:endParaRPr lang="en-US" dirty="0"/>
+            <a:pPr marL="0" marR="0" lvl="0" indent="0" algn="l" defTabSz="914400" rtl="0" eaLnBrk="1" fontAlgn="auto" latinLnBrk="0" hangingPunct="1">
+              <a:lnSpc>
+                <a:spcPct val="100000"/>
+              </a:lnSpc>
+              <a:spcBef>
+                <a:spcPts val="0"/>
+              </a:spcBef>
+              <a:spcAft>
+                <a:spcPts val="0"/>
+              </a:spcAft>
+              <a:buClrTx/>
+              <a:buSzTx/>
+              <a:buFontTx/>
+              <a:buNone/>
+              <a:tabLst/>
+              <a:defRPr/>
+            </a:pPr>
+            <a:r>
+              <a:rPr kumimoji="0" lang="en-US" sz="1200" b="0" i="0" u="none" strike="noStrike" kern="1200" cap="none" spc="0" normalizeH="0" baseline="0" noProof="0">
+                <a:ln>
+                  <a:noFill/>
+                </a:ln>
+                <a:solidFill>
+                  <a:srgbClr val="FFFFFF"/>
+                </a:solidFill>
+                <a:effectLst/>
+                <a:uLnTx/>
+                <a:uFillTx/>
+                <a:latin typeface="Segoe UI" panose="020B0502040204020203" pitchFamily="34" charset="0"/>
+                <a:ea typeface="+mn-ea"/>
+                <a:cs typeface="Segoe UI" panose="020B0502040204020203" pitchFamily="34" charset="0"/>
+              </a:rPr>
+              <a:t>To get started, visit the OpenHack portal:</a:t>
+            </a:r>
+          </a:p>
+          <a:p>
+            <a:endParaRPr lang="en-US"/>
           </a:p>
         </p:txBody>
       </p:sp>
@@ -1751,18 +1866,78 @@
           <a:bodyPr/>
           <a:lstStyle/>
           <a:p>
-            <a:fld id="{CCB0B7A7-645F-45EF-A82D-25C8E51FB344}" type="slidenum">
-              <a:rPr lang="en-US" smtClean="0"/>
+            <a:pPr marL="0" marR="0" lvl="0" indent="0" algn="r" defTabSz="914400" rtl="0" eaLnBrk="1" fontAlgn="auto" latinLnBrk="0" hangingPunct="1">
+              <a:lnSpc>
+                <a:spcPct val="100000"/>
+              </a:lnSpc>
+              <a:spcBef>
+                <a:spcPts val="0"/>
+              </a:spcBef>
+              <a:spcAft>
+                <a:spcPts val="0"/>
+              </a:spcAft>
+              <a:buClrTx/>
+              <a:buSzTx/>
+              <a:buFontTx/>
+              <a:buNone/>
+              <a:tabLst/>
+              <a:defRPr/>
+            </a:pPr>
+            <a:fld id="{96C4A558-2D39-4963-801C-D8D0AB93CA23}" type="slidenum">
+              <a:rPr kumimoji="0" lang="en-NZ" sz="1200" b="0" i="0" u="none" strike="noStrike" kern="1200" cap="none" spc="0" normalizeH="0" baseline="0" noProof="0" smtClean="0">
+                <a:ln>
+                  <a:noFill/>
+                </a:ln>
+                <a:solidFill>
+                  <a:prstClr val="black"/>
+                </a:solidFill>
+                <a:effectLst/>
+                <a:uLnTx/>
+                <a:uFillTx/>
+                <a:latin typeface="Calibri" panose="020F0502020204030204"/>
+                <a:ea typeface="+mn-ea"/>
+                <a:cs typeface="+mn-cs"/>
+              </a:rPr>
+              <a:pPr marL="0" marR="0" lvl="0" indent="0" algn="r" defTabSz="914400" rtl="0" eaLnBrk="1" fontAlgn="auto" latinLnBrk="0" hangingPunct="1">
+                <a:lnSpc>
+                  <a:spcPct val="100000"/>
+                </a:lnSpc>
+                <a:spcBef>
+                  <a:spcPts val="0"/>
+                </a:spcBef>
+                <a:spcAft>
+                  <a:spcPts val="0"/>
+                </a:spcAft>
+                <a:buClrTx/>
+                <a:buSzTx/>
+                <a:buFontTx/>
+                <a:buNone/>
+                <a:tabLst/>
+                <a:defRPr/>
+              </a:pPr>
               <a:t>12</a:t>
             </a:fld>
-            <a:endParaRPr lang="en-US"/>
+            <a:endParaRPr kumimoji="0" lang="en-NZ" sz="1200" b="0" i="0" u="none" strike="noStrike" kern="1200" cap="none" spc="0" normalizeH="0" baseline="0" noProof="0">
+              <a:ln>
+                <a:noFill/>
+              </a:ln>
+              <a:solidFill>
+                <a:prstClr val="black"/>
+              </a:solidFill>
+              <a:effectLst/>
+              <a:uLnTx/>
+              <a:uFillTx/>
+              <a:latin typeface="Calibri" panose="020F0502020204030204"/>
+              <a:ea typeface="+mn-ea"/>
+              <a:cs typeface="+mn-cs"/>
+            </a:endParaRPr>
           </a:p>
         </p:txBody>
       </p:sp>
     </p:spTree>
     <p:extLst>
       <p:ext uri="{BB962C8B-B14F-4D97-AF65-F5344CB8AC3E}">
-        <p14:creationId xmlns:p14="http://schemas.microsoft.com/office/powerpoint/2010/main" val="3706595812"/>
+        <p14:creationId xmlns:p14="http://schemas.microsoft.com/office/powerpoint/2010/main" val="380937796"/>
       </p:ext>
     </p:extLst>
   </p:cSld>
@@ -1816,7 +1991,10 @@
           <a:bodyPr/>
           <a:lstStyle/>
           <a:p>
-            <a:endParaRPr lang="en-US" dirty="0"/>
+            <a:r>
+              <a:rPr lang="en-US"/>
+              <a:t>This guide is only meant to be a reference. Please do not rely on this guide in place of completing the challenges before coaching. </a:t>
+            </a:r>
           </a:p>
         </p:txBody>
       </p:sp>
@@ -1835,7 +2013,7 @@
           <a:bodyPr/>
           <a:lstStyle/>
           <a:p>
-            <a:fld id="{CCB0B7A7-645F-45EF-A82D-25C8E51FB344}" type="slidenum">
+            <a:fld id="{B14F9875-39BF-4C18-A21D-3E04A24EDC12}" type="slidenum">
               <a:rPr lang="en-US" smtClean="0"/>
               <a:t>13</a:t>
             </a:fld>
@@ -1846,7 +2024,7 @@
     </p:spTree>
     <p:extLst>
       <p:ext uri="{BB962C8B-B14F-4D97-AF65-F5344CB8AC3E}">
-        <p14:creationId xmlns:p14="http://schemas.microsoft.com/office/powerpoint/2010/main" val="3706595812"/>
+        <p14:creationId xmlns:p14="http://schemas.microsoft.com/office/powerpoint/2010/main" val="1691727235"/>
       </p:ext>
     </p:extLst>
   </p:cSld>
@@ -12708,7 +12886,7 @@
           <a:p>
             <a:fld id="{E99080E2-161E-4461-9006-6F8BF1776BE3}" type="datetime1">
               <a:rPr lang="en-US" smtClean="0"/>
-              <a:t>6/27/2023</a:t>
+              <a:t>6/28/2023</a:t>
             </a:fld>
             <a:endParaRPr lang="en-US"/>
           </a:p>
@@ -12821,7 +12999,7 @@
           <a:p>
             <a:fld id="{643E9E83-8A79-40C0-9FE5-E30ED9EDC2DE}" type="datetime1">
               <a:rPr lang="en-US" smtClean="0"/>
-              <a:t>6/27/2023</a:t>
+              <a:t>6/28/2023</a:t>
             </a:fld>
             <a:endParaRPr lang="en-US"/>
           </a:p>
@@ -12924,6 +13102,537 @@
   <p:clrMapOvr>
     <a:masterClrMapping/>
   </p:clrMapOvr>
+</p:sldLayout>
+</file>
+
+<file path=ppt/slideLayouts/slideLayout52.xml><?xml version="1.0" encoding="utf-8"?>
+<p:sldLayout xmlns:a="http://schemas.openxmlformats.org/drawingml/2006/main" xmlns:r="http://schemas.openxmlformats.org/officeDocument/2006/relationships" xmlns:p="http://schemas.openxmlformats.org/presentationml/2006/main" userDrawn="1">
+  <p:cSld name="Key Point Freeform">
+    <p:spTree>
+      <p:nvGrpSpPr>
+        <p:cNvPr id="1" name=""/>
+        <p:cNvGrpSpPr/>
+        <p:nvPr/>
+      </p:nvGrpSpPr>
+      <p:grpSpPr>
+        <a:xfrm>
+          <a:off x="0" y="0"/>
+          <a:ext cx="0" cy="0"/>
+          <a:chOff x="0" y="0"/>
+          <a:chExt cx="0" cy="0"/>
+        </a:xfrm>
+      </p:grpSpPr>
+      <p:sp>
+        <p:nvSpPr>
+          <p:cNvPr id="2" name="Title 1">
+            <a:extLst>
+              <a:ext uri="{FF2B5EF4-FFF2-40B4-BE49-F238E27FC236}">
+                <a16:creationId xmlns:a16="http://schemas.microsoft.com/office/drawing/2014/main" id="{22FCFEFD-88E5-4869-B5C3-1611B0B50E15}"/>
+              </a:ext>
+            </a:extLst>
+          </p:cNvPr>
+          <p:cNvSpPr>
+            <a:spLocks noGrp="1"/>
+          </p:cNvSpPr>
+          <p:nvPr>
+            <p:ph type="title" hasCustomPrompt="1"/>
+          </p:nvPr>
+        </p:nvSpPr>
+        <p:spPr>
+          <a:xfrm>
+            <a:off x="607350" y="1478649"/>
+            <a:ext cx="11018520" cy="553998"/>
+          </a:xfrm>
+          <a:prstGeom prst="rect">
+            <a:avLst/>
+          </a:prstGeom>
+        </p:spPr>
+        <p:txBody>
+          <a:bodyPr lIns="0"/>
+          <a:lstStyle>
+            <a:lvl1pPr>
+              <a:defRPr sz="3200"/>
+            </a:lvl1pPr>
+          </a:lstStyle>
+          <a:p>
+            <a:r>
+              <a:rPr lang="en-US"/>
+              <a:t>Key point</a:t>
+            </a:r>
+          </a:p>
+        </p:txBody>
+      </p:sp>
+      <p:sp>
+        <p:nvSpPr>
+          <p:cNvPr id="6" name="TextBox 5">
+            <a:extLst>
+              <a:ext uri="{FF2B5EF4-FFF2-40B4-BE49-F238E27FC236}">
+                <a16:creationId xmlns:a16="http://schemas.microsoft.com/office/drawing/2014/main" id="{9121006B-09FA-4F62-9542-4F6479B0897F}"/>
+              </a:ext>
+            </a:extLst>
+          </p:cNvPr>
+          <p:cNvSpPr txBox="1"/>
+          <p:nvPr userDrawn="1"/>
+        </p:nvSpPr>
+        <p:spPr>
+          <a:xfrm>
+            <a:off x="12355721" y="-203944"/>
+            <a:ext cx="577081" cy="153888"/>
+          </a:xfrm>
+          <a:prstGeom prst="rect">
+            <a:avLst/>
+          </a:prstGeom>
+          <a:noFill/>
+        </p:spPr>
+        <p:txBody>
+          <a:bodyPr wrap="none" lIns="0" tIns="0" rIns="0" bIns="0" rtlCol="0">
+            <a:spAutoFit/>
+          </a:bodyPr>
+          <a:lstStyle/>
+          <a:p>
+            <a:pPr algn="l"/>
+            <a:r>
+              <a:rPr lang="en-US" sz="1000">
+                <a:solidFill>
+                  <a:srgbClr val="A3A3A3"/>
+                </a:solidFill>
+              </a:rPr>
+              <a:t>ELT layout</a:t>
+            </a:r>
+          </a:p>
+        </p:txBody>
+      </p:sp>
+      <p:cxnSp>
+        <p:nvCxnSpPr>
+          <p:cNvPr id="3" name="Straight Connector 2">
+            <a:extLst>
+              <a:ext uri="{FF2B5EF4-FFF2-40B4-BE49-F238E27FC236}">
+                <a16:creationId xmlns:a16="http://schemas.microsoft.com/office/drawing/2014/main" id="{D6AF24CC-2A72-F8BA-4855-22CDD46817DC}"/>
+              </a:ext>
+              <a:ext uri="{C183D7F6-B498-43B3-948B-1728B52AA6E4}">
+                <adec:decorative xmlns:adec="http://schemas.microsoft.com/office/drawing/2017/decorative" val="1"/>
+              </a:ext>
+            </a:extLst>
+          </p:cNvPr>
+          <p:cNvCxnSpPr>
+            <a:cxnSpLocks/>
+          </p:cNvCxnSpPr>
+          <p:nvPr userDrawn="1"/>
+        </p:nvCxnSpPr>
+        <p:spPr>
+          <a:xfrm>
+            <a:off x="500264" y="1478649"/>
+            <a:ext cx="0" cy="553998"/>
+          </a:xfrm>
+          <a:prstGeom prst="line">
+            <a:avLst/>
+          </a:prstGeom>
+          <a:ln w="28575">
+            <a:solidFill>
+              <a:schemeClr val="tx2"/>
+            </a:solidFill>
+            <a:headEnd type="none" w="lg" len="med"/>
+            <a:tailEnd type="none" w="lg" len="med"/>
+          </a:ln>
+        </p:spPr>
+        <p:style>
+          <a:lnRef idx="1">
+            <a:schemeClr val="accent1"/>
+          </a:lnRef>
+          <a:fillRef idx="0">
+            <a:schemeClr val="accent1"/>
+          </a:fillRef>
+          <a:effectRef idx="0">
+            <a:schemeClr val="accent1"/>
+          </a:effectRef>
+          <a:fontRef idx="minor">
+            <a:schemeClr val="tx1"/>
+          </a:fontRef>
+        </p:style>
+      </p:cxnSp>
+      <p:sp>
+        <p:nvSpPr>
+          <p:cNvPr id="5" name="Text Placeholder 4">
+            <a:extLst>
+              <a:ext uri="{FF2B5EF4-FFF2-40B4-BE49-F238E27FC236}">
+                <a16:creationId xmlns:a16="http://schemas.microsoft.com/office/drawing/2014/main" id="{23F4C1D0-0C82-ED46-4762-F02889CF8302}"/>
+              </a:ext>
+            </a:extLst>
+          </p:cNvPr>
+          <p:cNvSpPr>
+            <a:spLocks noGrp="1"/>
+          </p:cNvSpPr>
+          <p:nvPr>
+            <p:ph type="body" sz="quarter" idx="13" hasCustomPrompt="1"/>
+          </p:nvPr>
+        </p:nvSpPr>
+        <p:spPr>
+          <a:xfrm>
+            <a:off x="604096" y="6413956"/>
+            <a:ext cx="5369984" cy="215444"/>
+          </a:xfrm>
+          <a:prstGeom prst="rect">
+            <a:avLst/>
+          </a:prstGeom>
+          <a:noFill/>
+        </p:spPr>
+        <p:txBody>
+          <a:bodyPr wrap="square" lIns="0" tIns="0" rIns="0" bIns="0">
+            <a:spAutoFit/>
+          </a:bodyPr>
+          <a:lstStyle>
+            <a:lvl1pPr marL="0" indent="0">
+              <a:spcBef>
+                <a:spcPts val="0"/>
+              </a:spcBef>
+              <a:buNone/>
+              <a:defRPr sz="1400" cap="all" spc="200" baseline="0">
+                <a:solidFill>
+                  <a:schemeClr val="tx1"/>
+                </a:solidFill>
+                <a:latin typeface="+mn-lt"/>
+                <a:cs typeface="Segoe UI" panose="020B0502040204020203" pitchFamily="34" charset="0"/>
+              </a:defRPr>
+            </a:lvl1pPr>
+          </a:lstStyle>
+          <a:p>
+            <a:pPr lvl="0"/>
+            <a:r>
+              <a:rPr lang="en-US"/>
+              <a:t>TARGET AUDIENCE STATEMENT</a:t>
+            </a:r>
+          </a:p>
+        </p:txBody>
+      </p:sp>
+    </p:spTree>
+    <p:extLst>
+      <p:ext uri="{BB962C8B-B14F-4D97-AF65-F5344CB8AC3E}">
+        <p14:creationId xmlns:p14="http://schemas.microsoft.com/office/powerpoint/2010/main" val="3568857194"/>
+      </p:ext>
+    </p:extLst>
+  </p:cSld>
+  <p:clrMapOvr>
+    <a:masterClrMapping/>
+  </p:clrMapOvr>
+  <p:transition spd="slow">
+    <p:push dir="u"/>
+  </p:transition>
+  <p:extLst>
+    <p:ext uri="{DCECCB84-F9BA-43D5-87BE-67443E8EF086}">
+      <p15:sldGuideLst xmlns:p15="http://schemas.microsoft.com/office/powerpoint/2012/main">
+        <p15:guide id="2" orient="horz" pos="1272">
+          <p15:clr>
+            <a:srgbClr val="5ACBF0"/>
+          </p15:clr>
+        </p15:guide>
+        <p15:guide id="3" orient="horz" pos="288">
+          <p15:clr>
+            <a:srgbClr val="5ACBF0"/>
+          </p15:clr>
+        </p15:guide>
+        <p15:guide id="5" orient="horz" pos="904">
+          <p15:clr>
+            <a:srgbClr val="5ACBF0"/>
+          </p15:clr>
+        </p15:guide>
+      </p15:sldGuideLst>
+    </p:ext>
+  </p:extLst>
+</p:sldLayout>
+</file>
+
+<file path=ppt/slideLayouts/slideLayout53.xml><?xml version="1.0" encoding="utf-8"?>
+<p:sldLayout xmlns:a="http://schemas.openxmlformats.org/drawingml/2006/main" xmlns:r="http://schemas.openxmlformats.org/officeDocument/2006/relationships" xmlns:p="http://schemas.openxmlformats.org/presentationml/2006/main" userDrawn="1">
+  <p:cSld name="Horizontal Key Point And Freeform">
+    <p:spTree>
+      <p:nvGrpSpPr>
+        <p:cNvPr id="1" name=""/>
+        <p:cNvGrpSpPr/>
+        <p:nvPr/>
+      </p:nvGrpSpPr>
+      <p:grpSpPr>
+        <a:xfrm>
+          <a:off x="0" y="0"/>
+          <a:ext cx="0" cy="0"/>
+          <a:chOff x="0" y="0"/>
+          <a:chExt cx="0" cy="0"/>
+        </a:xfrm>
+      </p:grpSpPr>
+      <p:sp>
+        <p:nvSpPr>
+          <p:cNvPr id="2" name="Title 1">
+            <a:extLst>
+              <a:ext uri="{FF2B5EF4-FFF2-40B4-BE49-F238E27FC236}">
+                <a16:creationId xmlns:a16="http://schemas.microsoft.com/office/drawing/2014/main" id="{39E5C076-3B78-4451-8068-576892A08E9C}"/>
+              </a:ext>
+            </a:extLst>
+          </p:cNvPr>
+          <p:cNvSpPr>
+            <a:spLocks noGrp="1"/>
+          </p:cNvSpPr>
+          <p:nvPr>
+            <p:ph type="title" hasCustomPrompt="1"/>
+          </p:nvPr>
+        </p:nvSpPr>
+        <p:spPr>
+          <a:xfrm>
+            <a:off x="585216" y="1752600"/>
+            <a:ext cx="3182027" cy="4315810"/>
+          </a:xfrm>
+          <a:prstGeom prst="rect">
+            <a:avLst/>
+          </a:prstGeom>
+        </p:spPr>
+        <p:txBody>
+          <a:bodyPr anchor="t"/>
+          <a:lstStyle>
+            <a:lvl1pPr>
+              <a:defRPr sz="3200">
+                <a:solidFill>
+                  <a:schemeClr val="tx1"/>
+                </a:solidFill>
+              </a:defRPr>
+            </a:lvl1pPr>
+          </a:lstStyle>
+          <a:p>
+            <a:r>
+              <a:rPr lang="en-US"/>
+              <a:t>Key point</a:t>
+            </a:r>
+          </a:p>
+        </p:txBody>
+      </p:sp>
+      <p:cxnSp>
+        <p:nvCxnSpPr>
+          <p:cNvPr id="5" name="Straight Connector 4">
+            <a:extLst>
+              <a:ext uri="{FF2B5EF4-FFF2-40B4-BE49-F238E27FC236}">
+                <a16:creationId xmlns:a16="http://schemas.microsoft.com/office/drawing/2014/main" id="{C35867F2-3994-4092-B53B-5792FEE69887}"/>
+              </a:ext>
+              <a:ext uri="{C183D7F6-B498-43B3-948B-1728B52AA6E4}">
+                <adec:decorative xmlns:adec="http://schemas.microsoft.com/office/drawing/2017/decorative" val="1"/>
+              </a:ext>
+            </a:extLst>
+          </p:cNvPr>
+          <p:cNvCxnSpPr>
+            <a:cxnSpLocks/>
+          </p:cNvCxnSpPr>
+          <p:nvPr userDrawn="1"/>
+        </p:nvCxnSpPr>
+        <p:spPr>
+          <a:xfrm>
+            <a:off x="585216" y="1614565"/>
+            <a:ext cx="3182112" cy="0"/>
+          </a:xfrm>
+          <a:prstGeom prst="line">
+            <a:avLst/>
+          </a:prstGeom>
+          <a:ln w="28575">
+            <a:solidFill>
+              <a:schemeClr val="accent1"/>
+            </a:solidFill>
+            <a:headEnd type="none" w="lg" len="med"/>
+            <a:tailEnd type="none" w="lg" len="med"/>
+          </a:ln>
+        </p:spPr>
+        <p:style>
+          <a:lnRef idx="1">
+            <a:schemeClr val="accent1"/>
+          </a:lnRef>
+          <a:fillRef idx="0">
+            <a:schemeClr val="accent1"/>
+          </a:fillRef>
+          <a:effectRef idx="0">
+            <a:schemeClr val="accent1"/>
+          </a:effectRef>
+          <a:fontRef idx="minor">
+            <a:schemeClr val="tx1"/>
+          </a:fontRef>
+        </p:style>
+      </p:cxnSp>
+      <p:sp>
+        <p:nvSpPr>
+          <p:cNvPr id="6" name="TextBox 5">
+            <a:extLst>
+              <a:ext uri="{FF2B5EF4-FFF2-40B4-BE49-F238E27FC236}">
+                <a16:creationId xmlns:a16="http://schemas.microsoft.com/office/drawing/2014/main" id="{49D8AF80-CAD5-4055-80AD-0B31EBCB52A9}"/>
+              </a:ext>
+            </a:extLst>
+          </p:cNvPr>
+          <p:cNvSpPr txBox="1"/>
+          <p:nvPr userDrawn="1"/>
+        </p:nvSpPr>
+        <p:spPr>
+          <a:xfrm>
+            <a:off x="12355721" y="-203944"/>
+            <a:ext cx="577081" cy="153888"/>
+          </a:xfrm>
+          <a:prstGeom prst="rect">
+            <a:avLst/>
+          </a:prstGeom>
+          <a:noFill/>
+        </p:spPr>
+        <p:txBody>
+          <a:bodyPr wrap="none" lIns="0" tIns="0" rIns="0" bIns="0" rtlCol="0">
+            <a:spAutoFit/>
+          </a:bodyPr>
+          <a:lstStyle/>
+          <a:p>
+            <a:pPr algn="l"/>
+            <a:r>
+              <a:rPr lang="en-US" sz="1000">
+                <a:solidFill>
+                  <a:srgbClr val="A3A3A3"/>
+                </a:solidFill>
+              </a:rPr>
+              <a:t>ELT layout</a:t>
+            </a:r>
+          </a:p>
+        </p:txBody>
+      </p:sp>
+      <p:cxnSp>
+        <p:nvCxnSpPr>
+          <p:cNvPr id="8" name="Straight Connector 7">
+            <a:extLst>
+              <a:ext uri="{FF2B5EF4-FFF2-40B4-BE49-F238E27FC236}">
+                <a16:creationId xmlns:a16="http://schemas.microsoft.com/office/drawing/2014/main" id="{DF1A9F7D-F14E-4BCE-9EB4-D9EF47B67809}"/>
+              </a:ext>
+              <a:ext uri="{C183D7F6-B498-43B3-948B-1728B52AA6E4}">
+                <adec:decorative xmlns:adec="http://schemas.microsoft.com/office/drawing/2017/decorative" val="1"/>
+              </a:ext>
+            </a:extLst>
+          </p:cNvPr>
+          <p:cNvCxnSpPr>
+            <a:cxnSpLocks/>
+          </p:cNvCxnSpPr>
+          <p:nvPr userDrawn="1"/>
+        </p:nvCxnSpPr>
+        <p:spPr>
+          <a:xfrm>
+            <a:off x="4354523" y="1614565"/>
+            <a:ext cx="7254865" cy="0"/>
+          </a:xfrm>
+          <a:prstGeom prst="line">
+            <a:avLst/>
+          </a:prstGeom>
+          <a:ln w="19050">
+            <a:solidFill>
+              <a:schemeClr val="tx1">
+                <a:alpha val="30000"/>
+              </a:schemeClr>
+            </a:solidFill>
+            <a:headEnd type="none" w="lg" len="med"/>
+            <a:tailEnd type="none" w="lg" len="med"/>
+          </a:ln>
+        </p:spPr>
+        <p:style>
+          <a:lnRef idx="1">
+            <a:schemeClr val="accent1"/>
+          </a:lnRef>
+          <a:fillRef idx="0">
+            <a:schemeClr val="accent1"/>
+          </a:fillRef>
+          <a:effectRef idx="0">
+            <a:schemeClr val="accent1"/>
+          </a:effectRef>
+          <a:fontRef idx="minor">
+            <a:schemeClr val="tx1"/>
+          </a:fontRef>
+        </p:style>
+      </p:cxnSp>
+      <p:sp>
+        <p:nvSpPr>
+          <p:cNvPr id="3" name="Text Placeholder 4">
+            <a:extLst>
+              <a:ext uri="{FF2B5EF4-FFF2-40B4-BE49-F238E27FC236}">
+                <a16:creationId xmlns:a16="http://schemas.microsoft.com/office/drawing/2014/main" id="{5D79A5FF-71CA-1AFF-D94C-ED7346B3CEFD}"/>
+              </a:ext>
+            </a:extLst>
+          </p:cNvPr>
+          <p:cNvSpPr>
+            <a:spLocks noGrp="1"/>
+          </p:cNvSpPr>
+          <p:nvPr>
+            <p:ph type="body" sz="quarter" idx="13" hasCustomPrompt="1"/>
+          </p:nvPr>
+        </p:nvSpPr>
+        <p:spPr>
+          <a:xfrm>
+            <a:off x="604096" y="6413956"/>
+            <a:ext cx="5369984" cy="215444"/>
+          </a:xfrm>
+          <a:prstGeom prst="rect">
+            <a:avLst/>
+          </a:prstGeom>
+          <a:noFill/>
+        </p:spPr>
+        <p:txBody>
+          <a:bodyPr wrap="square" lIns="0" tIns="0" rIns="0" bIns="0">
+            <a:spAutoFit/>
+          </a:bodyPr>
+          <a:lstStyle>
+            <a:lvl1pPr marL="0" indent="0">
+              <a:spcBef>
+                <a:spcPts val="0"/>
+              </a:spcBef>
+              <a:buNone/>
+              <a:defRPr sz="1400" cap="all" spc="200" baseline="0">
+                <a:solidFill>
+                  <a:schemeClr val="tx1"/>
+                </a:solidFill>
+                <a:latin typeface="+mn-lt"/>
+                <a:cs typeface="Segoe UI" panose="020B0502040204020203" pitchFamily="34" charset="0"/>
+              </a:defRPr>
+            </a:lvl1pPr>
+          </a:lstStyle>
+          <a:p>
+            <a:pPr lvl="0"/>
+            <a:r>
+              <a:rPr lang="en-US"/>
+              <a:t>TARGET AUDIENCE STATEMENT</a:t>
+            </a:r>
+          </a:p>
+        </p:txBody>
+      </p:sp>
+    </p:spTree>
+    <p:extLst>
+      <p:ext uri="{BB962C8B-B14F-4D97-AF65-F5344CB8AC3E}">
+        <p14:creationId xmlns:p14="http://schemas.microsoft.com/office/powerpoint/2010/main" val="3674946564"/>
+      </p:ext>
+    </p:extLst>
+  </p:cSld>
+  <p:clrMapOvr>
+    <a:masterClrMapping/>
+  </p:clrMapOvr>
+  <p:transition spd="slow">
+    <p:push dir="u"/>
+  </p:transition>
+  <p:extLst>
+    <p:ext uri="{DCECCB84-F9BA-43D5-87BE-67443E8EF086}">
+      <p15:sldGuideLst xmlns:p15="http://schemas.microsoft.com/office/powerpoint/2012/main">
+        <p15:guide id="13" pos="2744">
+          <p15:clr>
+            <a:srgbClr val="5ACBF0"/>
+          </p15:clr>
+        </p15:guide>
+        <p15:guide id="29" orient="horz" pos="1272">
+          <p15:clr>
+            <a:srgbClr val="5ACBF0"/>
+          </p15:clr>
+        </p15:guide>
+        <p15:guide id="30" pos="2376">
+          <p15:clr>
+            <a:srgbClr val="5ACBF0"/>
+          </p15:clr>
+        </p15:guide>
+        <p15:guide id="32" orient="horz" pos="1455">
+          <p15:clr>
+            <a:srgbClr val="5ACBF0"/>
+          </p15:clr>
+        </p15:guide>
+      </p15:sldGuideLst>
+    </p:ext>
+  </p:extLst>
 </p:sldLayout>
 </file>
 
@@ -15901,7 +16610,7 @@
           <p:nvPr/>
         </p:nvPicPr>
         <p:blipFill rotWithShape="1">
-          <a:blip r:embed="rId53"/>
+          <a:blip r:embed="rId55"/>
           <a:srcRect l="762"/>
           <a:stretch/>
         </p:blipFill>
@@ -15975,6 +16684,8 @@
     <p:sldLayoutId id="2147483927" r:id="rId49"/>
     <p:sldLayoutId id="2147483929" r:id="rId50"/>
     <p:sldLayoutId id="2147483930" r:id="rId51"/>
+    <p:sldLayoutId id="2147483931" r:id="rId52"/>
+    <p:sldLayoutId id="2147483932" r:id="rId53"/>
   </p:sldLayoutIdLst>
   <p:transition>
     <p:fade/>
@@ -16717,6 +17428,6297 @@
       </p:grpSpPr>
       <p:sp>
         <p:nvSpPr>
+          <p:cNvPr id="2" name="Title 1">
+            <a:extLst>
+              <a:ext uri="{FF2B5EF4-FFF2-40B4-BE49-F238E27FC236}">
+                <a16:creationId xmlns:a16="http://schemas.microsoft.com/office/drawing/2014/main" id="{870D5AA4-8AB5-F26E-7242-0C549C410A5F}"/>
+              </a:ext>
+            </a:extLst>
+          </p:cNvPr>
+          <p:cNvSpPr>
+            <a:spLocks noGrp="1"/>
+          </p:cNvSpPr>
+          <p:nvPr>
+            <p:ph type="title"/>
+          </p:nvPr>
+        </p:nvSpPr>
+        <p:spPr/>
+        <p:txBody>
+          <a:bodyPr/>
+          <a:lstStyle/>
+          <a:p>
+            <a:r>
+              <a:rPr lang="en-US"/>
+              <a:t>Meet the lightweight Kernel of Semantic Kernel.</a:t>
+            </a:r>
+          </a:p>
+        </p:txBody>
+      </p:sp>
+      <p:sp>
+        <p:nvSpPr>
+          <p:cNvPr id="4" name="TextBox 3">
+            <a:extLst>
+              <a:ext uri="{FF2B5EF4-FFF2-40B4-BE49-F238E27FC236}">
+                <a16:creationId xmlns:a16="http://schemas.microsoft.com/office/drawing/2014/main" id="{059B0FC7-858E-0B56-516E-2BD47960DEA6}"/>
+              </a:ext>
+            </a:extLst>
+          </p:cNvPr>
+          <p:cNvSpPr txBox="1"/>
+          <p:nvPr/>
+        </p:nvSpPr>
+        <p:spPr>
+          <a:xfrm>
+            <a:off x="9923489" y="1798820"/>
+            <a:ext cx="65" cy="307777"/>
+          </a:xfrm>
+          <a:prstGeom prst="rect">
+            <a:avLst/>
+          </a:prstGeom>
+          <a:noFill/>
+        </p:spPr>
+        <p:txBody>
+          <a:bodyPr wrap="none" lIns="0" tIns="0" rIns="0" bIns="0" rtlCol="0">
+            <a:spAutoFit/>
+          </a:bodyPr>
+          <a:lstStyle/>
+          <a:p>
+            <a:pPr algn="l"/>
+            <a:endParaRPr lang="en-US" sz="2000"/>
+          </a:p>
+        </p:txBody>
+      </p:sp>
+      <p:grpSp>
+        <p:nvGrpSpPr>
+          <p:cNvPr id="3" name="Group 2">
+            <a:extLst>
+              <a:ext uri="{FF2B5EF4-FFF2-40B4-BE49-F238E27FC236}">
+                <a16:creationId xmlns:a16="http://schemas.microsoft.com/office/drawing/2014/main" id="{8DC5FE2B-A9C1-4916-AC08-9C6B730943E5}"/>
+              </a:ext>
+            </a:extLst>
+          </p:cNvPr>
+          <p:cNvGrpSpPr/>
+          <p:nvPr/>
+        </p:nvGrpSpPr>
+        <p:grpSpPr>
+          <a:xfrm>
+            <a:off x="908515" y="2386934"/>
+            <a:ext cx="5565641" cy="2996489"/>
+            <a:chOff x="908515" y="2386934"/>
+            <a:chExt cx="5565641" cy="2996489"/>
+          </a:xfrm>
+        </p:grpSpPr>
+        <p:sp>
+          <p:nvSpPr>
+            <p:cNvPr id="21" name="Cube 20">
+              <a:extLst>
+                <a:ext uri="{FF2B5EF4-FFF2-40B4-BE49-F238E27FC236}">
+                  <a16:creationId xmlns:a16="http://schemas.microsoft.com/office/drawing/2014/main" id="{324C5186-25BF-29A8-B695-A19C8F94704D}"/>
+                </a:ext>
+              </a:extLst>
+            </p:cNvPr>
+            <p:cNvSpPr/>
+            <p:nvPr/>
+          </p:nvSpPr>
+          <p:spPr bwMode="auto">
+            <a:xfrm>
+              <a:off x="1445853" y="4207270"/>
+              <a:ext cx="1414132" cy="1176153"/>
+            </a:xfrm>
+            <a:prstGeom prst="cube">
+              <a:avLst/>
+            </a:prstGeom>
+            <a:solidFill>
+              <a:schemeClr val="tx2">
+                <a:lumMod val="50000"/>
+              </a:schemeClr>
+            </a:solidFill>
+            <a:ln>
+              <a:noFill/>
+              <a:headEnd type="none" w="med" len="med"/>
+              <a:tailEnd type="none" w="med" len="med"/>
+            </a:ln>
+            <a:effectLst/>
+          </p:spPr>
+          <p:style>
+            <a:lnRef idx="1">
+              <a:schemeClr val="accent2"/>
+            </a:lnRef>
+            <a:fillRef idx="3">
+              <a:schemeClr val="accent2"/>
+            </a:fillRef>
+            <a:effectRef idx="2">
+              <a:schemeClr val="accent2"/>
+            </a:effectRef>
+            <a:fontRef idx="minor">
+              <a:schemeClr val="lt1"/>
+            </a:fontRef>
+          </p:style>
+          <p:txBody>
+            <a:bodyPr rot="0" spcFirstLastPara="0" vertOverflow="overflow" horzOverflow="overflow" vert="horz" wrap="square" lIns="0" tIns="0" rIns="0" bIns="0" numCol="1" spcCol="0" rtlCol="0" fromWordArt="0" anchor="t" anchorCtr="0" forceAA="0" compatLnSpc="1">
+              <a:prstTxWarp prst="textNoShape">
+                <a:avLst/>
+              </a:prstTxWarp>
+              <a:noAutofit/>
+            </a:bodyPr>
+            <a:lstStyle/>
+            <a:p>
+              <a:pPr algn="l" defTabSz="932472" fontAlgn="base">
+                <a:spcBef>
+                  <a:spcPct val="0"/>
+                </a:spcBef>
+                <a:spcAft>
+                  <a:spcPct val="0"/>
+                </a:spcAft>
+              </a:pPr>
+              <a:r>
+                <a:rPr lang="en-US" sz="2000">
+                  <a:solidFill>
+                    <a:srgbClr val="000000"/>
+                  </a:solidFill>
+                  <a:ea typeface="Segoe UI" pitchFamily="34" charset="0"/>
+                  <a:cs typeface="Segoe UI" pitchFamily="34" charset="0"/>
+                </a:rPr>
+                <a:t> </a:t>
+              </a:r>
+            </a:p>
+            <a:p>
+              <a:pPr algn="l" defTabSz="932472" fontAlgn="base">
+                <a:spcBef>
+                  <a:spcPct val="0"/>
+                </a:spcBef>
+                <a:spcAft>
+                  <a:spcPct val="0"/>
+                </a:spcAft>
+              </a:pPr>
+              <a:r>
+                <a:rPr lang="en-US" sz="2000">
+                  <a:solidFill>
+                    <a:srgbClr val="000000"/>
+                  </a:solidFill>
+                  <a:ea typeface="Segoe UI" pitchFamily="34" charset="0"/>
+                  <a:cs typeface="Segoe UI" pitchFamily="34" charset="0"/>
+                </a:rPr>
+                <a:t>       </a:t>
+              </a:r>
+              <a:r>
+                <a:rPr lang="en-US" sz="2000">
+                  <a:solidFill>
+                    <a:schemeClr val="tx1"/>
+                  </a:solidFill>
+                  <a:ea typeface="Segoe UI" pitchFamily="34" charset="0"/>
+                  <a:cs typeface="Segoe UI" pitchFamily="34" charset="0"/>
+                </a:rPr>
+                <a:t>ernel</a:t>
+              </a:r>
+            </a:p>
+          </p:txBody>
+        </p:sp>
+        <p:sp>
+          <p:nvSpPr>
+            <p:cNvPr id="32" name="Rectangle 31">
+              <a:extLst>
+                <a:ext uri="{FF2B5EF4-FFF2-40B4-BE49-F238E27FC236}">
+                  <a16:creationId xmlns:a16="http://schemas.microsoft.com/office/drawing/2014/main" id="{FF3AC305-7AED-30A2-3796-89268957F4DF}"/>
+                </a:ext>
+              </a:extLst>
+            </p:cNvPr>
+            <p:cNvSpPr/>
+            <p:nvPr/>
+          </p:nvSpPr>
+          <p:spPr>
+            <a:xfrm>
+              <a:off x="1397618" y="4447083"/>
+              <a:ext cx="633507" cy="923330"/>
+            </a:xfrm>
+            <a:prstGeom prst="rect">
+              <a:avLst/>
+            </a:prstGeom>
+            <a:noFill/>
+          </p:spPr>
+          <p:txBody>
+            <a:bodyPr wrap="none" lIns="91440" tIns="45720" rIns="91440" bIns="45720">
+              <a:spAutoFit/>
+            </a:bodyPr>
+            <a:lstStyle/>
+            <a:p>
+              <a:pPr algn="ctr"/>
+              <a:r>
+                <a:rPr lang="en-US" sz="5400" b="1" cap="none" spc="0">
+                  <a:ln w="12700">
+                    <a:solidFill>
+                      <a:schemeClr val="tx2">
+                        <a:lumMod val="75000"/>
+                      </a:schemeClr>
+                    </a:solidFill>
+                    <a:prstDash val="solid"/>
+                  </a:ln>
+                  <a:pattFill prst="dkUpDiag">
+                    <a:fgClr>
+                      <a:schemeClr val="tx2"/>
+                    </a:fgClr>
+                    <a:bgClr>
+                      <a:schemeClr val="tx2">
+                        <a:lumMod val="20000"/>
+                        <a:lumOff val="80000"/>
+                      </a:schemeClr>
+                    </a:bgClr>
+                  </a:pattFill>
+                  <a:effectLst>
+                    <a:outerShdw dist="38100" dir="2640000" algn="bl" rotWithShape="0">
+                      <a:schemeClr val="tx2">
+                        <a:lumMod val="75000"/>
+                      </a:schemeClr>
+                    </a:outerShdw>
+                  </a:effectLst>
+                </a:rPr>
+                <a:t>K</a:t>
+              </a:r>
+            </a:p>
+          </p:txBody>
+        </p:sp>
+        <p:sp>
+          <p:nvSpPr>
+            <p:cNvPr id="41" name="TextBox 40">
+              <a:extLst>
+                <a:ext uri="{FF2B5EF4-FFF2-40B4-BE49-F238E27FC236}">
+                  <a16:creationId xmlns:a16="http://schemas.microsoft.com/office/drawing/2014/main" id="{EFB02E16-E928-012B-105E-21F3203E70F5}"/>
+                </a:ext>
+              </a:extLst>
+            </p:cNvPr>
+            <p:cNvSpPr txBox="1"/>
+            <p:nvPr/>
+          </p:nvSpPr>
+          <p:spPr>
+            <a:xfrm>
+              <a:off x="1877855" y="2546058"/>
+              <a:ext cx="4596301" cy="1107996"/>
+            </a:xfrm>
+            <a:prstGeom prst="rect">
+              <a:avLst/>
+            </a:prstGeom>
+            <a:noFill/>
+            <a:effectLst>
+              <a:outerShdw blurRad="50800" dist="38100" dir="2700000" algn="tl" rotWithShape="0">
+                <a:prstClr val="black">
+                  <a:alpha val="40000"/>
+                </a:prstClr>
+              </a:outerShdw>
+            </a:effectLst>
+          </p:spPr>
+          <p:txBody>
+            <a:bodyPr wrap="square" lIns="0" tIns="0" rIns="0" bIns="0" rtlCol="0">
+              <a:spAutoFit/>
+            </a:bodyPr>
+            <a:lstStyle/>
+            <a:p>
+              <a:r>
+                <a:rPr lang="en-US"/>
+                <a:t>I’ve been designed to orchestrate complicated LLM AI prompts combined with native code, use multiple AI models, and use a goal-oriented approach to achieving asks.”</a:t>
+              </a:r>
+            </a:p>
+          </p:txBody>
+        </p:sp>
+        <p:sp>
+          <p:nvSpPr>
+            <p:cNvPr id="45" name="TextBox 44">
+              <a:extLst>
+                <a:ext uri="{FF2B5EF4-FFF2-40B4-BE49-F238E27FC236}">
+                  <a16:creationId xmlns:a16="http://schemas.microsoft.com/office/drawing/2014/main" id="{EE05843C-7E28-BB3B-8F79-8DAE24551FB1}"/>
+                </a:ext>
+              </a:extLst>
+            </p:cNvPr>
+            <p:cNvSpPr txBox="1"/>
+            <p:nvPr/>
+          </p:nvSpPr>
+          <p:spPr>
+            <a:xfrm>
+              <a:off x="1522155" y="2386934"/>
+              <a:ext cx="385948" cy="861774"/>
+            </a:xfrm>
+            <a:prstGeom prst="rect">
+              <a:avLst/>
+            </a:prstGeom>
+            <a:noFill/>
+          </p:spPr>
+          <p:txBody>
+            <a:bodyPr wrap="square">
+              <a:spAutoFit/>
+            </a:bodyPr>
+            <a:lstStyle/>
+            <a:p>
+              <a:r>
+                <a:rPr lang="en-US" sz="5000"/>
+                <a:t>“</a:t>
+              </a:r>
+            </a:p>
+          </p:txBody>
+        </p:sp>
+        <p:sp>
+          <p:nvSpPr>
+            <p:cNvPr id="47" name="TextBox 46">
+              <a:extLst>
+                <a:ext uri="{FF2B5EF4-FFF2-40B4-BE49-F238E27FC236}">
+                  <a16:creationId xmlns:a16="http://schemas.microsoft.com/office/drawing/2014/main" id="{D30E470C-CD48-AA30-F986-5C2DA92B2B67}"/>
+                </a:ext>
+              </a:extLst>
+            </p:cNvPr>
+            <p:cNvSpPr txBox="1"/>
+            <p:nvPr/>
+          </p:nvSpPr>
+          <p:spPr>
+            <a:xfrm>
+              <a:off x="908515" y="3853424"/>
+              <a:ext cx="944592" cy="1015663"/>
+            </a:xfrm>
+            <a:prstGeom prst="rect">
+              <a:avLst/>
+            </a:prstGeom>
+            <a:noFill/>
+          </p:spPr>
+          <p:txBody>
+            <a:bodyPr wrap="square">
+              <a:spAutoFit/>
+            </a:bodyPr>
+            <a:lstStyle/>
+            <a:p>
+              <a:r>
+                <a:rPr lang="en-US" sz="6000" b="1"/>
+                <a:t>👋</a:t>
+              </a:r>
+              <a:endParaRPr lang="en-US" sz="6000"/>
+            </a:p>
+          </p:txBody>
+        </p:sp>
+        <p:cxnSp>
+          <p:nvCxnSpPr>
+            <p:cNvPr id="49" name="Straight Connector 48">
+              <a:extLst>
+                <a:ext uri="{FF2B5EF4-FFF2-40B4-BE49-F238E27FC236}">
+                  <a16:creationId xmlns:a16="http://schemas.microsoft.com/office/drawing/2014/main" id="{0384622F-B6E1-6B24-C702-F4A7DFEF78C3}"/>
+                </a:ext>
+              </a:extLst>
+            </p:cNvPr>
+            <p:cNvCxnSpPr>
+              <a:cxnSpLocks/>
+            </p:cNvCxnSpPr>
+            <p:nvPr/>
+          </p:nvCxnSpPr>
+          <p:spPr>
+            <a:xfrm flipV="1">
+              <a:off x="2233491" y="3735334"/>
+              <a:ext cx="0" cy="692510"/>
+            </a:xfrm>
+            <a:prstGeom prst="line">
+              <a:avLst/>
+            </a:prstGeom>
+            <a:ln w="22225">
+              <a:solidFill>
+                <a:schemeClr val="tx1"/>
+              </a:solidFill>
+              <a:headEnd type="none" w="lg" len="med"/>
+              <a:tailEnd type="none" w="lg" len="med"/>
+            </a:ln>
+          </p:spPr>
+          <p:style>
+            <a:lnRef idx="1">
+              <a:schemeClr val="accent1"/>
+            </a:lnRef>
+            <a:fillRef idx="0">
+              <a:schemeClr val="accent1"/>
+            </a:fillRef>
+            <a:effectRef idx="0">
+              <a:schemeClr val="accent1"/>
+            </a:effectRef>
+            <a:fontRef idx="minor">
+              <a:schemeClr val="tx1"/>
+            </a:fontRef>
+          </p:style>
+        </p:cxnSp>
+      </p:grpSp>
+      <p:grpSp>
+        <p:nvGrpSpPr>
+          <p:cNvPr id="8" name="Group 7">
+            <a:extLst>
+              <a:ext uri="{FF2B5EF4-FFF2-40B4-BE49-F238E27FC236}">
+                <a16:creationId xmlns:a16="http://schemas.microsoft.com/office/drawing/2014/main" id="{1B4AF347-B438-2069-74A4-A33CF3D070EC}"/>
+              </a:ext>
+            </a:extLst>
+          </p:cNvPr>
+          <p:cNvGrpSpPr/>
+          <p:nvPr/>
+        </p:nvGrpSpPr>
+        <p:grpSpPr>
+          <a:xfrm>
+            <a:off x="2759724" y="3682107"/>
+            <a:ext cx="5333462" cy="2626237"/>
+            <a:chOff x="2759724" y="3682107"/>
+            <a:chExt cx="5333462" cy="2626237"/>
+          </a:xfrm>
+        </p:grpSpPr>
+        <p:sp>
+          <p:nvSpPr>
+            <p:cNvPr id="6" name="Can 5">
+              <a:extLst>
+                <a:ext uri="{FF2B5EF4-FFF2-40B4-BE49-F238E27FC236}">
+                  <a16:creationId xmlns:a16="http://schemas.microsoft.com/office/drawing/2014/main" id="{9AE5124E-76C4-39D5-5CF5-F91FF42D534C}"/>
+                </a:ext>
+              </a:extLst>
+            </p:cNvPr>
+            <p:cNvSpPr/>
+            <p:nvPr/>
+          </p:nvSpPr>
+          <p:spPr bwMode="auto">
+            <a:xfrm>
+              <a:off x="6725809" y="5327067"/>
+              <a:ext cx="1026067" cy="981277"/>
+            </a:xfrm>
+            <a:prstGeom prst="can">
+              <a:avLst/>
+            </a:prstGeom>
+            <a:solidFill>
+              <a:schemeClr val="tx2">
+                <a:lumMod val="75000"/>
+              </a:schemeClr>
+            </a:solidFill>
+            <a:ln>
+              <a:noFill/>
+              <a:headEnd type="none" w="med" len="med"/>
+              <a:tailEnd type="none" w="med" len="med"/>
+            </a:ln>
+            <a:effectLst/>
+          </p:spPr>
+          <p:style>
+            <a:lnRef idx="1">
+              <a:schemeClr val="accent2"/>
+            </a:lnRef>
+            <a:fillRef idx="3">
+              <a:schemeClr val="accent2"/>
+            </a:fillRef>
+            <a:effectRef idx="2">
+              <a:schemeClr val="accent2"/>
+            </a:effectRef>
+            <a:fontRef idx="minor">
+              <a:schemeClr val="lt1"/>
+            </a:fontRef>
+          </p:style>
+          <p:txBody>
+            <a:bodyPr rot="0" spcFirstLastPara="0" vertOverflow="overflow" horzOverflow="overflow" vert="horz" wrap="square" lIns="182880" tIns="146304" rIns="182880" bIns="146304" numCol="1" spcCol="0" rtlCol="0" fromWordArt="0" anchor="t" anchorCtr="0" forceAA="0" compatLnSpc="1">
+              <a:prstTxWarp prst="textNoShape">
+                <a:avLst/>
+              </a:prstTxWarp>
+              <a:noAutofit/>
+            </a:bodyPr>
+            <a:lstStyle/>
+            <a:p>
+              <a:pPr algn="l" defTabSz="932472" fontAlgn="base">
+                <a:spcBef>
+                  <a:spcPct val="0"/>
+                </a:spcBef>
+                <a:spcAft>
+                  <a:spcPct val="0"/>
+                </a:spcAft>
+              </a:pPr>
+              <a:endParaRPr lang="en-US" sz="2000" err="1">
+                <a:solidFill>
+                  <a:srgbClr val="000000"/>
+                </a:solidFill>
+                <a:ea typeface="Segoe UI" pitchFamily="34" charset="0"/>
+                <a:cs typeface="Segoe UI" pitchFamily="34" charset="0"/>
+              </a:endParaRPr>
+            </a:p>
+          </p:txBody>
+        </p:sp>
+        <p:sp>
+          <p:nvSpPr>
+            <p:cNvPr id="7" name="TextBox 6">
+              <a:extLst>
+                <a:ext uri="{FF2B5EF4-FFF2-40B4-BE49-F238E27FC236}">
+                  <a16:creationId xmlns:a16="http://schemas.microsoft.com/office/drawing/2014/main" id="{0A9DD7B9-2FB3-970A-9D40-E7214342A996}"/>
+                </a:ext>
+              </a:extLst>
+            </p:cNvPr>
+            <p:cNvSpPr txBox="1"/>
+            <p:nvPr/>
+          </p:nvSpPr>
+          <p:spPr>
+            <a:xfrm>
+              <a:off x="6627662" y="5718934"/>
+              <a:ext cx="1229558" cy="276999"/>
+            </a:xfrm>
+            <a:prstGeom prst="rect">
+              <a:avLst/>
+            </a:prstGeom>
+            <a:noFill/>
+          </p:spPr>
+          <p:txBody>
+            <a:bodyPr wrap="square" lIns="0" tIns="0" rIns="0" bIns="0" rtlCol="0">
+              <a:spAutoFit/>
+            </a:bodyPr>
+            <a:lstStyle/>
+            <a:p>
+              <a:pPr algn="ctr"/>
+              <a:r>
+                <a:rPr lang="en-US" b="1"/>
+                <a:t>SKILLS</a:t>
+              </a:r>
+            </a:p>
+          </p:txBody>
+        </p:sp>
+        <p:sp>
+          <p:nvSpPr>
+            <p:cNvPr id="15" name="Multidocument 14">
+              <a:extLst>
+                <a:ext uri="{FF2B5EF4-FFF2-40B4-BE49-F238E27FC236}">
+                  <a16:creationId xmlns:a16="http://schemas.microsoft.com/office/drawing/2014/main" id="{A9E2D2F6-5010-F5E7-20B3-54F97AF09810}"/>
+                </a:ext>
+              </a:extLst>
+            </p:cNvPr>
+            <p:cNvSpPr/>
+            <p:nvPr/>
+          </p:nvSpPr>
+          <p:spPr bwMode="auto">
+            <a:xfrm>
+              <a:off x="6496391" y="3682107"/>
+              <a:ext cx="1596795" cy="1066233"/>
+            </a:xfrm>
+            <a:prstGeom prst="flowChartMultidocument">
+              <a:avLst/>
+            </a:prstGeom>
+            <a:solidFill>
+              <a:srgbClr val="FFC000"/>
+            </a:solidFill>
+            <a:ln>
+              <a:solidFill>
+                <a:schemeClr val="bg1"/>
+              </a:solidFill>
+              <a:headEnd type="none" w="med" len="med"/>
+              <a:tailEnd type="none" w="med" len="med"/>
+            </a:ln>
+            <a:effectLst>
+              <a:outerShdw blurRad="771749" sx="102000" sy="102000" algn="ctr" rotWithShape="0">
+                <a:srgbClr val="FFC000">
+                  <a:alpha val="40000"/>
+                </a:srgbClr>
+              </a:outerShdw>
+            </a:effectLst>
+          </p:spPr>
+          <p:style>
+            <a:lnRef idx="1">
+              <a:schemeClr val="accent2"/>
+            </a:lnRef>
+            <a:fillRef idx="3">
+              <a:schemeClr val="accent2"/>
+            </a:fillRef>
+            <a:effectRef idx="2">
+              <a:schemeClr val="accent2"/>
+            </a:effectRef>
+            <a:fontRef idx="minor">
+              <a:schemeClr val="lt1"/>
+            </a:fontRef>
+          </p:style>
+          <p:txBody>
+            <a:bodyPr rot="0" spcFirstLastPara="0" vertOverflow="overflow" horzOverflow="overflow" vert="horz" wrap="square" lIns="182880" tIns="146304" rIns="182880" bIns="146304" numCol="1" spcCol="0" rtlCol="0" fromWordArt="0" anchor="t" anchorCtr="0" forceAA="0" compatLnSpc="1">
+              <a:prstTxWarp prst="textNoShape">
+                <a:avLst/>
+              </a:prstTxWarp>
+              <a:noAutofit/>
+            </a:bodyPr>
+            <a:lstStyle/>
+            <a:p>
+              <a:pPr algn="l" defTabSz="932472" fontAlgn="base">
+                <a:spcBef>
+                  <a:spcPct val="0"/>
+                </a:spcBef>
+                <a:spcAft>
+                  <a:spcPct val="0"/>
+                </a:spcAft>
+              </a:pPr>
+              <a:endParaRPr lang="en-US" sz="2000" err="1">
+                <a:solidFill>
+                  <a:srgbClr val="000000"/>
+                </a:solidFill>
+                <a:ea typeface="Segoe UI" pitchFamily="34" charset="0"/>
+                <a:cs typeface="Segoe UI" pitchFamily="34" charset="0"/>
+              </a:endParaRPr>
+            </a:p>
+          </p:txBody>
+        </p:sp>
+        <p:sp>
+          <p:nvSpPr>
+            <p:cNvPr id="16" name="TextBox 15">
+              <a:extLst>
+                <a:ext uri="{FF2B5EF4-FFF2-40B4-BE49-F238E27FC236}">
+                  <a16:creationId xmlns:a16="http://schemas.microsoft.com/office/drawing/2014/main" id="{FBD6C55D-9473-C593-0048-2E0EAC4BBFE4}"/>
+                </a:ext>
+              </a:extLst>
+            </p:cNvPr>
+            <p:cNvSpPr txBox="1"/>
+            <p:nvPr/>
+          </p:nvSpPr>
+          <p:spPr>
+            <a:xfrm>
+              <a:off x="6635872" y="4079046"/>
+              <a:ext cx="1075364" cy="276999"/>
+            </a:xfrm>
+            <a:prstGeom prst="rect">
+              <a:avLst/>
+            </a:prstGeom>
+            <a:noFill/>
+          </p:spPr>
+          <p:txBody>
+            <a:bodyPr wrap="square" lIns="0" tIns="0" rIns="0" bIns="0" rtlCol="0">
+              <a:spAutoFit/>
+            </a:bodyPr>
+            <a:lstStyle/>
+            <a:p>
+              <a:pPr algn="ctr"/>
+              <a:r>
+                <a:rPr lang="en-US" b="1">
+                  <a:solidFill>
+                    <a:schemeClr val="bg1"/>
+                  </a:solidFill>
+                </a:rPr>
+                <a:t>PLANNER</a:t>
+              </a:r>
+            </a:p>
+          </p:txBody>
+        </p:sp>
+        <p:sp>
+          <p:nvSpPr>
+            <p:cNvPr id="56" name="Freeform 55">
+              <a:extLst>
+                <a:ext uri="{FF2B5EF4-FFF2-40B4-BE49-F238E27FC236}">
+                  <a16:creationId xmlns:a16="http://schemas.microsoft.com/office/drawing/2014/main" id="{9265A63B-8B40-E0A8-8B9C-7A8A07D18838}"/>
+                </a:ext>
+              </a:extLst>
+            </p:cNvPr>
+            <p:cNvSpPr/>
+            <p:nvPr/>
+          </p:nvSpPr>
+          <p:spPr bwMode="auto">
+            <a:xfrm>
+              <a:off x="2759724" y="4286250"/>
+              <a:ext cx="3598680" cy="495300"/>
+            </a:xfrm>
+            <a:custGeom>
+              <a:avLst/>
+              <a:gdLst>
+                <a:gd name="connsiteX0" fmla="*/ 0 w 4591050"/>
+                <a:gd name="connsiteY0" fmla="*/ 495300 h 495300"/>
+                <a:gd name="connsiteX1" fmla="*/ 3505200 w 4591050"/>
+                <a:gd name="connsiteY1" fmla="*/ 495300 h 495300"/>
+                <a:gd name="connsiteX2" fmla="*/ 3505200 w 4591050"/>
+                <a:gd name="connsiteY2" fmla="*/ 0 h 495300"/>
+                <a:gd name="connsiteX3" fmla="*/ 4591050 w 4591050"/>
+                <a:gd name="connsiteY3" fmla="*/ 0 h 495300"/>
+              </a:gdLst>
+              <a:ahLst/>
+              <a:cxnLst>
+                <a:cxn ang="0">
+                  <a:pos x="connsiteX0" y="connsiteY0"/>
+                </a:cxn>
+                <a:cxn ang="0">
+                  <a:pos x="connsiteX1" y="connsiteY1"/>
+                </a:cxn>
+                <a:cxn ang="0">
+                  <a:pos x="connsiteX2" y="connsiteY2"/>
+                </a:cxn>
+                <a:cxn ang="0">
+                  <a:pos x="connsiteX3" y="connsiteY3"/>
+                </a:cxn>
+              </a:cxnLst>
+              <a:rect l="l" t="t" r="r" b="b"/>
+              <a:pathLst>
+                <a:path w="4591050" h="495300">
+                  <a:moveTo>
+                    <a:pt x="0" y="495300"/>
+                  </a:moveTo>
+                  <a:lnTo>
+                    <a:pt x="3505200" y="495300"/>
+                  </a:lnTo>
+                  <a:lnTo>
+                    <a:pt x="3505200" y="0"/>
+                  </a:lnTo>
+                  <a:lnTo>
+                    <a:pt x="4591050" y="0"/>
+                  </a:lnTo>
+                </a:path>
+              </a:pathLst>
+            </a:custGeom>
+            <a:noFill/>
+            <a:ln w="38100">
+              <a:solidFill>
+                <a:schemeClr val="accent6">
+                  <a:lumMod val="40000"/>
+                  <a:lumOff val="60000"/>
+                </a:schemeClr>
+              </a:solidFill>
+              <a:prstDash val="sysDot"/>
+              <a:headEnd type="none" w="med" len="med"/>
+              <a:tailEnd type="arrow" w="med" len="med"/>
+            </a:ln>
+            <a:effectLst/>
+          </p:spPr>
+          <p:style>
+            <a:lnRef idx="1">
+              <a:schemeClr val="accent2"/>
+            </a:lnRef>
+            <a:fillRef idx="3">
+              <a:schemeClr val="accent2"/>
+            </a:fillRef>
+            <a:effectRef idx="2">
+              <a:schemeClr val="accent2"/>
+            </a:effectRef>
+            <a:fontRef idx="minor">
+              <a:schemeClr val="lt1"/>
+            </a:fontRef>
+          </p:style>
+          <p:txBody>
+            <a:bodyPr rtlCol="0" anchor="ctr"/>
+            <a:lstStyle/>
+            <a:p>
+              <a:pPr algn="ctr"/>
+              <a:endParaRPr lang="en-US"/>
+            </a:p>
+          </p:txBody>
+        </p:sp>
+        <p:sp>
+          <p:nvSpPr>
+            <p:cNvPr id="57" name="TextBox 56">
+              <a:extLst>
+                <a:ext uri="{FF2B5EF4-FFF2-40B4-BE49-F238E27FC236}">
+                  <a16:creationId xmlns:a16="http://schemas.microsoft.com/office/drawing/2014/main" id="{2863EA39-2341-10D7-2B21-A598EA8843C0}"/>
+                </a:ext>
+              </a:extLst>
+            </p:cNvPr>
+            <p:cNvSpPr txBox="1"/>
+            <p:nvPr/>
+          </p:nvSpPr>
+          <p:spPr>
+            <a:xfrm>
+              <a:off x="3236607" y="5048562"/>
+              <a:ext cx="3259784" cy="830997"/>
+            </a:xfrm>
+            <a:prstGeom prst="rect">
+              <a:avLst/>
+            </a:prstGeom>
+            <a:noFill/>
+            <a:effectLst>
+              <a:outerShdw blurRad="50800" dist="38100" dir="2700000" algn="tl" rotWithShape="0">
+                <a:prstClr val="black">
+                  <a:alpha val="40000"/>
+                </a:prstClr>
+              </a:outerShdw>
+            </a:effectLst>
+          </p:spPr>
+          <p:txBody>
+            <a:bodyPr wrap="square" lIns="0" tIns="0" rIns="0" bIns="0" rtlCol="0">
+              <a:spAutoFit/>
+            </a:bodyPr>
+            <a:lstStyle/>
+            <a:p>
+              <a:r>
+                <a:rPr lang="en-US"/>
+                <a:t>I take a user’s ask and generate a step-by-step plan that draws upon available skills.”</a:t>
+              </a:r>
+            </a:p>
+          </p:txBody>
+        </p:sp>
+        <p:sp>
+          <p:nvSpPr>
+            <p:cNvPr id="58" name="TextBox 57">
+              <a:extLst>
+                <a:ext uri="{FF2B5EF4-FFF2-40B4-BE49-F238E27FC236}">
+                  <a16:creationId xmlns:a16="http://schemas.microsoft.com/office/drawing/2014/main" id="{001ABA19-8FD1-D6CE-7E54-ADB508C7266C}"/>
+                </a:ext>
+              </a:extLst>
+            </p:cNvPr>
+            <p:cNvSpPr txBox="1"/>
+            <p:nvPr/>
+          </p:nvSpPr>
+          <p:spPr>
+            <a:xfrm>
+              <a:off x="2867129" y="4902142"/>
+              <a:ext cx="385948" cy="861774"/>
+            </a:xfrm>
+            <a:prstGeom prst="rect">
+              <a:avLst/>
+            </a:prstGeom>
+            <a:noFill/>
+          </p:spPr>
+          <p:txBody>
+            <a:bodyPr wrap="square">
+              <a:spAutoFit/>
+            </a:bodyPr>
+            <a:lstStyle/>
+            <a:p>
+              <a:r>
+                <a:rPr lang="en-US" sz="5000"/>
+                <a:t>“</a:t>
+              </a:r>
+            </a:p>
+          </p:txBody>
+        </p:sp>
+      </p:grpSp>
+      <p:grpSp>
+        <p:nvGrpSpPr>
+          <p:cNvPr id="9" name="Group 8">
+            <a:extLst>
+              <a:ext uri="{FF2B5EF4-FFF2-40B4-BE49-F238E27FC236}">
+                <a16:creationId xmlns:a16="http://schemas.microsoft.com/office/drawing/2014/main" id="{034E4633-60FF-77A8-5F79-C1C17F916B36}"/>
+              </a:ext>
+            </a:extLst>
+          </p:cNvPr>
+          <p:cNvGrpSpPr/>
+          <p:nvPr/>
+        </p:nvGrpSpPr>
+        <p:grpSpPr>
+          <a:xfrm>
+            <a:off x="6924907" y="3584405"/>
+            <a:ext cx="4539329" cy="2347407"/>
+            <a:chOff x="6924907" y="3584405"/>
+            <a:chExt cx="4539329" cy="2347407"/>
+          </a:xfrm>
+        </p:grpSpPr>
+        <p:sp>
+          <p:nvSpPr>
+            <p:cNvPr id="17" name="Oval 16">
+              <a:extLst>
+                <a:ext uri="{FF2B5EF4-FFF2-40B4-BE49-F238E27FC236}">
+                  <a16:creationId xmlns:a16="http://schemas.microsoft.com/office/drawing/2014/main" id="{02AA5D9E-216E-E4E1-1CC7-4D38778236BC}"/>
+                </a:ext>
+              </a:extLst>
+            </p:cNvPr>
+            <p:cNvSpPr/>
+            <p:nvPr/>
+          </p:nvSpPr>
+          <p:spPr bwMode="auto">
+            <a:xfrm>
+              <a:off x="8976077" y="3998143"/>
+              <a:ext cx="495300" cy="495300"/>
+            </a:xfrm>
+            <a:prstGeom prst="ellipse">
+              <a:avLst/>
+            </a:prstGeom>
+            <a:solidFill>
+              <a:srgbClr val="FFFF00"/>
+            </a:solidFill>
+            <a:ln>
+              <a:solidFill>
+                <a:schemeClr val="bg1"/>
+              </a:solidFill>
+              <a:headEnd type="none" w="med" len="med"/>
+              <a:tailEnd type="none" w="med" len="med"/>
+            </a:ln>
+            <a:effectLst>
+              <a:outerShdw blurRad="50800" dist="38100" dir="10800000" algn="r" rotWithShape="0">
+                <a:prstClr val="black">
+                  <a:alpha val="40000"/>
+                </a:prstClr>
+              </a:outerShdw>
+            </a:effectLst>
+          </p:spPr>
+          <p:style>
+            <a:lnRef idx="1">
+              <a:schemeClr val="accent2"/>
+            </a:lnRef>
+            <a:fillRef idx="3">
+              <a:schemeClr val="accent2"/>
+            </a:fillRef>
+            <a:effectRef idx="2">
+              <a:schemeClr val="accent2"/>
+            </a:effectRef>
+            <a:fontRef idx="minor">
+              <a:schemeClr val="lt1"/>
+            </a:fontRef>
+          </p:style>
+          <p:txBody>
+            <a:bodyPr rot="0" spcFirstLastPara="0" vertOverflow="overflow" horzOverflow="overflow" vert="horz" wrap="square" lIns="0" tIns="0" rIns="0" bIns="0" numCol="1" spcCol="0" rtlCol="0" fromWordArt="0" anchor="ctr" anchorCtr="0" forceAA="0" compatLnSpc="1">
+              <a:prstTxWarp prst="textNoShape">
+                <a:avLst/>
+              </a:prstTxWarp>
+              <a:noAutofit/>
+            </a:bodyPr>
+            <a:lstStyle/>
+            <a:p>
+              <a:pPr algn="ctr" defTabSz="932472" fontAlgn="base">
+                <a:spcBef>
+                  <a:spcPct val="0"/>
+                </a:spcBef>
+                <a:spcAft>
+                  <a:spcPct val="0"/>
+                </a:spcAft>
+              </a:pPr>
+              <a:r>
+                <a:rPr lang="en-US" b="1">
+                  <a:solidFill>
+                    <a:srgbClr val="000000"/>
+                  </a:solidFill>
+                  <a:ea typeface="Segoe UI" pitchFamily="34" charset="0"/>
+                  <a:cs typeface="Segoe UI" pitchFamily="34" charset="0"/>
+                </a:rPr>
+                <a:t>1</a:t>
+              </a:r>
+            </a:p>
+          </p:txBody>
+        </p:sp>
+        <p:sp>
+          <p:nvSpPr>
+            <p:cNvPr id="18" name="Oval 17">
+              <a:extLst>
+                <a:ext uri="{FF2B5EF4-FFF2-40B4-BE49-F238E27FC236}">
+                  <a16:creationId xmlns:a16="http://schemas.microsoft.com/office/drawing/2014/main" id="{3F852442-0595-928A-5F61-FC2416614544}"/>
+                </a:ext>
+              </a:extLst>
+            </p:cNvPr>
+            <p:cNvSpPr/>
+            <p:nvPr/>
+          </p:nvSpPr>
+          <p:spPr bwMode="auto">
+            <a:xfrm>
+              <a:off x="9623886" y="3998143"/>
+              <a:ext cx="495300" cy="495300"/>
+            </a:xfrm>
+            <a:prstGeom prst="ellipse">
+              <a:avLst/>
+            </a:prstGeom>
+            <a:solidFill>
+              <a:srgbClr val="FFFF00"/>
+            </a:solidFill>
+            <a:ln>
+              <a:solidFill>
+                <a:schemeClr val="bg1"/>
+              </a:solidFill>
+              <a:headEnd type="none" w="med" len="med"/>
+              <a:tailEnd type="none" w="med" len="med"/>
+            </a:ln>
+            <a:effectLst>
+              <a:outerShdw blurRad="50800" dist="38100" dir="10800000" algn="r" rotWithShape="0">
+                <a:prstClr val="black">
+                  <a:alpha val="40000"/>
+                </a:prstClr>
+              </a:outerShdw>
+            </a:effectLst>
+          </p:spPr>
+          <p:style>
+            <a:lnRef idx="1">
+              <a:schemeClr val="accent2"/>
+            </a:lnRef>
+            <a:fillRef idx="3">
+              <a:schemeClr val="accent2"/>
+            </a:fillRef>
+            <a:effectRef idx="2">
+              <a:schemeClr val="accent2"/>
+            </a:effectRef>
+            <a:fontRef idx="minor">
+              <a:schemeClr val="lt1"/>
+            </a:fontRef>
+          </p:style>
+          <p:txBody>
+            <a:bodyPr rot="0" spcFirstLastPara="0" vertOverflow="overflow" horzOverflow="overflow" vert="horz" wrap="square" lIns="0" tIns="0" rIns="0" bIns="0" numCol="1" spcCol="0" rtlCol="0" fromWordArt="0" anchor="ctr" anchorCtr="0" forceAA="0" compatLnSpc="1">
+              <a:prstTxWarp prst="textNoShape">
+                <a:avLst/>
+              </a:prstTxWarp>
+              <a:noAutofit/>
+            </a:bodyPr>
+            <a:lstStyle/>
+            <a:p>
+              <a:pPr algn="ctr" defTabSz="932472" fontAlgn="base">
+                <a:spcBef>
+                  <a:spcPct val="0"/>
+                </a:spcBef>
+                <a:spcAft>
+                  <a:spcPct val="0"/>
+                </a:spcAft>
+              </a:pPr>
+              <a:r>
+                <a:rPr lang="en-US" b="1">
+                  <a:solidFill>
+                    <a:srgbClr val="000000"/>
+                  </a:solidFill>
+                  <a:ea typeface="Segoe UI" pitchFamily="34" charset="0"/>
+                  <a:cs typeface="Segoe UI" pitchFamily="34" charset="0"/>
+                </a:rPr>
+                <a:t>2</a:t>
+              </a:r>
+            </a:p>
+          </p:txBody>
+        </p:sp>
+        <p:sp>
+          <p:nvSpPr>
+            <p:cNvPr id="19" name="Oval 18">
+              <a:extLst>
+                <a:ext uri="{FF2B5EF4-FFF2-40B4-BE49-F238E27FC236}">
+                  <a16:creationId xmlns:a16="http://schemas.microsoft.com/office/drawing/2014/main" id="{E128055A-FD23-F6A5-595A-BCB16F3BACDB}"/>
+                </a:ext>
+              </a:extLst>
+            </p:cNvPr>
+            <p:cNvSpPr/>
+            <p:nvPr/>
+          </p:nvSpPr>
+          <p:spPr bwMode="auto">
+            <a:xfrm>
+              <a:off x="10304648" y="3998143"/>
+              <a:ext cx="495300" cy="495300"/>
+            </a:xfrm>
+            <a:prstGeom prst="ellipse">
+              <a:avLst/>
+            </a:prstGeom>
+            <a:solidFill>
+              <a:srgbClr val="FFFF00"/>
+            </a:solidFill>
+            <a:ln>
+              <a:solidFill>
+                <a:schemeClr val="bg1"/>
+              </a:solidFill>
+              <a:headEnd type="none" w="med" len="med"/>
+              <a:tailEnd type="none" w="med" len="med"/>
+            </a:ln>
+            <a:effectLst>
+              <a:outerShdw blurRad="50800" dist="38100" dir="10800000" algn="r" rotWithShape="0">
+                <a:prstClr val="black">
+                  <a:alpha val="40000"/>
+                </a:prstClr>
+              </a:outerShdw>
+            </a:effectLst>
+          </p:spPr>
+          <p:style>
+            <a:lnRef idx="1">
+              <a:schemeClr val="accent2"/>
+            </a:lnRef>
+            <a:fillRef idx="3">
+              <a:schemeClr val="accent2"/>
+            </a:fillRef>
+            <a:effectRef idx="2">
+              <a:schemeClr val="accent2"/>
+            </a:effectRef>
+            <a:fontRef idx="minor">
+              <a:schemeClr val="lt1"/>
+            </a:fontRef>
+          </p:style>
+          <p:txBody>
+            <a:bodyPr rot="0" spcFirstLastPara="0" vertOverflow="overflow" horzOverflow="overflow" vert="horz" wrap="square" lIns="0" tIns="0" rIns="0" bIns="0" numCol="1" spcCol="0" rtlCol="0" fromWordArt="0" anchor="ctr" anchorCtr="0" forceAA="0" compatLnSpc="1">
+              <a:prstTxWarp prst="textNoShape">
+                <a:avLst/>
+              </a:prstTxWarp>
+              <a:noAutofit/>
+            </a:bodyPr>
+            <a:lstStyle/>
+            <a:p>
+              <a:pPr algn="ctr" defTabSz="932472" fontAlgn="base">
+                <a:spcBef>
+                  <a:spcPct val="0"/>
+                </a:spcBef>
+                <a:spcAft>
+                  <a:spcPct val="0"/>
+                </a:spcAft>
+              </a:pPr>
+              <a:r>
+                <a:rPr lang="en-US" b="1">
+                  <a:solidFill>
+                    <a:srgbClr val="000000"/>
+                  </a:solidFill>
+                  <a:ea typeface="Segoe UI" pitchFamily="34" charset="0"/>
+                  <a:cs typeface="Segoe UI" pitchFamily="34" charset="0"/>
+                </a:rPr>
+                <a:t>3</a:t>
+              </a:r>
+            </a:p>
+          </p:txBody>
+        </p:sp>
+        <p:sp>
+          <p:nvSpPr>
+            <p:cNvPr id="20" name="Oval 19">
+              <a:extLst>
+                <a:ext uri="{FF2B5EF4-FFF2-40B4-BE49-F238E27FC236}">
+                  <a16:creationId xmlns:a16="http://schemas.microsoft.com/office/drawing/2014/main" id="{4F1434F7-1711-729C-4C33-39B2F933A447}"/>
+                </a:ext>
+              </a:extLst>
+            </p:cNvPr>
+            <p:cNvSpPr/>
+            <p:nvPr/>
+          </p:nvSpPr>
+          <p:spPr bwMode="auto">
+            <a:xfrm>
+              <a:off x="10968936" y="3998143"/>
+              <a:ext cx="495300" cy="495300"/>
+            </a:xfrm>
+            <a:prstGeom prst="ellipse">
+              <a:avLst/>
+            </a:prstGeom>
+            <a:solidFill>
+              <a:srgbClr val="FFFF00"/>
+            </a:solidFill>
+            <a:ln>
+              <a:solidFill>
+                <a:schemeClr val="bg1"/>
+              </a:solidFill>
+              <a:headEnd type="none" w="med" len="med"/>
+              <a:tailEnd type="none" w="med" len="med"/>
+            </a:ln>
+            <a:effectLst>
+              <a:outerShdw blurRad="50800" dist="38100" dir="10800000" algn="r" rotWithShape="0">
+                <a:prstClr val="black">
+                  <a:alpha val="40000"/>
+                </a:prstClr>
+              </a:outerShdw>
+            </a:effectLst>
+          </p:spPr>
+          <p:style>
+            <a:lnRef idx="1">
+              <a:schemeClr val="accent2"/>
+            </a:lnRef>
+            <a:fillRef idx="3">
+              <a:schemeClr val="accent2"/>
+            </a:fillRef>
+            <a:effectRef idx="2">
+              <a:schemeClr val="accent2"/>
+            </a:effectRef>
+            <a:fontRef idx="minor">
+              <a:schemeClr val="lt1"/>
+            </a:fontRef>
+          </p:style>
+          <p:txBody>
+            <a:bodyPr rot="0" spcFirstLastPara="0" vertOverflow="overflow" horzOverflow="overflow" vert="horz" wrap="square" lIns="0" tIns="0" rIns="0" bIns="0" numCol="1" spcCol="0" rtlCol="0" fromWordArt="0" anchor="ctr" anchorCtr="0" forceAA="0" compatLnSpc="1">
+              <a:prstTxWarp prst="textNoShape">
+                <a:avLst/>
+              </a:prstTxWarp>
+              <a:noAutofit/>
+            </a:bodyPr>
+            <a:lstStyle/>
+            <a:p>
+              <a:pPr algn="ctr" defTabSz="932472" fontAlgn="base">
+                <a:spcBef>
+                  <a:spcPct val="0"/>
+                </a:spcBef>
+                <a:spcAft>
+                  <a:spcPct val="0"/>
+                </a:spcAft>
+              </a:pPr>
+              <a:r>
+                <a:rPr lang="en-US" b="1">
+                  <a:solidFill>
+                    <a:srgbClr val="000000"/>
+                  </a:solidFill>
+                  <a:ea typeface="Segoe UI" pitchFamily="34" charset="0"/>
+                  <a:cs typeface="Segoe UI" pitchFamily="34" charset="0"/>
+                </a:rPr>
+                <a:t>…</a:t>
+              </a:r>
+            </a:p>
+          </p:txBody>
+        </p:sp>
+        <p:sp>
+          <p:nvSpPr>
+            <p:cNvPr id="43" name="TextBox 42">
+              <a:extLst>
+                <a:ext uri="{FF2B5EF4-FFF2-40B4-BE49-F238E27FC236}">
+                  <a16:creationId xmlns:a16="http://schemas.microsoft.com/office/drawing/2014/main" id="{27F748FC-E7E9-E1E8-BE5B-228647DBA81D}"/>
+                </a:ext>
+              </a:extLst>
+            </p:cNvPr>
+            <p:cNvSpPr txBox="1"/>
+            <p:nvPr/>
+          </p:nvSpPr>
+          <p:spPr>
+            <a:xfrm>
+              <a:off x="8268264" y="5470147"/>
+              <a:ext cx="2036384" cy="461665"/>
+            </a:xfrm>
+            <a:prstGeom prst="rect">
+              <a:avLst/>
+            </a:prstGeom>
+            <a:noFill/>
+          </p:spPr>
+          <p:txBody>
+            <a:bodyPr wrap="square">
+              <a:spAutoFit/>
+            </a:bodyPr>
+            <a:lstStyle/>
+            <a:p>
+              <a:r>
+                <a:rPr lang="en-US" sz="1200"/>
+                <a:t>Planner generates </a:t>
+              </a:r>
+              <a:r>
+                <a:rPr lang="en-US" sz="1200">
+                  <a:solidFill>
+                    <a:srgbClr val="FFFF00"/>
+                  </a:solidFill>
+                </a:rPr>
+                <a:t>steps</a:t>
+              </a:r>
+              <a:r>
+                <a:rPr lang="en-US" sz="1200"/>
+                <a:t> that use available Skills</a:t>
+              </a:r>
+            </a:p>
+          </p:txBody>
+        </p:sp>
+        <p:cxnSp>
+          <p:nvCxnSpPr>
+            <p:cNvPr id="53" name="Straight Connector 52">
+              <a:extLst>
+                <a:ext uri="{FF2B5EF4-FFF2-40B4-BE49-F238E27FC236}">
+                  <a16:creationId xmlns:a16="http://schemas.microsoft.com/office/drawing/2014/main" id="{0DB51A5C-BEF9-811D-DDDB-7AA4122A6FEC}"/>
+                </a:ext>
+                <a:ext uri="{C183D7F6-B498-43B3-948B-1728B52AA6E4}">
+                  <adec:decorative xmlns:adec="http://schemas.microsoft.com/office/drawing/2017/decorative" val="1"/>
+                </a:ext>
+              </a:extLst>
+            </p:cNvPr>
+            <p:cNvCxnSpPr>
+              <a:cxnSpLocks/>
+            </p:cNvCxnSpPr>
+            <p:nvPr/>
+          </p:nvCxnSpPr>
+          <p:spPr>
+            <a:xfrm>
+              <a:off x="7360101" y="4510973"/>
+              <a:ext cx="908163" cy="959174"/>
+            </a:xfrm>
+            <a:prstGeom prst="line">
+              <a:avLst/>
+            </a:prstGeom>
+            <a:ln w="28575">
+              <a:solidFill>
+                <a:srgbClr val="FFC000"/>
+              </a:solidFill>
+              <a:headEnd type="none" w="lg" len="med"/>
+              <a:tailEnd type="none" w="lg" len="med"/>
+            </a:ln>
+          </p:spPr>
+          <p:style>
+            <a:lnRef idx="1">
+              <a:schemeClr val="accent1"/>
+            </a:lnRef>
+            <a:fillRef idx="0">
+              <a:schemeClr val="accent1"/>
+            </a:fillRef>
+            <a:effectRef idx="0">
+              <a:schemeClr val="accent1"/>
+            </a:effectRef>
+            <a:fontRef idx="minor">
+              <a:schemeClr val="tx1"/>
+            </a:fontRef>
+          </p:style>
+        </p:cxnSp>
+        <p:cxnSp>
+          <p:nvCxnSpPr>
+            <p:cNvPr id="61" name="Straight Arrow Connector 60">
+              <a:extLst>
+                <a:ext uri="{FF2B5EF4-FFF2-40B4-BE49-F238E27FC236}">
+                  <a16:creationId xmlns:a16="http://schemas.microsoft.com/office/drawing/2014/main" id="{0864C716-F34E-5E0F-2411-912DFB92BFE3}"/>
+                </a:ext>
+              </a:extLst>
+            </p:cNvPr>
+            <p:cNvCxnSpPr>
+              <a:cxnSpLocks/>
+            </p:cNvCxnSpPr>
+            <p:nvPr/>
+          </p:nvCxnSpPr>
+          <p:spPr>
+            <a:xfrm>
+              <a:off x="8257816" y="4260599"/>
+              <a:ext cx="552795" cy="0"/>
+            </a:xfrm>
+            <a:prstGeom prst="straightConnector1">
+              <a:avLst/>
+            </a:prstGeom>
+            <a:ln w="38100">
+              <a:solidFill>
+                <a:schemeClr val="tx1"/>
+              </a:solidFill>
+              <a:headEnd type="none" w="lg" len="med"/>
+              <a:tailEnd type="arrow"/>
+            </a:ln>
+          </p:spPr>
+          <p:style>
+            <a:lnRef idx="1">
+              <a:schemeClr val="accent1"/>
+            </a:lnRef>
+            <a:fillRef idx="0">
+              <a:schemeClr val="accent1"/>
+            </a:fillRef>
+            <a:effectRef idx="0">
+              <a:schemeClr val="accent1"/>
+            </a:effectRef>
+            <a:fontRef idx="minor">
+              <a:schemeClr val="tx1"/>
+            </a:fontRef>
+          </p:style>
+        </p:cxnSp>
+        <p:sp>
+          <p:nvSpPr>
+            <p:cNvPr id="63" name="TextBox 62">
+              <a:extLst>
+                <a:ext uri="{FF2B5EF4-FFF2-40B4-BE49-F238E27FC236}">
+                  <a16:creationId xmlns:a16="http://schemas.microsoft.com/office/drawing/2014/main" id="{AD60073F-6338-175F-4829-E73554A9FBCF}"/>
+                </a:ext>
+              </a:extLst>
+            </p:cNvPr>
+            <p:cNvSpPr txBox="1"/>
+            <p:nvPr/>
+          </p:nvSpPr>
+          <p:spPr>
+            <a:xfrm>
+              <a:off x="9640362" y="3584405"/>
+              <a:ext cx="1075364" cy="276999"/>
+            </a:xfrm>
+            <a:prstGeom prst="rect">
+              <a:avLst/>
+            </a:prstGeom>
+            <a:noFill/>
+          </p:spPr>
+          <p:txBody>
+            <a:bodyPr wrap="square" lIns="0" tIns="0" rIns="0" bIns="0" rtlCol="0">
+              <a:spAutoFit/>
+            </a:bodyPr>
+            <a:lstStyle/>
+            <a:p>
+              <a:pPr algn="ctr"/>
+              <a:r>
+                <a:rPr lang="en-US" b="1" spc="200"/>
+                <a:t>STEPS</a:t>
+              </a:r>
+            </a:p>
+          </p:txBody>
+        </p:sp>
+        <p:sp>
+          <p:nvSpPr>
+            <p:cNvPr id="65" name="Freeform 64">
+              <a:extLst>
+                <a:ext uri="{FF2B5EF4-FFF2-40B4-BE49-F238E27FC236}">
+                  <a16:creationId xmlns:a16="http://schemas.microsoft.com/office/drawing/2014/main" id="{2F1073FC-D328-5F22-E2F6-9D5C434A9E87}"/>
+                </a:ext>
+              </a:extLst>
+            </p:cNvPr>
+            <p:cNvSpPr/>
+            <p:nvPr/>
+          </p:nvSpPr>
+          <p:spPr bwMode="auto">
+            <a:xfrm>
+              <a:off x="6924907" y="4527395"/>
+              <a:ext cx="2308303" cy="903249"/>
+            </a:xfrm>
+            <a:custGeom>
+              <a:avLst/>
+              <a:gdLst>
+                <a:gd name="connsiteX0" fmla="*/ 0 w 2308303"/>
+                <a:gd name="connsiteY0" fmla="*/ 903249 h 903249"/>
+                <a:gd name="connsiteX1" fmla="*/ 0 w 2308303"/>
+                <a:gd name="connsiteY1" fmla="*/ 468351 h 903249"/>
+                <a:gd name="connsiteX2" fmla="*/ 2308303 w 2308303"/>
+                <a:gd name="connsiteY2" fmla="*/ 468351 h 903249"/>
+                <a:gd name="connsiteX3" fmla="*/ 2308303 w 2308303"/>
+                <a:gd name="connsiteY3" fmla="*/ 0 h 903249"/>
+              </a:gdLst>
+              <a:ahLst/>
+              <a:cxnLst>
+                <a:cxn ang="0">
+                  <a:pos x="connsiteX0" y="connsiteY0"/>
+                </a:cxn>
+                <a:cxn ang="0">
+                  <a:pos x="connsiteX1" y="connsiteY1"/>
+                </a:cxn>
+                <a:cxn ang="0">
+                  <a:pos x="connsiteX2" y="connsiteY2"/>
+                </a:cxn>
+                <a:cxn ang="0">
+                  <a:pos x="connsiteX3" y="connsiteY3"/>
+                </a:cxn>
+              </a:cxnLst>
+              <a:rect l="l" t="t" r="r" b="b"/>
+              <a:pathLst>
+                <a:path w="2308303" h="903249">
+                  <a:moveTo>
+                    <a:pt x="0" y="903249"/>
+                  </a:moveTo>
+                  <a:lnTo>
+                    <a:pt x="0" y="468351"/>
+                  </a:lnTo>
+                  <a:lnTo>
+                    <a:pt x="2308303" y="468351"/>
+                  </a:lnTo>
+                  <a:lnTo>
+                    <a:pt x="2308303" y="0"/>
+                  </a:lnTo>
+                </a:path>
+              </a:pathLst>
+            </a:custGeom>
+            <a:noFill/>
+            <a:ln w="12700">
+              <a:solidFill>
+                <a:schemeClr val="tx2"/>
+              </a:solidFill>
+              <a:headEnd type="none" w="med" len="med"/>
+              <a:tailEnd type="none" w="med" len="med"/>
+            </a:ln>
+            <a:effectLst/>
+          </p:spPr>
+          <p:style>
+            <a:lnRef idx="1">
+              <a:schemeClr val="accent2"/>
+            </a:lnRef>
+            <a:fillRef idx="3">
+              <a:schemeClr val="accent2"/>
+            </a:fillRef>
+            <a:effectRef idx="2">
+              <a:schemeClr val="accent2"/>
+            </a:effectRef>
+            <a:fontRef idx="minor">
+              <a:schemeClr val="lt1"/>
+            </a:fontRef>
+          </p:style>
+          <p:txBody>
+            <a:bodyPr rtlCol="0" anchor="ctr"/>
+            <a:lstStyle/>
+            <a:p>
+              <a:pPr algn="ctr"/>
+              <a:endParaRPr lang="en-US"/>
+            </a:p>
+          </p:txBody>
+        </p:sp>
+        <p:sp>
+          <p:nvSpPr>
+            <p:cNvPr id="66" name="Freeform 65">
+              <a:extLst>
+                <a:ext uri="{FF2B5EF4-FFF2-40B4-BE49-F238E27FC236}">
+                  <a16:creationId xmlns:a16="http://schemas.microsoft.com/office/drawing/2014/main" id="{6E9ADB3C-8506-C53F-E601-AB7943E716CA}"/>
+                </a:ext>
+              </a:extLst>
+            </p:cNvPr>
+            <p:cNvSpPr/>
+            <p:nvPr/>
+          </p:nvSpPr>
+          <p:spPr bwMode="auto">
+            <a:xfrm>
+              <a:off x="7360101" y="4516244"/>
+              <a:ext cx="2525151" cy="925551"/>
+            </a:xfrm>
+            <a:custGeom>
+              <a:avLst/>
+              <a:gdLst>
+                <a:gd name="connsiteX0" fmla="*/ 0 w 2676293"/>
+                <a:gd name="connsiteY0" fmla="*/ 925551 h 925551"/>
+                <a:gd name="connsiteX1" fmla="*/ 0 w 2676293"/>
+                <a:gd name="connsiteY1" fmla="*/ 624468 h 925551"/>
+                <a:gd name="connsiteX2" fmla="*/ 2676293 w 2676293"/>
+                <a:gd name="connsiteY2" fmla="*/ 624468 h 925551"/>
+                <a:gd name="connsiteX3" fmla="*/ 2676293 w 2676293"/>
+                <a:gd name="connsiteY3" fmla="*/ 0 h 925551"/>
+              </a:gdLst>
+              <a:ahLst/>
+              <a:cxnLst>
+                <a:cxn ang="0">
+                  <a:pos x="connsiteX0" y="connsiteY0"/>
+                </a:cxn>
+                <a:cxn ang="0">
+                  <a:pos x="connsiteX1" y="connsiteY1"/>
+                </a:cxn>
+                <a:cxn ang="0">
+                  <a:pos x="connsiteX2" y="connsiteY2"/>
+                </a:cxn>
+                <a:cxn ang="0">
+                  <a:pos x="connsiteX3" y="connsiteY3"/>
+                </a:cxn>
+              </a:cxnLst>
+              <a:rect l="l" t="t" r="r" b="b"/>
+              <a:pathLst>
+                <a:path w="2676293" h="925551">
+                  <a:moveTo>
+                    <a:pt x="0" y="925551"/>
+                  </a:moveTo>
+                  <a:lnTo>
+                    <a:pt x="0" y="624468"/>
+                  </a:lnTo>
+                  <a:lnTo>
+                    <a:pt x="2676293" y="624468"/>
+                  </a:lnTo>
+                  <a:lnTo>
+                    <a:pt x="2676293" y="0"/>
+                  </a:lnTo>
+                </a:path>
+              </a:pathLst>
+            </a:custGeom>
+            <a:noFill/>
+            <a:ln w="12700">
+              <a:solidFill>
+                <a:schemeClr val="tx2"/>
+              </a:solidFill>
+              <a:headEnd type="none" w="med" len="med"/>
+              <a:tailEnd type="none" w="med" len="med"/>
+            </a:ln>
+            <a:effectLst/>
+          </p:spPr>
+          <p:style>
+            <a:lnRef idx="1">
+              <a:schemeClr val="accent2"/>
+            </a:lnRef>
+            <a:fillRef idx="3">
+              <a:schemeClr val="accent2"/>
+            </a:fillRef>
+            <a:effectRef idx="2">
+              <a:schemeClr val="accent2"/>
+            </a:effectRef>
+            <a:fontRef idx="minor">
+              <a:schemeClr val="lt1"/>
+            </a:fontRef>
+          </p:style>
+          <p:txBody>
+            <a:bodyPr rtlCol="0" anchor="ctr"/>
+            <a:lstStyle/>
+            <a:p>
+              <a:pPr algn="ctr"/>
+              <a:endParaRPr lang="en-US"/>
+            </a:p>
+          </p:txBody>
+        </p:sp>
+        <p:sp>
+          <p:nvSpPr>
+            <p:cNvPr id="67" name="Freeform 66">
+              <a:extLst>
+                <a:ext uri="{FF2B5EF4-FFF2-40B4-BE49-F238E27FC236}">
+                  <a16:creationId xmlns:a16="http://schemas.microsoft.com/office/drawing/2014/main" id="{FF9160CA-BF7D-E080-F596-F504C48A9C2D}"/>
+                </a:ext>
+              </a:extLst>
+            </p:cNvPr>
+            <p:cNvSpPr/>
+            <p:nvPr/>
+          </p:nvSpPr>
+          <p:spPr bwMode="auto">
+            <a:xfrm>
+              <a:off x="7589519" y="4516244"/>
+              <a:ext cx="2977095" cy="925551"/>
+            </a:xfrm>
+            <a:custGeom>
+              <a:avLst/>
+              <a:gdLst>
+                <a:gd name="connsiteX0" fmla="*/ 0 w 2676292"/>
+                <a:gd name="connsiteY0" fmla="*/ 925551 h 925551"/>
+                <a:gd name="connsiteX1" fmla="*/ 0 w 2676292"/>
+                <a:gd name="connsiteY1" fmla="*/ 724829 h 925551"/>
+                <a:gd name="connsiteX2" fmla="*/ 2676292 w 2676292"/>
+                <a:gd name="connsiteY2" fmla="*/ 724829 h 925551"/>
+                <a:gd name="connsiteX3" fmla="*/ 2676292 w 2676292"/>
+                <a:gd name="connsiteY3" fmla="*/ 0 h 925551"/>
+              </a:gdLst>
+              <a:ahLst/>
+              <a:cxnLst>
+                <a:cxn ang="0">
+                  <a:pos x="connsiteX0" y="connsiteY0"/>
+                </a:cxn>
+                <a:cxn ang="0">
+                  <a:pos x="connsiteX1" y="connsiteY1"/>
+                </a:cxn>
+                <a:cxn ang="0">
+                  <a:pos x="connsiteX2" y="connsiteY2"/>
+                </a:cxn>
+                <a:cxn ang="0">
+                  <a:pos x="connsiteX3" y="connsiteY3"/>
+                </a:cxn>
+              </a:cxnLst>
+              <a:rect l="l" t="t" r="r" b="b"/>
+              <a:pathLst>
+                <a:path w="2676292" h="925551">
+                  <a:moveTo>
+                    <a:pt x="0" y="925551"/>
+                  </a:moveTo>
+                  <a:lnTo>
+                    <a:pt x="0" y="724829"/>
+                  </a:lnTo>
+                  <a:lnTo>
+                    <a:pt x="2676292" y="724829"/>
+                  </a:lnTo>
+                  <a:lnTo>
+                    <a:pt x="2676292" y="0"/>
+                  </a:lnTo>
+                </a:path>
+              </a:pathLst>
+            </a:custGeom>
+            <a:noFill/>
+            <a:ln w="12700">
+              <a:solidFill>
+                <a:schemeClr val="tx2"/>
+              </a:solidFill>
+              <a:headEnd type="none" w="med" len="med"/>
+              <a:tailEnd type="none" w="med" len="med"/>
+            </a:ln>
+            <a:effectLst/>
+          </p:spPr>
+          <p:style>
+            <a:lnRef idx="1">
+              <a:schemeClr val="accent2"/>
+            </a:lnRef>
+            <a:fillRef idx="3">
+              <a:schemeClr val="accent2"/>
+            </a:fillRef>
+            <a:effectRef idx="2">
+              <a:schemeClr val="accent2"/>
+            </a:effectRef>
+            <a:fontRef idx="minor">
+              <a:schemeClr val="lt1"/>
+            </a:fontRef>
+          </p:style>
+          <p:txBody>
+            <a:bodyPr rtlCol="0" anchor="ctr"/>
+            <a:lstStyle/>
+            <a:p>
+              <a:pPr algn="ctr"/>
+              <a:endParaRPr lang="en-US"/>
+            </a:p>
+          </p:txBody>
+        </p:sp>
+        <p:sp>
+          <p:nvSpPr>
+            <p:cNvPr id="69" name="Freeform 68">
+              <a:extLst>
+                <a:ext uri="{FF2B5EF4-FFF2-40B4-BE49-F238E27FC236}">
+                  <a16:creationId xmlns:a16="http://schemas.microsoft.com/office/drawing/2014/main" id="{AD315A9D-3162-9F21-B52B-25EDB556D271}"/>
+                </a:ext>
+              </a:extLst>
+            </p:cNvPr>
+            <p:cNvSpPr/>
+            <p:nvPr/>
+          </p:nvSpPr>
+          <p:spPr bwMode="auto">
+            <a:xfrm>
+              <a:off x="7207135" y="4510973"/>
+              <a:ext cx="2626821" cy="925551"/>
+            </a:xfrm>
+            <a:custGeom>
+              <a:avLst/>
+              <a:gdLst>
+                <a:gd name="connsiteX0" fmla="*/ 0 w 2626821"/>
+                <a:gd name="connsiteY0" fmla="*/ 906088 h 906088"/>
+                <a:gd name="connsiteX1" fmla="*/ 0 w 2626821"/>
+                <a:gd name="connsiteY1" fmla="*/ 565266 h 906088"/>
+                <a:gd name="connsiteX2" fmla="*/ 2626821 w 2626821"/>
+                <a:gd name="connsiteY2" fmla="*/ 565266 h 906088"/>
+                <a:gd name="connsiteX3" fmla="*/ 2626821 w 2626821"/>
+                <a:gd name="connsiteY3" fmla="*/ 0 h 906088"/>
+              </a:gdLst>
+              <a:ahLst/>
+              <a:cxnLst>
+                <a:cxn ang="0">
+                  <a:pos x="connsiteX0" y="connsiteY0"/>
+                </a:cxn>
+                <a:cxn ang="0">
+                  <a:pos x="connsiteX1" y="connsiteY1"/>
+                </a:cxn>
+                <a:cxn ang="0">
+                  <a:pos x="connsiteX2" y="connsiteY2"/>
+                </a:cxn>
+                <a:cxn ang="0">
+                  <a:pos x="connsiteX3" y="connsiteY3"/>
+                </a:cxn>
+              </a:cxnLst>
+              <a:rect l="l" t="t" r="r" b="b"/>
+              <a:pathLst>
+                <a:path w="2626821" h="906088">
+                  <a:moveTo>
+                    <a:pt x="0" y="906088"/>
+                  </a:moveTo>
+                  <a:lnTo>
+                    <a:pt x="0" y="565266"/>
+                  </a:lnTo>
+                  <a:lnTo>
+                    <a:pt x="2626821" y="565266"/>
+                  </a:lnTo>
+                  <a:lnTo>
+                    <a:pt x="2626821" y="0"/>
+                  </a:lnTo>
+                </a:path>
+              </a:pathLst>
+            </a:custGeom>
+            <a:noFill/>
+            <a:ln w="12700">
+              <a:solidFill>
+                <a:schemeClr val="tx2"/>
+              </a:solidFill>
+              <a:headEnd type="none" w="med" len="med"/>
+              <a:tailEnd type="none" w="med" len="med"/>
+            </a:ln>
+            <a:effectLst/>
+          </p:spPr>
+          <p:style>
+            <a:lnRef idx="1">
+              <a:schemeClr val="accent2"/>
+            </a:lnRef>
+            <a:fillRef idx="3">
+              <a:schemeClr val="accent2"/>
+            </a:fillRef>
+            <a:effectRef idx="2">
+              <a:schemeClr val="accent2"/>
+            </a:effectRef>
+            <a:fontRef idx="minor">
+              <a:schemeClr val="lt1"/>
+            </a:fontRef>
+          </p:style>
+          <p:txBody>
+            <a:bodyPr rtlCol="0" anchor="ctr"/>
+            <a:lstStyle/>
+            <a:p>
+              <a:pPr algn="ctr"/>
+              <a:endParaRPr lang="en-US"/>
+            </a:p>
+          </p:txBody>
+        </p:sp>
+      </p:grpSp>
+      <p:cxnSp>
+        <p:nvCxnSpPr>
+          <p:cNvPr id="70" name="Straight Connector 69">
+            <a:extLst>
+              <a:ext uri="{FF2B5EF4-FFF2-40B4-BE49-F238E27FC236}">
+                <a16:creationId xmlns:a16="http://schemas.microsoft.com/office/drawing/2014/main" id="{FF499294-8746-9B8F-4CB4-D4624987E61A}"/>
+              </a:ext>
+            </a:extLst>
+          </p:cNvPr>
+          <p:cNvCxnSpPr>
+            <a:cxnSpLocks/>
+          </p:cNvCxnSpPr>
+          <p:nvPr/>
+        </p:nvCxnSpPr>
+        <p:spPr>
+          <a:xfrm flipH="1" flipV="1">
+            <a:off x="2663259" y="5166399"/>
+            <a:ext cx="323977" cy="303748"/>
+          </a:xfrm>
+          <a:prstGeom prst="line">
+            <a:avLst/>
+          </a:prstGeom>
+          <a:ln w="22225">
+            <a:solidFill>
+              <a:schemeClr val="tx1"/>
+            </a:solidFill>
+            <a:headEnd type="none" w="lg" len="med"/>
+            <a:tailEnd type="none" w="lg" len="med"/>
+          </a:ln>
+        </p:spPr>
+        <p:style>
+          <a:lnRef idx="1">
+            <a:schemeClr val="accent1"/>
+          </a:lnRef>
+          <a:fillRef idx="0">
+            <a:schemeClr val="accent1"/>
+          </a:fillRef>
+          <a:effectRef idx="0">
+            <a:schemeClr val="accent1"/>
+          </a:effectRef>
+          <a:fontRef idx="minor">
+            <a:schemeClr val="tx1"/>
+          </a:fontRef>
+        </p:style>
+      </p:cxnSp>
+      <p:sp>
+        <p:nvSpPr>
+          <p:cNvPr id="77" name="Right Arrow 76">
+            <a:extLst>
+              <a:ext uri="{FF2B5EF4-FFF2-40B4-BE49-F238E27FC236}">
+                <a16:creationId xmlns:a16="http://schemas.microsoft.com/office/drawing/2014/main" id="{2C6CB178-B5CA-233E-3FC4-148270120F10}"/>
+              </a:ext>
+            </a:extLst>
+          </p:cNvPr>
+          <p:cNvSpPr/>
+          <p:nvPr/>
+        </p:nvSpPr>
+        <p:spPr bwMode="auto">
+          <a:xfrm>
+            <a:off x="393771" y="4447083"/>
+            <a:ext cx="914838" cy="795383"/>
+          </a:xfrm>
+          <a:prstGeom prst="rightArrow">
+            <a:avLst/>
+          </a:prstGeom>
+          <a:solidFill>
+            <a:schemeClr val="accent1"/>
+          </a:solidFill>
+          <a:ln>
+            <a:noFill/>
+            <a:headEnd type="none" w="med" len="med"/>
+            <a:tailEnd type="none" w="med" len="med"/>
+          </a:ln>
+          <a:effectLst>
+            <a:outerShdw blurRad="50800" dist="38100" dir="2700000" algn="tl" rotWithShape="0">
+              <a:prstClr val="black">
+                <a:alpha val="34946"/>
+              </a:prstClr>
+            </a:outerShdw>
+          </a:effectLst>
+        </p:spPr>
+        <p:style>
+          <a:lnRef idx="1">
+            <a:schemeClr val="accent2"/>
+          </a:lnRef>
+          <a:fillRef idx="3">
+            <a:schemeClr val="accent2"/>
+          </a:fillRef>
+          <a:effectRef idx="2">
+            <a:schemeClr val="accent2"/>
+          </a:effectRef>
+          <a:fontRef idx="minor">
+            <a:schemeClr val="lt1"/>
+          </a:fontRef>
+        </p:style>
+        <p:txBody>
+          <a:bodyPr rot="0" spcFirstLastPara="0" vertOverflow="overflow" horzOverflow="overflow" vert="horz" wrap="square" lIns="182880" tIns="0" rIns="182880" bIns="0" numCol="1" spcCol="0" rtlCol="0" fromWordArt="0" anchor="ctr" anchorCtr="0" forceAA="0" compatLnSpc="1">
+            <a:prstTxWarp prst="textNoShape">
+              <a:avLst/>
+            </a:prstTxWarp>
+            <a:noAutofit/>
+          </a:bodyPr>
+          <a:lstStyle/>
+          <a:p>
+            <a:pPr algn="ctr" defTabSz="932472" fontAlgn="base">
+              <a:spcBef>
+                <a:spcPct val="0"/>
+              </a:spcBef>
+              <a:spcAft>
+                <a:spcPct val="0"/>
+              </a:spcAft>
+            </a:pPr>
+            <a:r>
+              <a:rPr lang="en-US" sz="1500">
+                <a:solidFill>
+                  <a:srgbClr val="000000"/>
+                </a:solidFill>
+                <a:ea typeface="Segoe UI" pitchFamily="34" charset="0"/>
+                <a:cs typeface="Segoe UI" pitchFamily="34" charset="0"/>
+              </a:rPr>
+              <a:t>ASK</a:t>
+            </a:r>
+          </a:p>
+        </p:txBody>
+      </p:sp>
+    </p:spTree>
+    <p:custDataLst>
+      <p:tags r:id="rId1"/>
+    </p:custDataLst>
+    <p:extLst>
+      <p:ext uri="{BB962C8B-B14F-4D97-AF65-F5344CB8AC3E}">
+        <p14:creationId xmlns:p14="http://schemas.microsoft.com/office/powerpoint/2010/main" val="3758510266"/>
+      </p:ext>
+    </p:extLst>
+  </p:cSld>
+  <p:clrMapOvr>
+    <a:masterClrMapping/>
+  </p:clrMapOvr>
+  <p:transition spd="slow">
+    <p:push dir="u"/>
+  </p:transition>
+  <p:timing>
+    <p:tnLst>
+      <p:par>
+        <p:cTn id="1" dur="indefinite" restart="never" nodeType="tmRoot">
+          <p:childTnLst>
+            <p:seq concurrent="1" nextAc="seek">
+              <p:cTn id="2" dur="indefinite" nodeType="mainSeq">
+                <p:childTnLst>
+                  <p:par>
+                    <p:cTn id="3" fill="hold">
+                      <p:stCondLst>
+                        <p:cond delay="indefinite"/>
+                      </p:stCondLst>
+                      <p:childTnLst>
+                        <p:par>
+                          <p:cTn id="4" fill="hold">
+                            <p:stCondLst>
+                              <p:cond delay="0"/>
+                            </p:stCondLst>
+                            <p:childTnLst>
+                              <p:par>
+                                <p:cTn id="5" presetID="22" presetClass="entr" presetSubtype="8" fill="hold" nodeType="clickEffect">
+                                  <p:stCondLst>
+                                    <p:cond delay="0"/>
+                                  </p:stCondLst>
+                                  <p:childTnLst>
+                                    <p:set>
+                                      <p:cBhvr>
+                                        <p:cTn id="6" dur="1" fill="hold">
+                                          <p:stCondLst>
+                                            <p:cond delay="0"/>
+                                          </p:stCondLst>
+                                        </p:cTn>
+                                        <p:tgtEl>
+                                          <p:spTgt spid="3"/>
+                                        </p:tgtEl>
+                                        <p:attrNameLst>
+                                          <p:attrName>style.visibility</p:attrName>
+                                        </p:attrNameLst>
+                                      </p:cBhvr>
+                                      <p:to>
+                                        <p:strVal val="visible"/>
+                                      </p:to>
+                                    </p:set>
+                                    <p:animEffect transition="in" filter="wipe(left)">
+                                      <p:cBhvr>
+                                        <p:cTn id="7" dur="1000"/>
+                                        <p:tgtEl>
+                                          <p:spTgt spid="3"/>
+                                        </p:tgtEl>
+                                      </p:cBhvr>
+                                    </p:animEffect>
+                                  </p:childTnLst>
+                                </p:cTn>
+                              </p:par>
+                            </p:childTnLst>
+                          </p:cTn>
+                        </p:par>
+                      </p:childTnLst>
+                    </p:cTn>
+                  </p:par>
+                  <p:par>
+                    <p:cTn id="8" fill="hold">
+                      <p:stCondLst>
+                        <p:cond delay="indefinite"/>
+                      </p:stCondLst>
+                      <p:childTnLst>
+                        <p:par>
+                          <p:cTn id="9" fill="hold">
+                            <p:stCondLst>
+                              <p:cond delay="0"/>
+                            </p:stCondLst>
+                            <p:childTnLst>
+                              <p:par>
+                                <p:cTn id="10" presetID="22" presetClass="entr" presetSubtype="8" fill="hold" nodeType="clickEffect">
+                                  <p:stCondLst>
+                                    <p:cond delay="0"/>
+                                  </p:stCondLst>
+                                  <p:childTnLst>
+                                    <p:set>
+                                      <p:cBhvr>
+                                        <p:cTn id="11" dur="1" fill="hold">
+                                          <p:stCondLst>
+                                            <p:cond delay="0"/>
+                                          </p:stCondLst>
+                                        </p:cTn>
+                                        <p:tgtEl>
+                                          <p:spTgt spid="8"/>
+                                        </p:tgtEl>
+                                        <p:attrNameLst>
+                                          <p:attrName>style.visibility</p:attrName>
+                                        </p:attrNameLst>
+                                      </p:cBhvr>
+                                      <p:to>
+                                        <p:strVal val="visible"/>
+                                      </p:to>
+                                    </p:set>
+                                    <p:animEffect transition="in" filter="wipe(left)">
+                                      <p:cBhvr>
+                                        <p:cTn id="12" dur="1000"/>
+                                        <p:tgtEl>
+                                          <p:spTgt spid="8"/>
+                                        </p:tgtEl>
+                                      </p:cBhvr>
+                                    </p:animEffect>
+                                  </p:childTnLst>
+                                </p:cTn>
+                              </p:par>
+                              <p:par>
+                                <p:cTn id="13" presetID="10" presetClass="entr" presetSubtype="0" fill="hold" nodeType="withEffect">
+                                  <p:stCondLst>
+                                    <p:cond delay="0"/>
+                                  </p:stCondLst>
+                                  <p:childTnLst>
+                                    <p:set>
+                                      <p:cBhvr>
+                                        <p:cTn id="14" dur="1" fill="hold">
+                                          <p:stCondLst>
+                                            <p:cond delay="0"/>
+                                          </p:stCondLst>
+                                        </p:cTn>
+                                        <p:tgtEl>
+                                          <p:spTgt spid="70"/>
+                                        </p:tgtEl>
+                                        <p:attrNameLst>
+                                          <p:attrName>style.visibility</p:attrName>
+                                        </p:attrNameLst>
+                                      </p:cBhvr>
+                                      <p:to>
+                                        <p:strVal val="visible"/>
+                                      </p:to>
+                                    </p:set>
+                                    <p:animEffect transition="in" filter="fade">
+                                      <p:cBhvr>
+                                        <p:cTn id="15" dur="1000"/>
+                                        <p:tgtEl>
+                                          <p:spTgt spid="70"/>
+                                        </p:tgtEl>
+                                      </p:cBhvr>
+                                    </p:animEffect>
+                                  </p:childTnLst>
+                                </p:cTn>
+                              </p:par>
+                            </p:childTnLst>
+                          </p:cTn>
+                        </p:par>
+                      </p:childTnLst>
+                    </p:cTn>
+                  </p:par>
+                  <p:par>
+                    <p:cTn id="16" fill="hold">
+                      <p:stCondLst>
+                        <p:cond delay="indefinite"/>
+                      </p:stCondLst>
+                      <p:childTnLst>
+                        <p:par>
+                          <p:cTn id="17" fill="hold">
+                            <p:stCondLst>
+                              <p:cond delay="0"/>
+                            </p:stCondLst>
+                            <p:childTnLst>
+                              <p:par>
+                                <p:cTn id="18" presetID="22" presetClass="entr" presetSubtype="8" fill="hold" nodeType="clickEffect">
+                                  <p:stCondLst>
+                                    <p:cond delay="0"/>
+                                  </p:stCondLst>
+                                  <p:childTnLst>
+                                    <p:set>
+                                      <p:cBhvr>
+                                        <p:cTn id="19" dur="1" fill="hold">
+                                          <p:stCondLst>
+                                            <p:cond delay="0"/>
+                                          </p:stCondLst>
+                                        </p:cTn>
+                                        <p:tgtEl>
+                                          <p:spTgt spid="9"/>
+                                        </p:tgtEl>
+                                        <p:attrNameLst>
+                                          <p:attrName>style.visibility</p:attrName>
+                                        </p:attrNameLst>
+                                      </p:cBhvr>
+                                      <p:to>
+                                        <p:strVal val="visible"/>
+                                      </p:to>
+                                    </p:set>
+                                    <p:animEffect transition="in" filter="wipe(left)">
+                                      <p:cBhvr>
+                                        <p:cTn id="20" dur="1000"/>
+                                        <p:tgtEl>
+                                          <p:spTgt spid="9"/>
+                                        </p:tgtEl>
+                                      </p:cBhvr>
+                                    </p:animEffect>
+                                  </p:childTnLst>
+                                </p:cTn>
+                              </p:par>
+                            </p:childTnLst>
+                          </p:cTn>
+                        </p:par>
+                      </p:childTnLst>
+                    </p:cTn>
+                  </p:par>
+                </p:childTnLst>
+              </p:cTn>
+              <p:prevCondLst>
+                <p:cond evt="onPrev" delay="0">
+                  <p:tgtEl>
+                    <p:sldTgt/>
+                  </p:tgtEl>
+                </p:cond>
+              </p:prevCondLst>
+              <p:nextCondLst>
+                <p:cond evt="onNext" delay="0">
+                  <p:tgtEl>
+                    <p:sldTgt/>
+                  </p:tgtEl>
+                </p:cond>
+              </p:nextCondLst>
+            </p:seq>
+          </p:childTnLst>
+        </p:cTn>
+      </p:par>
+    </p:tnLst>
+  </p:timing>
+</p:sld>
+</file>
+
+<file path=ppt/slides/slide11.xml><?xml version="1.0" encoding="utf-8"?>
+<p:sld xmlns:a="http://schemas.openxmlformats.org/drawingml/2006/main" xmlns:r="http://schemas.openxmlformats.org/officeDocument/2006/relationships" xmlns:p="http://schemas.openxmlformats.org/presentationml/2006/main">
+  <p:cSld>
+    <p:spTree>
+      <p:nvGrpSpPr>
+        <p:cNvPr id="1" name=""/>
+        <p:cNvGrpSpPr/>
+        <p:nvPr/>
+      </p:nvGrpSpPr>
+      <p:grpSpPr>
+        <a:xfrm>
+          <a:off x="0" y="0"/>
+          <a:ext cx="0" cy="0"/>
+          <a:chOff x="0" y="0"/>
+          <a:chExt cx="0" cy="0"/>
+        </a:xfrm>
+      </p:grpSpPr>
+      <p:sp>
+        <p:nvSpPr>
+          <p:cNvPr id="2" name="Title 1">
+            <a:extLst>
+              <a:ext uri="{FF2B5EF4-FFF2-40B4-BE49-F238E27FC236}">
+                <a16:creationId xmlns:a16="http://schemas.microsoft.com/office/drawing/2014/main" id="{0FF1077E-DF1F-0099-CB5F-7B38355F647D}"/>
+              </a:ext>
+            </a:extLst>
+          </p:cNvPr>
+          <p:cNvSpPr>
+            <a:spLocks noGrp="1"/>
+          </p:cNvSpPr>
+          <p:nvPr>
+            <p:ph type="title"/>
+          </p:nvPr>
+        </p:nvSpPr>
+        <p:spPr/>
+        <p:txBody>
+          <a:bodyPr/>
+          <a:lstStyle/>
+          <a:p>
+            <a:r>
+              <a:rPr lang="en-US"/>
+              <a:t>Goals-First AI</a:t>
+            </a:r>
+          </a:p>
+        </p:txBody>
+      </p:sp>
+      <p:sp>
+        <p:nvSpPr>
+          <p:cNvPr id="48" name="Rectangle 47">
+            <a:extLst>
+              <a:ext uri="{FF2B5EF4-FFF2-40B4-BE49-F238E27FC236}">
+                <a16:creationId xmlns:a16="http://schemas.microsoft.com/office/drawing/2014/main" id="{A89DE69D-B41A-D0DF-9FAF-0DB067F25AB5}"/>
+              </a:ext>
+            </a:extLst>
+          </p:cNvPr>
+          <p:cNvSpPr/>
+          <p:nvPr/>
+        </p:nvSpPr>
+        <p:spPr bwMode="auto">
+          <a:xfrm>
+            <a:off x="4036904" y="2952528"/>
+            <a:ext cx="152399" cy="657512"/>
+          </a:xfrm>
+          <a:prstGeom prst="rect">
+            <a:avLst/>
+          </a:prstGeom>
+          <a:solidFill>
+            <a:schemeClr val="bg1">
+              <a:lumMod val="85000"/>
+              <a:lumOff val="15000"/>
+            </a:schemeClr>
+          </a:solidFill>
+          <a:ln>
+            <a:noFill/>
+            <a:headEnd type="none" w="med" len="med"/>
+            <a:tailEnd type="none" w="med" len="med"/>
+          </a:ln>
+          <a:effectLst/>
+        </p:spPr>
+        <p:style>
+          <a:lnRef idx="1">
+            <a:schemeClr val="accent2"/>
+          </a:lnRef>
+          <a:fillRef idx="3">
+            <a:schemeClr val="accent2"/>
+          </a:fillRef>
+          <a:effectRef idx="2">
+            <a:schemeClr val="accent2"/>
+          </a:effectRef>
+          <a:fontRef idx="minor">
+            <a:schemeClr val="lt1"/>
+          </a:fontRef>
+        </p:style>
+        <p:txBody>
+          <a:bodyPr rot="0" spcFirstLastPara="0" vertOverflow="overflow" horzOverflow="overflow" vert="horz" wrap="square" lIns="182880" tIns="146304" rIns="182880" bIns="146304" numCol="1" spcCol="0" rtlCol="0" fromWordArt="0" anchor="t" anchorCtr="0" forceAA="0" compatLnSpc="1">
+            <a:prstTxWarp prst="textNoShape">
+              <a:avLst/>
+            </a:prstTxWarp>
+            <a:noAutofit/>
+          </a:bodyPr>
+          <a:lstStyle/>
+          <a:p>
+            <a:pPr algn="l" defTabSz="932472" fontAlgn="base">
+              <a:spcBef>
+                <a:spcPct val="0"/>
+              </a:spcBef>
+              <a:spcAft>
+                <a:spcPct val="0"/>
+              </a:spcAft>
+            </a:pPr>
+            <a:endParaRPr lang="en-US" sz="2000" err="1">
+              <a:solidFill>
+                <a:srgbClr val="000000"/>
+              </a:solidFill>
+              <a:ea typeface="Segoe UI" pitchFamily="34" charset="0"/>
+              <a:cs typeface="Segoe UI" pitchFamily="34" charset="0"/>
+            </a:endParaRPr>
+          </a:p>
+        </p:txBody>
+      </p:sp>
+      <p:sp>
+        <p:nvSpPr>
+          <p:cNvPr id="53" name="Rectangle 52">
+            <a:extLst>
+              <a:ext uri="{FF2B5EF4-FFF2-40B4-BE49-F238E27FC236}">
+                <a16:creationId xmlns:a16="http://schemas.microsoft.com/office/drawing/2014/main" id="{3F2CB30A-FCB9-E30D-B7FB-75C98FCD75EE}"/>
+              </a:ext>
+            </a:extLst>
+          </p:cNvPr>
+          <p:cNvSpPr/>
+          <p:nvPr/>
+        </p:nvSpPr>
+        <p:spPr bwMode="auto">
+          <a:xfrm>
+            <a:off x="4036904" y="5153890"/>
+            <a:ext cx="152399" cy="657512"/>
+          </a:xfrm>
+          <a:prstGeom prst="rect">
+            <a:avLst/>
+          </a:prstGeom>
+          <a:solidFill>
+            <a:schemeClr val="bg1">
+              <a:lumMod val="85000"/>
+              <a:lumOff val="15000"/>
+            </a:schemeClr>
+          </a:solidFill>
+          <a:ln>
+            <a:noFill/>
+            <a:headEnd type="none" w="med" len="med"/>
+            <a:tailEnd type="none" w="med" len="med"/>
+          </a:ln>
+          <a:effectLst/>
+        </p:spPr>
+        <p:style>
+          <a:lnRef idx="1">
+            <a:schemeClr val="accent2"/>
+          </a:lnRef>
+          <a:fillRef idx="3">
+            <a:schemeClr val="accent2"/>
+          </a:fillRef>
+          <a:effectRef idx="2">
+            <a:schemeClr val="accent2"/>
+          </a:effectRef>
+          <a:fontRef idx="minor">
+            <a:schemeClr val="lt1"/>
+          </a:fontRef>
+        </p:style>
+        <p:txBody>
+          <a:bodyPr rot="0" spcFirstLastPara="0" vertOverflow="overflow" horzOverflow="overflow" vert="horz" wrap="square" lIns="182880" tIns="146304" rIns="182880" bIns="146304" numCol="1" spcCol="0" rtlCol="0" fromWordArt="0" anchor="t" anchorCtr="0" forceAA="0" compatLnSpc="1">
+            <a:prstTxWarp prst="textNoShape">
+              <a:avLst/>
+            </a:prstTxWarp>
+            <a:noAutofit/>
+          </a:bodyPr>
+          <a:lstStyle/>
+          <a:p>
+            <a:pPr algn="l" defTabSz="932472" fontAlgn="base">
+              <a:spcBef>
+                <a:spcPct val="0"/>
+              </a:spcBef>
+              <a:spcAft>
+                <a:spcPct val="0"/>
+              </a:spcAft>
+            </a:pPr>
+            <a:endParaRPr lang="en-US" sz="2000" err="1">
+              <a:solidFill>
+                <a:srgbClr val="000000"/>
+              </a:solidFill>
+              <a:ea typeface="Segoe UI" pitchFamily="34" charset="0"/>
+              <a:cs typeface="Segoe UI" pitchFamily="34" charset="0"/>
+            </a:endParaRPr>
+          </a:p>
+        </p:txBody>
+      </p:sp>
+      <p:grpSp>
+        <p:nvGrpSpPr>
+          <p:cNvPr id="21" name="Group 20">
+            <a:extLst>
+              <a:ext uri="{FF2B5EF4-FFF2-40B4-BE49-F238E27FC236}">
+                <a16:creationId xmlns:a16="http://schemas.microsoft.com/office/drawing/2014/main" id="{A0976CC6-CD8E-3F13-BE37-98DF9732DB5A}"/>
+              </a:ext>
+            </a:extLst>
+          </p:cNvPr>
+          <p:cNvGrpSpPr/>
+          <p:nvPr/>
+        </p:nvGrpSpPr>
+        <p:grpSpPr>
+          <a:xfrm>
+            <a:off x="7294830" y="2523521"/>
+            <a:ext cx="3193085" cy="3179238"/>
+            <a:chOff x="7294830" y="2523521"/>
+            <a:chExt cx="3193085" cy="3179238"/>
+          </a:xfrm>
+        </p:grpSpPr>
+        <p:sp>
+          <p:nvSpPr>
+            <p:cNvPr id="8" name="Rectangle 7">
+              <a:extLst>
+                <a:ext uri="{FF2B5EF4-FFF2-40B4-BE49-F238E27FC236}">
+                  <a16:creationId xmlns:a16="http://schemas.microsoft.com/office/drawing/2014/main" id="{5F2B29E3-98C8-B5F8-AC98-25276FA63F9B}"/>
+                </a:ext>
+              </a:extLst>
+            </p:cNvPr>
+            <p:cNvSpPr/>
+            <p:nvPr/>
+          </p:nvSpPr>
+          <p:spPr bwMode="auto">
+            <a:xfrm>
+              <a:off x="8186489" y="3884043"/>
+              <a:ext cx="1408360" cy="458875"/>
+            </a:xfrm>
+            <a:prstGeom prst="rect">
+              <a:avLst/>
+            </a:prstGeom>
+            <a:solidFill>
+              <a:schemeClr val="tx1">
+                <a:lumMod val="65000"/>
+              </a:schemeClr>
+            </a:solidFill>
+            <a:ln>
+              <a:noFill/>
+              <a:headEnd type="none" w="med" len="med"/>
+              <a:tailEnd type="none" w="med" len="med"/>
+            </a:ln>
+            <a:effectLst/>
+          </p:spPr>
+          <p:style>
+            <a:lnRef idx="1">
+              <a:schemeClr val="accent2"/>
+            </a:lnRef>
+            <a:fillRef idx="3">
+              <a:schemeClr val="accent2"/>
+            </a:fillRef>
+            <a:effectRef idx="2">
+              <a:schemeClr val="accent2"/>
+            </a:effectRef>
+            <a:fontRef idx="minor">
+              <a:schemeClr val="lt1"/>
+            </a:fontRef>
+          </p:style>
+          <p:txBody>
+            <a:bodyPr rot="0" spcFirstLastPara="0" vertOverflow="overflow" horzOverflow="overflow" vert="horz" wrap="square" lIns="182880" tIns="146304" rIns="182880" bIns="146304" numCol="1" spcCol="0" rtlCol="0" fromWordArt="0" anchor="t" anchorCtr="0" forceAA="0" compatLnSpc="1">
+              <a:prstTxWarp prst="textNoShape">
+                <a:avLst/>
+              </a:prstTxWarp>
+              <a:noAutofit/>
+            </a:bodyPr>
+            <a:lstStyle/>
+            <a:p>
+              <a:pPr algn="l" defTabSz="932472" fontAlgn="base">
+                <a:spcBef>
+                  <a:spcPct val="0"/>
+                </a:spcBef>
+                <a:spcAft>
+                  <a:spcPct val="0"/>
+                </a:spcAft>
+              </a:pPr>
+              <a:endParaRPr lang="en-US" sz="2000" err="1">
+                <a:solidFill>
+                  <a:srgbClr val="000000"/>
+                </a:solidFill>
+                <a:ea typeface="Segoe UI" pitchFamily="34" charset="0"/>
+                <a:cs typeface="Segoe UI" pitchFamily="34" charset="0"/>
+              </a:endParaRPr>
+            </a:p>
+          </p:txBody>
+        </p:sp>
+        <p:sp>
+          <p:nvSpPr>
+            <p:cNvPr id="67" name="Block Arc 66">
+              <a:extLst>
+                <a:ext uri="{FF2B5EF4-FFF2-40B4-BE49-F238E27FC236}">
+                  <a16:creationId xmlns:a16="http://schemas.microsoft.com/office/drawing/2014/main" id="{C5217D1E-4C54-DFE3-FB16-329DB3B258B6}"/>
+                </a:ext>
+              </a:extLst>
+            </p:cNvPr>
+            <p:cNvSpPr/>
+            <p:nvPr/>
+          </p:nvSpPr>
+          <p:spPr bwMode="auto">
+            <a:xfrm rot="5400000" flipH="1" flipV="1">
+              <a:off x="7294830" y="2523521"/>
+              <a:ext cx="1818248" cy="1818248"/>
+            </a:xfrm>
+            <a:prstGeom prst="blockArc">
+              <a:avLst>
+                <a:gd name="adj1" fmla="val 10816444"/>
+                <a:gd name="adj2" fmla="val 16198509"/>
+                <a:gd name="adj3" fmla="val 25527"/>
+              </a:avLst>
+            </a:prstGeom>
+            <a:solidFill>
+              <a:schemeClr val="tx1">
+                <a:lumMod val="65000"/>
+              </a:schemeClr>
+            </a:solidFill>
+            <a:ln>
+              <a:noFill/>
+              <a:headEnd type="none" w="med" len="med"/>
+              <a:tailEnd type="none" w="med" len="med"/>
+            </a:ln>
+            <a:effectLst/>
+          </p:spPr>
+          <p:style>
+            <a:lnRef idx="1">
+              <a:schemeClr val="accent2"/>
+            </a:lnRef>
+            <a:fillRef idx="3">
+              <a:schemeClr val="accent2"/>
+            </a:fillRef>
+            <a:effectRef idx="2">
+              <a:schemeClr val="accent2"/>
+            </a:effectRef>
+            <a:fontRef idx="minor">
+              <a:schemeClr val="lt1"/>
+            </a:fontRef>
+          </p:style>
+          <p:txBody>
+            <a:bodyPr rot="0" spcFirstLastPara="0" vertOverflow="overflow" horzOverflow="overflow" vert="horz" wrap="square" lIns="182880" tIns="146304" rIns="182880" bIns="146304" numCol="1" spcCol="0" rtlCol="0" fromWordArt="0" anchor="t" anchorCtr="0" forceAA="0" compatLnSpc="1">
+              <a:prstTxWarp prst="textNoShape">
+                <a:avLst/>
+              </a:prstTxWarp>
+              <a:noAutofit/>
+            </a:bodyPr>
+            <a:lstStyle/>
+            <a:p>
+              <a:pPr algn="l" defTabSz="932472" fontAlgn="base">
+                <a:spcBef>
+                  <a:spcPct val="0"/>
+                </a:spcBef>
+                <a:spcAft>
+                  <a:spcPct val="0"/>
+                </a:spcAft>
+              </a:pPr>
+              <a:endParaRPr lang="en-US" sz="2000" err="1">
+                <a:solidFill>
+                  <a:srgbClr val="000000"/>
+                </a:solidFill>
+                <a:ea typeface="Segoe UI" pitchFamily="34" charset="0"/>
+                <a:cs typeface="Segoe UI" pitchFamily="34" charset="0"/>
+              </a:endParaRPr>
+            </a:p>
+          </p:txBody>
+        </p:sp>
+        <p:sp>
+          <p:nvSpPr>
+            <p:cNvPr id="70" name="Block Arc 69">
+              <a:extLst>
+                <a:ext uri="{FF2B5EF4-FFF2-40B4-BE49-F238E27FC236}">
+                  <a16:creationId xmlns:a16="http://schemas.microsoft.com/office/drawing/2014/main" id="{16815460-6BAC-ED53-CDDB-EBB3A050EF34}"/>
+                </a:ext>
+              </a:extLst>
+            </p:cNvPr>
+            <p:cNvSpPr/>
+            <p:nvPr/>
+          </p:nvSpPr>
+          <p:spPr bwMode="auto">
+            <a:xfrm rot="5400000">
+              <a:off x="8669667" y="3884511"/>
+              <a:ext cx="1818248" cy="1818248"/>
+            </a:xfrm>
+            <a:prstGeom prst="blockArc">
+              <a:avLst/>
+            </a:prstGeom>
+            <a:solidFill>
+              <a:schemeClr val="tx1">
+                <a:lumMod val="65000"/>
+              </a:schemeClr>
+            </a:solidFill>
+            <a:ln>
+              <a:noFill/>
+              <a:headEnd type="none" w="med" len="med"/>
+              <a:tailEnd type="none" w="med" len="med"/>
+            </a:ln>
+            <a:effectLst/>
+          </p:spPr>
+          <p:style>
+            <a:lnRef idx="1">
+              <a:schemeClr val="accent2"/>
+            </a:lnRef>
+            <a:fillRef idx="3">
+              <a:schemeClr val="accent2"/>
+            </a:fillRef>
+            <a:effectRef idx="2">
+              <a:schemeClr val="accent2"/>
+            </a:effectRef>
+            <a:fontRef idx="minor">
+              <a:schemeClr val="lt1"/>
+            </a:fontRef>
+          </p:style>
+          <p:txBody>
+            <a:bodyPr rot="0" spcFirstLastPara="0" vertOverflow="overflow" horzOverflow="overflow" vert="horz" wrap="square" lIns="182880" tIns="146304" rIns="182880" bIns="146304" numCol="1" spcCol="0" rtlCol="0" fromWordArt="0" anchor="t" anchorCtr="0" forceAA="0" compatLnSpc="1">
+              <a:prstTxWarp prst="textNoShape">
+                <a:avLst/>
+              </a:prstTxWarp>
+              <a:noAutofit/>
+            </a:bodyPr>
+            <a:lstStyle/>
+            <a:p>
+              <a:pPr algn="l" defTabSz="932472" fontAlgn="base">
+                <a:spcBef>
+                  <a:spcPct val="0"/>
+                </a:spcBef>
+                <a:spcAft>
+                  <a:spcPct val="0"/>
+                </a:spcAft>
+              </a:pPr>
+              <a:endParaRPr lang="en-US" sz="2000" err="1">
+                <a:solidFill>
+                  <a:srgbClr val="000000"/>
+                </a:solidFill>
+                <a:ea typeface="Segoe UI" pitchFamily="34" charset="0"/>
+                <a:cs typeface="Segoe UI" pitchFamily="34" charset="0"/>
+              </a:endParaRPr>
+            </a:p>
+          </p:txBody>
+        </p:sp>
+      </p:grpSp>
+      <p:grpSp>
+        <p:nvGrpSpPr>
+          <p:cNvPr id="3" name="Group 2">
+            <a:extLst>
+              <a:ext uri="{FF2B5EF4-FFF2-40B4-BE49-F238E27FC236}">
+                <a16:creationId xmlns:a16="http://schemas.microsoft.com/office/drawing/2014/main" id="{782DAEF8-9FCF-32B5-85E9-1B04F429F1E7}"/>
+              </a:ext>
+            </a:extLst>
+          </p:cNvPr>
+          <p:cNvGrpSpPr/>
+          <p:nvPr/>
+        </p:nvGrpSpPr>
+        <p:grpSpPr>
+          <a:xfrm>
+            <a:off x="4813958" y="2644306"/>
+            <a:ext cx="3454751" cy="1176153"/>
+            <a:chOff x="4813958" y="2644306"/>
+            <a:chExt cx="3454751" cy="1176153"/>
+          </a:xfrm>
+        </p:grpSpPr>
+        <p:sp>
+          <p:nvSpPr>
+            <p:cNvPr id="62" name="Rectangle 61">
+              <a:extLst>
+                <a:ext uri="{FF2B5EF4-FFF2-40B4-BE49-F238E27FC236}">
+                  <a16:creationId xmlns:a16="http://schemas.microsoft.com/office/drawing/2014/main" id="{CF570F87-608B-8301-6C09-0BF45A8676FC}"/>
+                </a:ext>
+              </a:extLst>
+            </p:cNvPr>
+            <p:cNvSpPr/>
+            <p:nvPr/>
+          </p:nvSpPr>
+          <p:spPr bwMode="auto">
+            <a:xfrm>
+              <a:off x="4813958" y="3067123"/>
+              <a:ext cx="845018" cy="458875"/>
+            </a:xfrm>
+            <a:prstGeom prst="rect">
+              <a:avLst/>
+            </a:prstGeom>
+            <a:solidFill>
+              <a:schemeClr val="tx1">
+                <a:lumMod val="65000"/>
+              </a:schemeClr>
+            </a:solidFill>
+            <a:ln>
+              <a:noFill/>
+              <a:headEnd type="none" w="med" len="med"/>
+              <a:tailEnd type="none" w="med" len="med"/>
+            </a:ln>
+            <a:effectLst/>
+          </p:spPr>
+          <p:style>
+            <a:lnRef idx="1">
+              <a:schemeClr val="accent2"/>
+            </a:lnRef>
+            <a:fillRef idx="3">
+              <a:schemeClr val="accent2"/>
+            </a:fillRef>
+            <a:effectRef idx="2">
+              <a:schemeClr val="accent2"/>
+            </a:effectRef>
+            <a:fontRef idx="minor">
+              <a:schemeClr val="lt1"/>
+            </a:fontRef>
+          </p:style>
+          <p:txBody>
+            <a:bodyPr rot="0" spcFirstLastPara="0" vertOverflow="overflow" horzOverflow="overflow" vert="horz" wrap="square" lIns="182880" tIns="146304" rIns="182880" bIns="146304" numCol="1" spcCol="0" rtlCol="0" fromWordArt="0" anchor="t" anchorCtr="0" forceAA="0" compatLnSpc="1">
+              <a:prstTxWarp prst="textNoShape">
+                <a:avLst/>
+              </a:prstTxWarp>
+              <a:noAutofit/>
+            </a:bodyPr>
+            <a:lstStyle/>
+            <a:p>
+              <a:pPr algn="l" defTabSz="932472" fontAlgn="base">
+                <a:spcBef>
+                  <a:spcPct val="0"/>
+                </a:spcBef>
+                <a:spcAft>
+                  <a:spcPct val="0"/>
+                </a:spcAft>
+              </a:pPr>
+              <a:endParaRPr lang="en-US" sz="2000" err="1">
+                <a:solidFill>
+                  <a:srgbClr val="000000"/>
+                </a:solidFill>
+                <a:ea typeface="Segoe UI" pitchFamily="34" charset="0"/>
+                <a:cs typeface="Segoe UI" pitchFamily="34" charset="0"/>
+              </a:endParaRPr>
+            </a:p>
+          </p:txBody>
+        </p:sp>
+        <p:sp>
+          <p:nvSpPr>
+            <p:cNvPr id="79" name="Cube 78">
+              <a:extLst>
+                <a:ext uri="{FF2B5EF4-FFF2-40B4-BE49-F238E27FC236}">
+                  <a16:creationId xmlns:a16="http://schemas.microsoft.com/office/drawing/2014/main" id="{24E445B2-8EDA-336D-BE32-823BF059C523}"/>
+                </a:ext>
+              </a:extLst>
+            </p:cNvPr>
+            <p:cNvSpPr/>
+            <p:nvPr/>
+          </p:nvSpPr>
+          <p:spPr bwMode="auto">
+            <a:xfrm>
+              <a:off x="5388922" y="2644306"/>
+              <a:ext cx="1414132" cy="1176153"/>
+            </a:xfrm>
+            <a:prstGeom prst="cube">
+              <a:avLst/>
+            </a:prstGeom>
+            <a:solidFill>
+              <a:schemeClr val="tx2">
+                <a:lumMod val="50000"/>
+              </a:schemeClr>
+            </a:solidFill>
+            <a:ln>
+              <a:noFill/>
+              <a:headEnd type="none" w="med" len="med"/>
+              <a:tailEnd type="none" w="med" len="med"/>
+            </a:ln>
+            <a:effectLst/>
+          </p:spPr>
+          <p:style>
+            <a:lnRef idx="1">
+              <a:schemeClr val="accent2"/>
+            </a:lnRef>
+            <a:fillRef idx="3">
+              <a:schemeClr val="accent2"/>
+            </a:fillRef>
+            <a:effectRef idx="2">
+              <a:schemeClr val="accent2"/>
+            </a:effectRef>
+            <a:fontRef idx="minor">
+              <a:schemeClr val="lt1"/>
+            </a:fontRef>
+          </p:style>
+          <p:txBody>
+            <a:bodyPr rot="0" spcFirstLastPara="0" vertOverflow="overflow" horzOverflow="overflow" vert="horz" wrap="square" lIns="0" tIns="0" rIns="0" bIns="0" numCol="1" spcCol="0" rtlCol="0" fromWordArt="0" anchor="t" anchorCtr="0" forceAA="0" compatLnSpc="1">
+              <a:prstTxWarp prst="textNoShape">
+                <a:avLst/>
+              </a:prstTxWarp>
+              <a:noAutofit/>
+            </a:bodyPr>
+            <a:lstStyle/>
+            <a:p>
+              <a:pPr algn="l" defTabSz="932472" fontAlgn="base">
+                <a:spcBef>
+                  <a:spcPct val="0"/>
+                </a:spcBef>
+                <a:spcAft>
+                  <a:spcPct val="0"/>
+                </a:spcAft>
+              </a:pPr>
+              <a:r>
+                <a:rPr lang="en-US" sz="2000">
+                  <a:solidFill>
+                    <a:srgbClr val="000000"/>
+                  </a:solidFill>
+                  <a:ea typeface="Segoe UI" pitchFamily="34" charset="0"/>
+                  <a:cs typeface="Segoe UI" pitchFamily="34" charset="0"/>
+                </a:rPr>
+                <a:t> </a:t>
+              </a:r>
+            </a:p>
+            <a:p>
+              <a:pPr algn="l" defTabSz="932472" fontAlgn="base">
+                <a:spcBef>
+                  <a:spcPct val="0"/>
+                </a:spcBef>
+                <a:spcAft>
+                  <a:spcPct val="0"/>
+                </a:spcAft>
+              </a:pPr>
+              <a:r>
+                <a:rPr lang="en-US" sz="2000">
+                  <a:solidFill>
+                    <a:srgbClr val="000000"/>
+                  </a:solidFill>
+                  <a:ea typeface="Segoe UI" pitchFamily="34" charset="0"/>
+                  <a:cs typeface="Segoe UI" pitchFamily="34" charset="0"/>
+                </a:rPr>
+                <a:t>       </a:t>
+              </a:r>
+              <a:r>
+                <a:rPr lang="en-US" sz="2000">
+                  <a:solidFill>
+                    <a:schemeClr val="tx1"/>
+                  </a:solidFill>
+                  <a:ea typeface="Segoe UI" pitchFamily="34" charset="0"/>
+                  <a:cs typeface="Segoe UI" pitchFamily="34" charset="0"/>
+                </a:rPr>
+                <a:t>ernel</a:t>
+              </a:r>
+            </a:p>
+          </p:txBody>
+        </p:sp>
+        <p:sp>
+          <p:nvSpPr>
+            <p:cNvPr id="80" name="Rectangle 79">
+              <a:extLst>
+                <a:ext uri="{FF2B5EF4-FFF2-40B4-BE49-F238E27FC236}">
+                  <a16:creationId xmlns:a16="http://schemas.microsoft.com/office/drawing/2014/main" id="{27B0ACBB-57BF-9812-A235-F7D81228FEF1}"/>
+                </a:ext>
+              </a:extLst>
+            </p:cNvPr>
+            <p:cNvSpPr/>
+            <p:nvPr/>
+          </p:nvSpPr>
+          <p:spPr>
+            <a:xfrm>
+              <a:off x="5340687" y="2884119"/>
+              <a:ext cx="633507" cy="923330"/>
+            </a:xfrm>
+            <a:prstGeom prst="rect">
+              <a:avLst/>
+            </a:prstGeom>
+            <a:noFill/>
+          </p:spPr>
+          <p:txBody>
+            <a:bodyPr wrap="none" lIns="91440" tIns="45720" rIns="91440" bIns="45720">
+              <a:spAutoFit/>
+            </a:bodyPr>
+            <a:lstStyle/>
+            <a:p>
+              <a:pPr algn="ctr"/>
+              <a:r>
+                <a:rPr lang="en-US" sz="5400" b="1" cap="none" spc="0">
+                  <a:ln w="12700">
+                    <a:solidFill>
+                      <a:schemeClr val="tx2">
+                        <a:lumMod val="75000"/>
+                      </a:schemeClr>
+                    </a:solidFill>
+                    <a:prstDash val="solid"/>
+                  </a:ln>
+                  <a:pattFill prst="dkUpDiag">
+                    <a:fgClr>
+                      <a:schemeClr val="tx2"/>
+                    </a:fgClr>
+                    <a:bgClr>
+                      <a:schemeClr val="tx2">
+                        <a:lumMod val="20000"/>
+                        <a:lumOff val="80000"/>
+                      </a:schemeClr>
+                    </a:bgClr>
+                  </a:pattFill>
+                  <a:effectLst>
+                    <a:outerShdw dist="38100" dir="2640000" algn="bl" rotWithShape="0">
+                      <a:schemeClr val="tx2">
+                        <a:lumMod val="75000"/>
+                      </a:schemeClr>
+                    </a:outerShdw>
+                  </a:effectLst>
+                </a:rPr>
+                <a:t>K</a:t>
+              </a:r>
+            </a:p>
+          </p:txBody>
+        </p:sp>
+        <p:sp>
+          <p:nvSpPr>
+            <p:cNvPr id="23" name="Rectangle 22">
+              <a:extLst>
+                <a:ext uri="{FF2B5EF4-FFF2-40B4-BE49-F238E27FC236}">
+                  <a16:creationId xmlns:a16="http://schemas.microsoft.com/office/drawing/2014/main" id="{80F79E18-7E86-AD43-AD5F-736EFA794E76}"/>
+                </a:ext>
+              </a:extLst>
+            </p:cNvPr>
+            <p:cNvSpPr/>
+            <p:nvPr/>
+          </p:nvSpPr>
+          <p:spPr bwMode="auto">
+            <a:xfrm>
+              <a:off x="6620527" y="3017312"/>
+              <a:ext cx="364860" cy="535954"/>
+            </a:xfrm>
+            <a:prstGeom prst="rect">
+              <a:avLst/>
+            </a:prstGeom>
+            <a:gradFill>
+              <a:gsLst>
+                <a:gs pos="0">
+                  <a:schemeClr val="tx2">
+                    <a:lumMod val="50000"/>
+                  </a:schemeClr>
+                </a:gs>
+                <a:gs pos="100000">
+                  <a:srgbClr val="FFC000">
+                    <a:alpha val="32824"/>
+                  </a:srgbClr>
+                </a:gs>
+              </a:gsLst>
+              <a:lin ang="0" scaled="0"/>
+            </a:gradFill>
+            <a:ln>
+              <a:noFill/>
+              <a:headEnd type="none" w="med" len="med"/>
+              <a:tailEnd type="none" w="med" len="med"/>
+            </a:ln>
+            <a:effectLst/>
+          </p:spPr>
+          <p:style>
+            <a:lnRef idx="1">
+              <a:schemeClr val="accent2"/>
+            </a:lnRef>
+            <a:fillRef idx="3">
+              <a:schemeClr val="accent2"/>
+            </a:fillRef>
+            <a:effectRef idx="2">
+              <a:schemeClr val="accent2"/>
+            </a:effectRef>
+            <a:fontRef idx="minor">
+              <a:schemeClr val="lt1"/>
+            </a:fontRef>
+          </p:style>
+          <p:txBody>
+            <a:bodyPr rot="0" spcFirstLastPara="0" vertOverflow="overflow" horzOverflow="overflow" vert="horz" wrap="square" lIns="182880" tIns="146304" rIns="182880" bIns="146304" numCol="1" spcCol="0" rtlCol="0" fromWordArt="0" anchor="t" anchorCtr="0" forceAA="0" compatLnSpc="1">
+              <a:prstTxWarp prst="textNoShape">
+                <a:avLst/>
+              </a:prstTxWarp>
+              <a:noAutofit/>
+            </a:bodyPr>
+            <a:lstStyle/>
+            <a:p>
+              <a:pPr algn="l" defTabSz="932472" fontAlgn="base">
+                <a:spcBef>
+                  <a:spcPct val="0"/>
+                </a:spcBef>
+                <a:spcAft>
+                  <a:spcPct val="0"/>
+                </a:spcAft>
+              </a:pPr>
+              <a:endParaRPr lang="en-US" sz="2000" err="1">
+                <a:solidFill>
+                  <a:srgbClr val="000000"/>
+                </a:solidFill>
+                <a:ea typeface="Segoe UI" pitchFamily="34" charset="0"/>
+                <a:cs typeface="Segoe UI" pitchFamily="34" charset="0"/>
+              </a:endParaRPr>
+            </a:p>
+          </p:txBody>
+        </p:sp>
+        <p:sp>
+          <p:nvSpPr>
+            <p:cNvPr id="105" name="Multidocument 104">
+              <a:extLst>
+                <a:ext uri="{FF2B5EF4-FFF2-40B4-BE49-F238E27FC236}">
+                  <a16:creationId xmlns:a16="http://schemas.microsoft.com/office/drawing/2014/main" id="{A6FD9D99-1C77-0937-9CB5-5C9D5E6AE2A3}"/>
+                </a:ext>
+              </a:extLst>
+            </p:cNvPr>
+            <p:cNvSpPr/>
+            <p:nvPr/>
+          </p:nvSpPr>
+          <p:spPr bwMode="auto">
+            <a:xfrm>
+              <a:off x="6930649" y="2781357"/>
+              <a:ext cx="1338060" cy="893467"/>
+            </a:xfrm>
+            <a:prstGeom prst="flowChartMultidocument">
+              <a:avLst/>
+            </a:prstGeom>
+            <a:solidFill>
+              <a:srgbClr val="FFC000"/>
+            </a:solidFill>
+            <a:ln>
+              <a:solidFill>
+                <a:schemeClr val="bg1"/>
+              </a:solidFill>
+              <a:headEnd type="none" w="med" len="med"/>
+              <a:tailEnd type="none" w="med" len="med"/>
+            </a:ln>
+            <a:effectLst>
+              <a:outerShdw blurRad="771749" sx="102000" sy="102000" algn="ctr" rotWithShape="0">
+                <a:srgbClr val="FFC000">
+                  <a:alpha val="40000"/>
+                </a:srgbClr>
+              </a:outerShdw>
+            </a:effectLst>
+          </p:spPr>
+          <p:style>
+            <a:lnRef idx="1">
+              <a:schemeClr val="accent2"/>
+            </a:lnRef>
+            <a:fillRef idx="3">
+              <a:schemeClr val="accent2"/>
+            </a:fillRef>
+            <a:effectRef idx="2">
+              <a:schemeClr val="accent2"/>
+            </a:effectRef>
+            <a:fontRef idx="minor">
+              <a:schemeClr val="lt1"/>
+            </a:fontRef>
+          </p:style>
+          <p:txBody>
+            <a:bodyPr rot="0" spcFirstLastPara="0" vertOverflow="overflow" horzOverflow="overflow" vert="horz" wrap="square" lIns="182880" tIns="146304" rIns="182880" bIns="146304" numCol="1" spcCol="0" rtlCol="0" fromWordArt="0" anchor="t" anchorCtr="0" forceAA="0" compatLnSpc="1">
+              <a:prstTxWarp prst="textNoShape">
+                <a:avLst/>
+              </a:prstTxWarp>
+              <a:noAutofit/>
+            </a:bodyPr>
+            <a:lstStyle/>
+            <a:p>
+              <a:pPr algn="l" defTabSz="932472" fontAlgn="base">
+                <a:spcBef>
+                  <a:spcPct val="0"/>
+                </a:spcBef>
+                <a:spcAft>
+                  <a:spcPct val="0"/>
+                </a:spcAft>
+              </a:pPr>
+              <a:endParaRPr lang="en-US" sz="2000" err="1">
+                <a:solidFill>
+                  <a:srgbClr val="000000"/>
+                </a:solidFill>
+                <a:ea typeface="Segoe UI" pitchFamily="34" charset="0"/>
+                <a:cs typeface="Segoe UI" pitchFamily="34" charset="0"/>
+              </a:endParaRPr>
+            </a:p>
+          </p:txBody>
+        </p:sp>
+        <p:sp>
+          <p:nvSpPr>
+            <p:cNvPr id="106" name="TextBox 105">
+              <a:extLst>
+                <a:ext uri="{FF2B5EF4-FFF2-40B4-BE49-F238E27FC236}">
+                  <a16:creationId xmlns:a16="http://schemas.microsoft.com/office/drawing/2014/main" id="{3B560F28-BC20-D988-1B6F-92079A0EA8D8}"/>
+                </a:ext>
+              </a:extLst>
+            </p:cNvPr>
+            <p:cNvSpPr txBox="1"/>
+            <p:nvPr/>
+          </p:nvSpPr>
+          <p:spPr>
+            <a:xfrm>
+              <a:off x="6989204" y="3043002"/>
+              <a:ext cx="1075364" cy="369332"/>
+            </a:xfrm>
+            <a:prstGeom prst="rect">
+              <a:avLst/>
+            </a:prstGeom>
+            <a:noFill/>
+          </p:spPr>
+          <p:txBody>
+            <a:bodyPr wrap="square" lIns="0" tIns="0" rIns="0" bIns="0" rtlCol="0">
+              <a:spAutoFit/>
+            </a:bodyPr>
+            <a:lstStyle/>
+            <a:p>
+              <a:pPr algn="ctr"/>
+              <a:r>
+                <a:rPr lang="en-US" sz="1200">
+                  <a:solidFill>
+                    <a:schemeClr val="bg1"/>
+                  </a:solidFill>
+                </a:rPr>
+                <a:t>Steps ready</a:t>
+              </a:r>
+              <a:br>
+                <a:rPr lang="en-US" sz="1200">
+                  <a:solidFill>
+                    <a:schemeClr val="bg1"/>
+                  </a:solidFill>
+                </a:rPr>
+              </a:br>
+              <a:r>
+                <a:rPr lang="en-US" sz="1200">
+                  <a:solidFill>
+                    <a:schemeClr val="bg1"/>
+                  </a:solidFill>
+                </a:rPr>
+                <a:t>from planner</a:t>
+              </a:r>
+            </a:p>
+          </p:txBody>
+        </p:sp>
+        <p:sp>
+          <p:nvSpPr>
+            <p:cNvPr id="107" name="Oval 106">
+              <a:extLst>
+                <a:ext uri="{FF2B5EF4-FFF2-40B4-BE49-F238E27FC236}">
+                  <a16:creationId xmlns:a16="http://schemas.microsoft.com/office/drawing/2014/main" id="{B027933C-F270-89CF-9AE7-407E6FAB85F6}"/>
+                </a:ext>
+              </a:extLst>
+            </p:cNvPr>
+            <p:cNvSpPr/>
+            <p:nvPr/>
+          </p:nvSpPr>
+          <p:spPr bwMode="auto">
+            <a:xfrm>
+              <a:off x="7073968" y="3500202"/>
+              <a:ext cx="191642" cy="191642"/>
+            </a:xfrm>
+            <a:prstGeom prst="ellipse">
+              <a:avLst/>
+            </a:prstGeom>
+            <a:solidFill>
+              <a:srgbClr val="FFFF00"/>
+            </a:solidFill>
+            <a:ln>
+              <a:solidFill>
+                <a:schemeClr val="bg1"/>
+              </a:solidFill>
+              <a:headEnd type="none" w="med" len="med"/>
+              <a:tailEnd type="none" w="med" len="med"/>
+            </a:ln>
+            <a:effectLst>
+              <a:outerShdw blurRad="50800" dist="38100" dir="16200000" rotWithShape="0">
+                <a:srgbClr val="FFFF00">
+                  <a:alpha val="40000"/>
+                </a:srgbClr>
+              </a:outerShdw>
+            </a:effectLst>
+          </p:spPr>
+          <p:style>
+            <a:lnRef idx="1">
+              <a:schemeClr val="accent2"/>
+            </a:lnRef>
+            <a:fillRef idx="3">
+              <a:schemeClr val="accent2"/>
+            </a:fillRef>
+            <a:effectRef idx="2">
+              <a:schemeClr val="accent2"/>
+            </a:effectRef>
+            <a:fontRef idx="minor">
+              <a:schemeClr val="lt1"/>
+            </a:fontRef>
+          </p:style>
+          <p:txBody>
+            <a:bodyPr rot="0" spcFirstLastPara="0" vertOverflow="overflow" horzOverflow="overflow" vert="horz" wrap="square" lIns="0" tIns="0" rIns="0" bIns="0" numCol="1" spcCol="0" rtlCol="0" fromWordArt="0" anchor="ctr" anchorCtr="0" forceAA="0" compatLnSpc="1">
+              <a:prstTxWarp prst="textNoShape">
+                <a:avLst/>
+              </a:prstTxWarp>
+              <a:noAutofit/>
+            </a:bodyPr>
+            <a:lstStyle/>
+            <a:p>
+              <a:pPr algn="ctr" defTabSz="932472" fontAlgn="base">
+                <a:spcBef>
+                  <a:spcPct val="0"/>
+                </a:spcBef>
+                <a:spcAft>
+                  <a:spcPct val="0"/>
+                </a:spcAft>
+              </a:pPr>
+              <a:r>
+                <a:rPr lang="en-US" sz="800" b="1">
+                  <a:solidFill>
+                    <a:srgbClr val="000000"/>
+                  </a:solidFill>
+                  <a:ea typeface="Segoe UI" pitchFamily="34" charset="0"/>
+                  <a:cs typeface="Segoe UI" pitchFamily="34" charset="0"/>
+                </a:rPr>
+                <a:t>1</a:t>
+              </a:r>
+            </a:p>
+          </p:txBody>
+        </p:sp>
+        <p:sp>
+          <p:nvSpPr>
+            <p:cNvPr id="108" name="Oval 107">
+              <a:extLst>
+                <a:ext uri="{FF2B5EF4-FFF2-40B4-BE49-F238E27FC236}">
+                  <a16:creationId xmlns:a16="http://schemas.microsoft.com/office/drawing/2014/main" id="{9EA46232-4657-41E3-9B6F-8AEAEDFB0F44}"/>
+                </a:ext>
+              </a:extLst>
+            </p:cNvPr>
+            <p:cNvSpPr/>
+            <p:nvPr/>
+          </p:nvSpPr>
+          <p:spPr bwMode="auto">
+            <a:xfrm>
+              <a:off x="7330994" y="3500202"/>
+              <a:ext cx="191642" cy="191642"/>
+            </a:xfrm>
+            <a:prstGeom prst="ellipse">
+              <a:avLst/>
+            </a:prstGeom>
+            <a:solidFill>
+              <a:srgbClr val="FFFF00"/>
+            </a:solidFill>
+            <a:ln>
+              <a:solidFill>
+                <a:schemeClr val="bg1"/>
+              </a:solidFill>
+              <a:headEnd type="none" w="med" len="med"/>
+              <a:tailEnd type="none" w="med" len="med"/>
+            </a:ln>
+            <a:effectLst>
+              <a:outerShdw blurRad="50800" dist="38100" dir="16200000" rotWithShape="0">
+                <a:srgbClr val="FFFF00">
+                  <a:alpha val="40000"/>
+                </a:srgbClr>
+              </a:outerShdw>
+            </a:effectLst>
+          </p:spPr>
+          <p:style>
+            <a:lnRef idx="1">
+              <a:schemeClr val="accent2"/>
+            </a:lnRef>
+            <a:fillRef idx="3">
+              <a:schemeClr val="accent2"/>
+            </a:fillRef>
+            <a:effectRef idx="2">
+              <a:schemeClr val="accent2"/>
+            </a:effectRef>
+            <a:fontRef idx="minor">
+              <a:schemeClr val="lt1"/>
+            </a:fontRef>
+          </p:style>
+          <p:txBody>
+            <a:bodyPr rot="0" spcFirstLastPara="0" vertOverflow="overflow" horzOverflow="overflow" vert="horz" wrap="square" lIns="0" tIns="0" rIns="0" bIns="0" numCol="1" spcCol="0" rtlCol="0" fromWordArt="0" anchor="ctr" anchorCtr="0" forceAA="0" compatLnSpc="1">
+              <a:prstTxWarp prst="textNoShape">
+                <a:avLst/>
+              </a:prstTxWarp>
+              <a:noAutofit/>
+            </a:bodyPr>
+            <a:lstStyle/>
+            <a:p>
+              <a:pPr algn="ctr" defTabSz="932472" fontAlgn="base">
+                <a:spcBef>
+                  <a:spcPct val="0"/>
+                </a:spcBef>
+                <a:spcAft>
+                  <a:spcPct val="0"/>
+                </a:spcAft>
+              </a:pPr>
+              <a:r>
+                <a:rPr lang="en-US" sz="800" b="1">
+                  <a:solidFill>
+                    <a:srgbClr val="000000"/>
+                  </a:solidFill>
+                  <a:ea typeface="Segoe UI" pitchFamily="34" charset="0"/>
+                  <a:cs typeface="Segoe UI" pitchFamily="34" charset="0"/>
+                </a:rPr>
+                <a:t>2</a:t>
+              </a:r>
+            </a:p>
+          </p:txBody>
+        </p:sp>
+        <p:sp>
+          <p:nvSpPr>
+            <p:cNvPr id="109" name="Oval 108">
+              <a:extLst>
+                <a:ext uri="{FF2B5EF4-FFF2-40B4-BE49-F238E27FC236}">
+                  <a16:creationId xmlns:a16="http://schemas.microsoft.com/office/drawing/2014/main" id="{4B2D701A-20D9-4497-3C14-431447A14078}"/>
+                </a:ext>
+              </a:extLst>
+            </p:cNvPr>
+            <p:cNvSpPr/>
+            <p:nvPr/>
+          </p:nvSpPr>
+          <p:spPr bwMode="auto">
+            <a:xfrm>
+              <a:off x="7588020" y="3500202"/>
+              <a:ext cx="191642" cy="191642"/>
+            </a:xfrm>
+            <a:prstGeom prst="ellipse">
+              <a:avLst/>
+            </a:prstGeom>
+            <a:solidFill>
+              <a:srgbClr val="FFFF00"/>
+            </a:solidFill>
+            <a:ln>
+              <a:solidFill>
+                <a:schemeClr val="bg1"/>
+              </a:solidFill>
+              <a:headEnd type="none" w="med" len="med"/>
+              <a:tailEnd type="none" w="med" len="med"/>
+            </a:ln>
+            <a:effectLst>
+              <a:outerShdw blurRad="50800" dist="38100" dir="16200000" rotWithShape="0">
+                <a:srgbClr val="FFFF00">
+                  <a:alpha val="40000"/>
+                </a:srgbClr>
+              </a:outerShdw>
+            </a:effectLst>
+          </p:spPr>
+          <p:style>
+            <a:lnRef idx="1">
+              <a:schemeClr val="accent2"/>
+            </a:lnRef>
+            <a:fillRef idx="3">
+              <a:schemeClr val="accent2"/>
+            </a:fillRef>
+            <a:effectRef idx="2">
+              <a:schemeClr val="accent2"/>
+            </a:effectRef>
+            <a:fontRef idx="minor">
+              <a:schemeClr val="lt1"/>
+            </a:fontRef>
+          </p:style>
+          <p:txBody>
+            <a:bodyPr rot="0" spcFirstLastPara="0" vertOverflow="overflow" horzOverflow="overflow" vert="horz" wrap="square" lIns="0" tIns="0" rIns="0" bIns="0" numCol="1" spcCol="0" rtlCol="0" fromWordArt="0" anchor="ctr" anchorCtr="0" forceAA="0" compatLnSpc="1">
+              <a:prstTxWarp prst="textNoShape">
+                <a:avLst/>
+              </a:prstTxWarp>
+              <a:noAutofit/>
+            </a:bodyPr>
+            <a:lstStyle/>
+            <a:p>
+              <a:pPr algn="ctr" defTabSz="932472" fontAlgn="base">
+                <a:spcBef>
+                  <a:spcPct val="0"/>
+                </a:spcBef>
+                <a:spcAft>
+                  <a:spcPct val="0"/>
+                </a:spcAft>
+              </a:pPr>
+              <a:r>
+                <a:rPr lang="en-US" sz="800" b="1">
+                  <a:solidFill>
+                    <a:srgbClr val="000000"/>
+                  </a:solidFill>
+                  <a:ea typeface="Segoe UI" pitchFamily="34" charset="0"/>
+                  <a:cs typeface="Segoe UI" pitchFamily="34" charset="0"/>
+                </a:rPr>
+                <a:t>3</a:t>
+              </a:r>
+            </a:p>
+          </p:txBody>
+        </p:sp>
+        <p:sp>
+          <p:nvSpPr>
+            <p:cNvPr id="110" name="Oval 109">
+              <a:extLst>
+                <a:ext uri="{FF2B5EF4-FFF2-40B4-BE49-F238E27FC236}">
+                  <a16:creationId xmlns:a16="http://schemas.microsoft.com/office/drawing/2014/main" id="{E1EE08B9-4DB1-C611-91C7-50506793D913}"/>
+                </a:ext>
+              </a:extLst>
+            </p:cNvPr>
+            <p:cNvSpPr/>
+            <p:nvPr/>
+          </p:nvSpPr>
+          <p:spPr bwMode="auto">
+            <a:xfrm>
+              <a:off x="7845047" y="3500202"/>
+              <a:ext cx="191642" cy="191642"/>
+            </a:xfrm>
+            <a:prstGeom prst="ellipse">
+              <a:avLst/>
+            </a:prstGeom>
+            <a:solidFill>
+              <a:srgbClr val="FFFF00"/>
+            </a:solidFill>
+            <a:ln>
+              <a:solidFill>
+                <a:schemeClr val="bg1"/>
+              </a:solidFill>
+              <a:headEnd type="none" w="med" len="med"/>
+              <a:tailEnd type="none" w="med" len="med"/>
+            </a:ln>
+            <a:effectLst>
+              <a:outerShdw blurRad="50800" dist="38100" dir="16200000" rotWithShape="0">
+                <a:srgbClr val="FFFF00">
+                  <a:alpha val="40000"/>
+                </a:srgbClr>
+              </a:outerShdw>
+            </a:effectLst>
+          </p:spPr>
+          <p:style>
+            <a:lnRef idx="1">
+              <a:schemeClr val="accent2"/>
+            </a:lnRef>
+            <a:fillRef idx="3">
+              <a:schemeClr val="accent2"/>
+            </a:fillRef>
+            <a:effectRef idx="2">
+              <a:schemeClr val="accent2"/>
+            </a:effectRef>
+            <a:fontRef idx="minor">
+              <a:schemeClr val="lt1"/>
+            </a:fontRef>
+          </p:style>
+          <p:txBody>
+            <a:bodyPr rot="0" spcFirstLastPara="0" vertOverflow="overflow" horzOverflow="overflow" vert="horz" wrap="square" lIns="0" tIns="0" rIns="0" bIns="0" numCol="1" spcCol="0" rtlCol="0" fromWordArt="0" anchor="ctr" anchorCtr="0" forceAA="0" compatLnSpc="1">
+              <a:prstTxWarp prst="textNoShape">
+                <a:avLst/>
+              </a:prstTxWarp>
+              <a:noAutofit/>
+            </a:bodyPr>
+            <a:lstStyle/>
+            <a:p>
+              <a:pPr algn="ctr" defTabSz="932472" fontAlgn="base">
+                <a:spcBef>
+                  <a:spcPct val="0"/>
+                </a:spcBef>
+                <a:spcAft>
+                  <a:spcPct val="0"/>
+                </a:spcAft>
+              </a:pPr>
+              <a:r>
+                <a:rPr lang="en-US" sz="800" b="1">
+                  <a:solidFill>
+                    <a:srgbClr val="000000"/>
+                  </a:solidFill>
+                  <a:ea typeface="Segoe UI" pitchFamily="34" charset="0"/>
+                  <a:cs typeface="Segoe UI" pitchFamily="34" charset="0"/>
+                </a:rPr>
+                <a:t>…</a:t>
+              </a:r>
+            </a:p>
+          </p:txBody>
+        </p:sp>
+      </p:grpSp>
+      <p:sp>
+        <p:nvSpPr>
+          <p:cNvPr id="33" name="TextBox 32">
+            <a:extLst>
+              <a:ext uri="{FF2B5EF4-FFF2-40B4-BE49-F238E27FC236}">
+                <a16:creationId xmlns:a16="http://schemas.microsoft.com/office/drawing/2014/main" id="{25D18D8D-5816-89DB-2A1D-61DFA5DE2B79}"/>
+              </a:ext>
+            </a:extLst>
+          </p:cNvPr>
+          <p:cNvSpPr txBox="1"/>
+          <p:nvPr/>
+        </p:nvSpPr>
+        <p:spPr>
+          <a:xfrm>
+            <a:off x="-2776451" y="3890356"/>
+            <a:ext cx="65" cy="307777"/>
+          </a:xfrm>
+          <a:prstGeom prst="rect">
+            <a:avLst/>
+          </a:prstGeom>
+          <a:noFill/>
+        </p:spPr>
+        <p:txBody>
+          <a:bodyPr wrap="none" lIns="0" tIns="0" rIns="0" bIns="0" rtlCol="0">
+            <a:spAutoFit/>
+          </a:bodyPr>
+          <a:lstStyle/>
+          <a:p>
+            <a:pPr algn="l"/>
+            <a:endParaRPr lang="en-US" sz="2000"/>
+          </a:p>
+        </p:txBody>
+      </p:sp>
+      <p:grpSp>
+        <p:nvGrpSpPr>
+          <p:cNvPr id="22" name="Group 21">
+            <a:extLst>
+              <a:ext uri="{FF2B5EF4-FFF2-40B4-BE49-F238E27FC236}">
+                <a16:creationId xmlns:a16="http://schemas.microsoft.com/office/drawing/2014/main" id="{FFA97444-78DF-4046-AA5E-BA30035EE4D6}"/>
+              </a:ext>
+            </a:extLst>
+          </p:cNvPr>
+          <p:cNvGrpSpPr/>
+          <p:nvPr/>
+        </p:nvGrpSpPr>
+        <p:grpSpPr>
+          <a:xfrm>
+            <a:off x="4149876" y="5037640"/>
+            <a:ext cx="5724499" cy="674631"/>
+            <a:chOff x="4149876" y="5037640"/>
+            <a:chExt cx="5724499" cy="674631"/>
+          </a:xfrm>
+        </p:grpSpPr>
+        <p:sp>
+          <p:nvSpPr>
+            <p:cNvPr id="65" name="Rectangle 64">
+              <a:extLst>
+                <a:ext uri="{FF2B5EF4-FFF2-40B4-BE49-F238E27FC236}">
+                  <a16:creationId xmlns:a16="http://schemas.microsoft.com/office/drawing/2014/main" id="{AA3412C3-160C-D1DD-D157-03F4B49336A1}"/>
+                </a:ext>
+              </a:extLst>
+            </p:cNvPr>
+            <p:cNvSpPr/>
+            <p:nvPr/>
+          </p:nvSpPr>
+          <p:spPr bwMode="auto">
+            <a:xfrm>
+              <a:off x="4149876" y="5253396"/>
+              <a:ext cx="5444973" cy="458875"/>
+            </a:xfrm>
+            <a:prstGeom prst="rect">
+              <a:avLst/>
+            </a:prstGeom>
+            <a:gradFill>
+              <a:gsLst>
+                <a:gs pos="0">
+                  <a:schemeClr val="tx1">
+                    <a:lumMod val="65000"/>
+                  </a:schemeClr>
+                </a:gs>
+                <a:gs pos="14000">
+                  <a:schemeClr val="accent6">
+                    <a:lumMod val="40000"/>
+                    <a:lumOff val="60000"/>
+                  </a:schemeClr>
+                </a:gs>
+                <a:gs pos="59000">
+                  <a:srgbClr val="FF40FF"/>
+                </a:gs>
+                <a:gs pos="80000">
+                  <a:srgbClr val="E06000"/>
+                </a:gs>
+                <a:gs pos="100000">
+                  <a:srgbClr val="92D050"/>
+                </a:gs>
+              </a:gsLst>
+              <a:lin ang="12000000" scaled="0"/>
+            </a:gradFill>
+            <a:ln>
+              <a:noFill/>
+              <a:headEnd type="none" w="med" len="med"/>
+              <a:tailEnd type="none" w="med" len="med"/>
+            </a:ln>
+            <a:effectLst/>
+          </p:spPr>
+          <p:style>
+            <a:lnRef idx="1">
+              <a:schemeClr val="accent2"/>
+            </a:lnRef>
+            <a:fillRef idx="3">
+              <a:schemeClr val="accent2"/>
+            </a:fillRef>
+            <a:effectRef idx="2">
+              <a:schemeClr val="accent2"/>
+            </a:effectRef>
+            <a:fontRef idx="minor">
+              <a:schemeClr val="lt1"/>
+            </a:fontRef>
+          </p:style>
+          <p:txBody>
+            <a:bodyPr rot="0" spcFirstLastPara="0" vertOverflow="overflow" horzOverflow="overflow" vert="horz" wrap="square" lIns="182880" tIns="146304" rIns="182880" bIns="146304" numCol="1" spcCol="0" rtlCol="0" fromWordArt="0" anchor="t" anchorCtr="0" forceAA="0" compatLnSpc="1">
+              <a:prstTxWarp prst="textNoShape">
+                <a:avLst/>
+              </a:prstTxWarp>
+              <a:noAutofit/>
+            </a:bodyPr>
+            <a:lstStyle/>
+            <a:p>
+              <a:pPr algn="l" defTabSz="932472" fontAlgn="base">
+                <a:spcBef>
+                  <a:spcPct val="0"/>
+                </a:spcBef>
+                <a:spcAft>
+                  <a:spcPct val="0"/>
+                </a:spcAft>
+              </a:pPr>
+              <a:endParaRPr lang="en-US" sz="2000" err="1">
+                <a:solidFill>
+                  <a:srgbClr val="000000"/>
+                </a:solidFill>
+                <a:ea typeface="Segoe UI" pitchFamily="34" charset="0"/>
+                <a:cs typeface="Segoe UI" pitchFamily="34" charset="0"/>
+              </a:endParaRPr>
+            </a:p>
+          </p:txBody>
+        </p:sp>
+        <p:sp>
+          <p:nvSpPr>
+            <p:cNvPr id="97" name="TextBox 96">
+              <a:extLst>
+                <a:ext uri="{FF2B5EF4-FFF2-40B4-BE49-F238E27FC236}">
+                  <a16:creationId xmlns:a16="http://schemas.microsoft.com/office/drawing/2014/main" id="{3AD85086-DC85-C173-8663-F0637EFF72EE}"/>
+                </a:ext>
+              </a:extLst>
+            </p:cNvPr>
+            <p:cNvSpPr txBox="1"/>
+            <p:nvPr/>
+          </p:nvSpPr>
+          <p:spPr>
+            <a:xfrm>
+              <a:off x="6744463" y="5037640"/>
+              <a:ext cx="1981160" cy="153888"/>
+            </a:xfrm>
+            <a:prstGeom prst="rect">
+              <a:avLst/>
+            </a:prstGeom>
+            <a:noFill/>
+            <a:effectLst>
+              <a:outerShdw blurRad="63151" dist="25140" algn="l" rotWithShape="0">
+                <a:schemeClr val="tx1">
+                  <a:alpha val="74949"/>
+                </a:schemeClr>
+              </a:outerShdw>
+            </a:effectLst>
+          </p:spPr>
+          <p:txBody>
+            <a:bodyPr wrap="square" lIns="0" tIns="0" rIns="0" bIns="0" rtlCol="0">
+              <a:spAutoFit/>
+            </a:bodyPr>
+            <a:lstStyle/>
+            <a:p>
+              <a:pPr algn="ctr"/>
+              <a:r>
+                <a:rPr lang="en-US" sz="1000" i="1" spc="100"/>
+                <a:t>RUNNING </a:t>
+              </a:r>
+              <a:r>
+                <a:rPr lang="en-US" sz="1000" i="1" spc="100">
+                  <a:solidFill>
+                    <a:srgbClr val="FFFF00"/>
+                  </a:solidFill>
+                </a:rPr>
+                <a:t>STEPS</a:t>
+              </a:r>
+              <a:r>
+                <a:rPr lang="en-US" sz="1000" i="1" spc="100"/>
+                <a:t> PIPELINE</a:t>
+              </a:r>
+            </a:p>
+          </p:txBody>
+        </p:sp>
+        <p:sp>
+          <p:nvSpPr>
+            <p:cNvPr id="98" name="TextBox 97">
+              <a:extLst>
+                <a:ext uri="{FF2B5EF4-FFF2-40B4-BE49-F238E27FC236}">
+                  <a16:creationId xmlns:a16="http://schemas.microsoft.com/office/drawing/2014/main" id="{FB4EFF33-129D-ECAE-723C-DFF8962403CF}"/>
+                </a:ext>
+              </a:extLst>
+            </p:cNvPr>
+            <p:cNvSpPr txBox="1"/>
+            <p:nvPr/>
+          </p:nvSpPr>
+          <p:spPr>
+            <a:xfrm>
+              <a:off x="5236467" y="5297980"/>
+              <a:ext cx="815025" cy="369332"/>
+            </a:xfrm>
+            <a:prstGeom prst="rect">
+              <a:avLst/>
+            </a:prstGeom>
+            <a:noFill/>
+            <a:effectLst>
+              <a:outerShdw blurRad="50800" dist="38100" dir="2700000" algn="tl" rotWithShape="0">
+                <a:prstClr val="black">
+                  <a:alpha val="40000"/>
+                </a:prstClr>
+              </a:outerShdw>
+            </a:effectLst>
+          </p:spPr>
+          <p:txBody>
+            <a:bodyPr wrap="square" lIns="0" tIns="0" rIns="0" bIns="0" rtlCol="0">
+              <a:spAutoFit/>
+            </a:bodyPr>
+            <a:lstStyle/>
+            <a:p>
+              <a:pPr algn="ctr"/>
+              <a:r>
+                <a:rPr lang="en-US" sz="1200"/>
+                <a:t>Result</a:t>
+              </a:r>
+              <a:br>
+                <a:rPr lang="en-US" sz="1200"/>
+              </a:br>
+              <a:r>
+                <a:rPr lang="en-US" sz="1200"/>
+                <a:t>is ready</a:t>
+              </a:r>
+            </a:p>
+          </p:txBody>
+        </p:sp>
+        <p:sp>
+          <p:nvSpPr>
+            <p:cNvPr id="121" name="Freeform 120">
+              <a:extLst>
+                <a:ext uri="{FF2B5EF4-FFF2-40B4-BE49-F238E27FC236}">
+                  <a16:creationId xmlns:a16="http://schemas.microsoft.com/office/drawing/2014/main" id="{60264660-F724-0F27-5B15-69B1FC05E5AE}"/>
+                </a:ext>
+              </a:extLst>
+            </p:cNvPr>
+            <p:cNvSpPr/>
+            <p:nvPr/>
+          </p:nvSpPr>
+          <p:spPr bwMode="auto">
+            <a:xfrm rot="5400000">
+              <a:off x="6172790" y="5432333"/>
+              <a:ext cx="269121" cy="135265"/>
+            </a:xfrm>
+            <a:custGeom>
+              <a:avLst/>
+              <a:gdLst>
+                <a:gd name="connsiteX0" fmla="*/ 0 w 1838425"/>
+                <a:gd name="connsiteY0" fmla="*/ 0 h 924025"/>
+                <a:gd name="connsiteX1" fmla="*/ 924025 w 1838425"/>
+                <a:gd name="connsiteY1" fmla="*/ 924025 h 924025"/>
+                <a:gd name="connsiteX2" fmla="*/ 1838425 w 1838425"/>
+                <a:gd name="connsiteY2" fmla="*/ 9625 h 924025"/>
+              </a:gdLst>
+              <a:ahLst/>
+              <a:cxnLst>
+                <a:cxn ang="0">
+                  <a:pos x="connsiteX0" y="connsiteY0"/>
+                </a:cxn>
+                <a:cxn ang="0">
+                  <a:pos x="connsiteX1" y="connsiteY1"/>
+                </a:cxn>
+                <a:cxn ang="0">
+                  <a:pos x="connsiteX2" y="connsiteY2"/>
+                </a:cxn>
+              </a:cxnLst>
+              <a:rect l="l" t="t" r="r" b="b"/>
+              <a:pathLst>
+                <a:path w="1838425" h="924025">
+                  <a:moveTo>
+                    <a:pt x="0" y="0"/>
+                  </a:moveTo>
+                  <a:lnTo>
+                    <a:pt x="924025" y="924025"/>
+                  </a:lnTo>
+                  <a:lnTo>
+                    <a:pt x="1838425" y="9625"/>
+                  </a:lnTo>
+                </a:path>
+              </a:pathLst>
+            </a:custGeom>
+            <a:noFill/>
+            <a:ln w="38100">
+              <a:solidFill>
+                <a:schemeClr val="bg1">
+                  <a:lumMod val="85000"/>
+                  <a:lumOff val="15000"/>
+                </a:schemeClr>
+              </a:solidFill>
+              <a:headEnd type="none" w="med" len="med"/>
+              <a:tailEnd type="none" w="med" len="med"/>
+            </a:ln>
+            <a:effectLst/>
+          </p:spPr>
+          <p:style>
+            <a:lnRef idx="1">
+              <a:schemeClr val="accent2"/>
+            </a:lnRef>
+            <a:fillRef idx="3">
+              <a:schemeClr val="accent2"/>
+            </a:fillRef>
+            <a:effectRef idx="2">
+              <a:schemeClr val="accent2"/>
+            </a:effectRef>
+            <a:fontRef idx="minor">
+              <a:schemeClr val="lt1"/>
+            </a:fontRef>
+          </p:style>
+          <p:txBody>
+            <a:bodyPr rtlCol="0" anchor="ctr"/>
+            <a:lstStyle/>
+            <a:p>
+              <a:pPr algn="ctr"/>
+              <a:endParaRPr lang="en-US"/>
+            </a:p>
+          </p:txBody>
+        </p:sp>
+        <p:sp>
+          <p:nvSpPr>
+            <p:cNvPr id="125" name="Oval 124">
+              <a:extLst>
+                <a:ext uri="{FF2B5EF4-FFF2-40B4-BE49-F238E27FC236}">
+                  <a16:creationId xmlns:a16="http://schemas.microsoft.com/office/drawing/2014/main" id="{F7EB849A-AC3C-43F6-D0C0-D4B45F70BF45}"/>
+                </a:ext>
+              </a:extLst>
+            </p:cNvPr>
+            <p:cNvSpPr/>
+            <p:nvPr/>
+          </p:nvSpPr>
+          <p:spPr bwMode="auto">
+            <a:xfrm>
+              <a:off x="6731311" y="5389608"/>
+              <a:ext cx="191642" cy="191642"/>
+            </a:xfrm>
+            <a:prstGeom prst="ellipse">
+              <a:avLst/>
+            </a:prstGeom>
+            <a:solidFill>
+              <a:srgbClr val="FFFF00"/>
+            </a:solidFill>
+            <a:ln>
+              <a:solidFill>
+                <a:schemeClr val="bg1"/>
+              </a:solidFill>
+              <a:headEnd type="none" w="med" len="med"/>
+              <a:tailEnd type="none" w="med" len="med"/>
+            </a:ln>
+            <a:effectLst>
+              <a:outerShdw blurRad="57735" dist="65941" algn="l" rotWithShape="0">
+                <a:srgbClr val="FFFF00">
+                  <a:alpha val="40000"/>
+                </a:srgbClr>
+              </a:outerShdw>
+            </a:effectLst>
+          </p:spPr>
+          <p:style>
+            <a:lnRef idx="1">
+              <a:schemeClr val="accent2"/>
+            </a:lnRef>
+            <a:fillRef idx="3">
+              <a:schemeClr val="accent2"/>
+            </a:fillRef>
+            <a:effectRef idx="2">
+              <a:schemeClr val="accent2"/>
+            </a:effectRef>
+            <a:fontRef idx="minor">
+              <a:schemeClr val="lt1"/>
+            </a:fontRef>
+          </p:style>
+          <p:txBody>
+            <a:bodyPr rot="0" spcFirstLastPara="0" vertOverflow="overflow" horzOverflow="overflow" vert="horz" wrap="square" lIns="0" tIns="0" rIns="0" bIns="0" numCol="1" spcCol="0" rtlCol="0" fromWordArt="0" anchor="ctr" anchorCtr="0" forceAA="0" compatLnSpc="1">
+              <a:prstTxWarp prst="textNoShape">
+                <a:avLst/>
+              </a:prstTxWarp>
+              <a:noAutofit/>
+            </a:bodyPr>
+            <a:lstStyle/>
+            <a:p>
+              <a:pPr algn="ctr" defTabSz="932472" fontAlgn="base">
+                <a:spcBef>
+                  <a:spcPct val="0"/>
+                </a:spcBef>
+                <a:spcAft>
+                  <a:spcPct val="0"/>
+                </a:spcAft>
+              </a:pPr>
+              <a:r>
+                <a:rPr lang="en-US" sz="800" b="1">
+                  <a:solidFill>
+                    <a:srgbClr val="000000"/>
+                  </a:solidFill>
+                  <a:ea typeface="Segoe UI" pitchFamily="34" charset="0"/>
+                  <a:cs typeface="Segoe UI" pitchFamily="34" charset="0"/>
+                </a:rPr>
+                <a:t>1</a:t>
+              </a:r>
+            </a:p>
+          </p:txBody>
+        </p:sp>
+        <p:sp>
+          <p:nvSpPr>
+            <p:cNvPr id="126" name="Oval 125">
+              <a:extLst>
+                <a:ext uri="{FF2B5EF4-FFF2-40B4-BE49-F238E27FC236}">
+                  <a16:creationId xmlns:a16="http://schemas.microsoft.com/office/drawing/2014/main" id="{E7BE9E23-0C11-EAB9-85DA-CF5B467BB6F4}"/>
+                </a:ext>
+              </a:extLst>
+            </p:cNvPr>
+            <p:cNvSpPr/>
+            <p:nvPr/>
+          </p:nvSpPr>
+          <p:spPr bwMode="auto">
+            <a:xfrm>
+              <a:off x="7154926" y="5389608"/>
+              <a:ext cx="191642" cy="191642"/>
+            </a:xfrm>
+            <a:prstGeom prst="ellipse">
+              <a:avLst/>
+            </a:prstGeom>
+            <a:solidFill>
+              <a:srgbClr val="FFFF00"/>
+            </a:solidFill>
+            <a:ln>
+              <a:solidFill>
+                <a:schemeClr val="bg1"/>
+              </a:solidFill>
+              <a:headEnd type="none" w="med" len="med"/>
+              <a:tailEnd type="none" w="med" len="med"/>
+            </a:ln>
+            <a:effectLst>
+              <a:outerShdw blurRad="57735" dist="65941" algn="l" rotWithShape="0">
+                <a:srgbClr val="FFFF00">
+                  <a:alpha val="40000"/>
+                </a:srgbClr>
+              </a:outerShdw>
+            </a:effectLst>
+          </p:spPr>
+          <p:style>
+            <a:lnRef idx="1">
+              <a:schemeClr val="accent2"/>
+            </a:lnRef>
+            <a:fillRef idx="3">
+              <a:schemeClr val="accent2"/>
+            </a:fillRef>
+            <a:effectRef idx="2">
+              <a:schemeClr val="accent2"/>
+            </a:effectRef>
+            <a:fontRef idx="minor">
+              <a:schemeClr val="lt1"/>
+            </a:fontRef>
+          </p:style>
+          <p:txBody>
+            <a:bodyPr rot="0" spcFirstLastPara="0" vertOverflow="overflow" horzOverflow="overflow" vert="horz" wrap="square" lIns="0" tIns="0" rIns="0" bIns="0" numCol="1" spcCol="0" rtlCol="0" fromWordArt="0" anchor="ctr" anchorCtr="0" forceAA="0" compatLnSpc="1">
+              <a:prstTxWarp prst="textNoShape">
+                <a:avLst/>
+              </a:prstTxWarp>
+              <a:noAutofit/>
+            </a:bodyPr>
+            <a:lstStyle/>
+            <a:p>
+              <a:pPr algn="ctr" defTabSz="932472" fontAlgn="base">
+                <a:spcBef>
+                  <a:spcPct val="0"/>
+                </a:spcBef>
+                <a:spcAft>
+                  <a:spcPct val="0"/>
+                </a:spcAft>
+              </a:pPr>
+              <a:r>
+                <a:rPr lang="en-US" sz="800" b="1">
+                  <a:solidFill>
+                    <a:srgbClr val="000000"/>
+                  </a:solidFill>
+                  <a:ea typeface="Segoe UI" pitchFamily="34" charset="0"/>
+                  <a:cs typeface="Segoe UI" pitchFamily="34" charset="0"/>
+                </a:rPr>
+                <a:t>2</a:t>
+              </a:r>
+            </a:p>
+          </p:txBody>
+        </p:sp>
+        <p:sp>
+          <p:nvSpPr>
+            <p:cNvPr id="127" name="Oval 126">
+              <a:extLst>
+                <a:ext uri="{FF2B5EF4-FFF2-40B4-BE49-F238E27FC236}">
+                  <a16:creationId xmlns:a16="http://schemas.microsoft.com/office/drawing/2014/main" id="{F9F01C2F-ABEC-C092-3241-F6DFA82EC5CD}"/>
+                </a:ext>
+              </a:extLst>
+            </p:cNvPr>
+            <p:cNvSpPr/>
+            <p:nvPr/>
+          </p:nvSpPr>
+          <p:spPr bwMode="auto">
+            <a:xfrm>
+              <a:off x="7690931" y="5389608"/>
+              <a:ext cx="191642" cy="191642"/>
+            </a:xfrm>
+            <a:prstGeom prst="ellipse">
+              <a:avLst/>
+            </a:prstGeom>
+            <a:solidFill>
+              <a:srgbClr val="FFFF00"/>
+            </a:solidFill>
+            <a:ln>
+              <a:solidFill>
+                <a:schemeClr val="bg1"/>
+              </a:solidFill>
+              <a:headEnd type="none" w="med" len="med"/>
+              <a:tailEnd type="none" w="med" len="med"/>
+            </a:ln>
+            <a:effectLst>
+              <a:outerShdw blurRad="57735" dist="65941" algn="l" rotWithShape="0">
+                <a:srgbClr val="FFFF00">
+                  <a:alpha val="40000"/>
+                </a:srgbClr>
+              </a:outerShdw>
+            </a:effectLst>
+          </p:spPr>
+          <p:style>
+            <a:lnRef idx="1">
+              <a:schemeClr val="accent2"/>
+            </a:lnRef>
+            <a:fillRef idx="3">
+              <a:schemeClr val="accent2"/>
+            </a:fillRef>
+            <a:effectRef idx="2">
+              <a:schemeClr val="accent2"/>
+            </a:effectRef>
+            <a:fontRef idx="minor">
+              <a:schemeClr val="lt1"/>
+            </a:fontRef>
+          </p:style>
+          <p:txBody>
+            <a:bodyPr rot="0" spcFirstLastPara="0" vertOverflow="overflow" horzOverflow="overflow" vert="horz" wrap="square" lIns="0" tIns="0" rIns="0" bIns="0" numCol="1" spcCol="0" rtlCol="0" fromWordArt="0" anchor="ctr" anchorCtr="0" forceAA="0" compatLnSpc="1">
+              <a:prstTxWarp prst="textNoShape">
+                <a:avLst/>
+              </a:prstTxWarp>
+              <a:noAutofit/>
+            </a:bodyPr>
+            <a:lstStyle/>
+            <a:p>
+              <a:pPr algn="ctr" defTabSz="932472" fontAlgn="base">
+                <a:spcBef>
+                  <a:spcPct val="0"/>
+                </a:spcBef>
+                <a:spcAft>
+                  <a:spcPct val="0"/>
+                </a:spcAft>
+              </a:pPr>
+              <a:r>
+                <a:rPr lang="en-US" sz="800" b="1">
+                  <a:solidFill>
+                    <a:srgbClr val="000000"/>
+                  </a:solidFill>
+                  <a:ea typeface="Segoe UI" pitchFamily="34" charset="0"/>
+                  <a:cs typeface="Segoe UI" pitchFamily="34" charset="0"/>
+                </a:rPr>
+                <a:t>3</a:t>
+              </a:r>
+            </a:p>
+          </p:txBody>
+        </p:sp>
+        <p:sp>
+          <p:nvSpPr>
+            <p:cNvPr id="128" name="Oval 127">
+              <a:extLst>
+                <a:ext uri="{FF2B5EF4-FFF2-40B4-BE49-F238E27FC236}">
+                  <a16:creationId xmlns:a16="http://schemas.microsoft.com/office/drawing/2014/main" id="{F91FCFD8-7573-15EE-9DDF-D798995259C5}"/>
+                </a:ext>
+              </a:extLst>
+            </p:cNvPr>
+            <p:cNvSpPr/>
+            <p:nvPr/>
+          </p:nvSpPr>
+          <p:spPr bwMode="auto">
+            <a:xfrm>
+              <a:off x="8404660" y="5389608"/>
+              <a:ext cx="191642" cy="191642"/>
+            </a:xfrm>
+            <a:prstGeom prst="ellipse">
+              <a:avLst/>
+            </a:prstGeom>
+            <a:solidFill>
+              <a:srgbClr val="FFFF00"/>
+            </a:solidFill>
+            <a:ln>
+              <a:solidFill>
+                <a:schemeClr val="bg1"/>
+              </a:solidFill>
+              <a:headEnd type="none" w="med" len="med"/>
+              <a:tailEnd type="none" w="med" len="med"/>
+            </a:ln>
+            <a:effectLst>
+              <a:outerShdw blurRad="57735" dist="65941" algn="l" rotWithShape="0">
+                <a:srgbClr val="FFFF00">
+                  <a:alpha val="40000"/>
+                </a:srgbClr>
+              </a:outerShdw>
+            </a:effectLst>
+          </p:spPr>
+          <p:style>
+            <a:lnRef idx="1">
+              <a:schemeClr val="accent2"/>
+            </a:lnRef>
+            <a:fillRef idx="3">
+              <a:schemeClr val="accent2"/>
+            </a:fillRef>
+            <a:effectRef idx="2">
+              <a:schemeClr val="accent2"/>
+            </a:effectRef>
+            <a:fontRef idx="minor">
+              <a:schemeClr val="lt1"/>
+            </a:fontRef>
+          </p:style>
+          <p:txBody>
+            <a:bodyPr rot="0" spcFirstLastPara="0" vertOverflow="overflow" horzOverflow="overflow" vert="horz" wrap="square" lIns="0" tIns="0" rIns="0" bIns="0" numCol="1" spcCol="0" rtlCol="0" fromWordArt="0" anchor="ctr" anchorCtr="0" forceAA="0" compatLnSpc="1">
+              <a:prstTxWarp prst="textNoShape">
+                <a:avLst/>
+              </a:prstTxWarp>
+              <a:noAutofit/>
+            </a:bodyPr>
+            <a:lstStyle/>
+            <a:p>
+              <a:pPr algn="ctr" defTabSz="932472" fontAlgn="base">
+                <a:spcBef>
+                  <a:spcPct val="0"/>
+                </a:spcBef>
+                <a:spcAft>
+                  <a:spcPct val="0"/>
+                </a:spcAft>
+              </a:pPr>
+              <a:r>
+                <a:rPr lang="en-US" sz="800" b="1">
+                  <a:solidFill>
+                    <a:srgbClr val="000000"/>
+                  </a:solidFill>
+                  <a:ea typeface="Segoe UI" pitchFamily="34" charset="0"/>
+                  <a:cs typeface="Segoe UI" pitchFamily="34" charset="0"/>
+                </a:rPr>
+                <a:t>…</a:t>
+              </a:r>
+            </a:p>
+          </p:txBody>
+        </p:sp>
+        <p:sp>
+          <p:nvSpPr>
+            <p:cNvPr id="7" name="Freeform 6">
+              <a:extLst>
+                <a:ext uri="{FF2B5EF4-FFF2-40B4-BE49-F238E27FC236}">
+                  <a16:creationId xmlns:a16="http://schemas.microsoft.com/office/drawing/2014/main" id="{7D062BAF-2DF2-693D-5150-3EF3539CD3A3}"/>
+                </a:ext>
+              </a:extLst>
+            </p:cNvPr>
+            <p:cNvSpPr/>
+            <p:nvPr/>
+          </p:nvSpPr>
+          <p:spPr bwMode="auto">
+            <a:xfrm rot="5400000">
+              <a:off x="8810946" y="5419633"/>
+              <a:ext cx="269121" cy="135265"/>
+            </a:xfrm>
+            <a:custGeom>
+              <a:avLst/>
+              <a:gdLst>
+                <a:gd name="connsiteX0" fmla="*/ 0 w 1838425"/>
+                <a:gd name="connsiteY0" fmla="*/ 0 h 924025"/>
+                <a:gd name="connsiteX1" fmla="*/ 924025 w 1838425"/>
+                <a:gd name="connsiteY1" fmla="*/ 924025 h 924025"/>
+                <a:gd name="connsiteX2" fmla="*/ 1838425 w 1838425"/>
+                <a:gd name="connsiteY2" fmla="*/ 9625 h 924025"/>
+              </a:gdLst>
+              <a:ahLst/>
+              <a:cxnLst>
+                <a:cxn ang="0">
+                  <a:pos x="connsiteX0" y="connsiteY0"/>
+                </a:cxn>
+                <a:cxn ang="0">
+                  <a:pos x="connsiteX1" y="connsiteY1"/>
+                </a:cxn>
+                <a:cxn ang="0">
+                  <a:pos x="connsiteX2" y="connsiteY2"/>
+                </a:cxn>
+              </a:cxnLst>
+              <a:rect l="l" t="t" r="r" b="b"/>
+              <a:pathLst>
+                <a:path w="1838425" h="924025">
+                  <a:moveTo>
+                    <a:pt x="0" y="0"/>
+                  </a:moveTo>
+                  <a:lnTo>
+                    <a:pt x="924025" y="924025"/>
+                  </a:lnTo>
+                  <a:lnTo>
+                    <a:pt x="1838425" y="9625"/>
+                  </a:lnTo>
+                </a:path>
+              </a:pathLst>
+            </a:custGeom>
+            <a:noFill/>
+            <a:ln w="38100">
+              <a:solidFill>
+                <a:srgbClr val="FFFF00"/>
+              </a:solidFill>
+              <a:headEnd type="none" w="med" len="med"/>
+              <a:tailEnd type="none" w="med" len="med"/>
+            </a:ln>
+            <a:effectLst/>
+          </p:spPr>
+          <p:style>
+            <a:lnRef idx="1">
+              <a:schemeClr val="accent2"/>
+            </a:lnRef>
+            <a:fillRef idx="3">
+              <a:schemeClr val="accent2"/>
+            </a:fillRef>
+            <a:effectRef idx="2">
+              <a:schemeClr val="accent2"/>
+            </a:effectRef>
+            <a:fontRef idx="minor">
+              <a:schemeClr val="lt1"/>
+            </a:fontRef>
+          </p:style>
+          <p:txBody>
+            <a:bodyPr rtlCol="0" anchor="ctr"/>
+            <a:lstStyle/>
+            <a:p>
+              <a:pPr algn="ctr"/>
+              <a:endParaRPr lang="en-US"/>
+            </a:p>
+          </p:txBody>
+        </p:sp>
+        <p:sp>
+          <p:nvSpPr>
+            <p:cNvPr id="13" name="TextBox 12">
+              <a:extLst>
+                <a:ext uri="{FF2B5EF4-FFF2-40B4-BE49-F238E27FC236}">
+                  <a16:creationId xmlns:a16="http://schemas.microsoft.com/office/drawing/2014/main" id="{555B3CFB-BC42-AFC0-23A8-31384CB00336}"/>
+                </a:ext>
+              </a:extLst>
+            </p:cNvPr>
+            <p:cNvSpPr txBox="1"/>
+            <p:nvPr/>
+          </p:nvSpPr>
+          <p:spPr>
+            <a:xfrm>
+              <a:off x="9146982" y="5291389"/>
+              <a:ext cx="727393" cy="369332"/>
+            </a:xfrm>
+            <a:prstGeom prst="rect">
+              <a:avLst/>
+            </a:prstGeom>
+            <a:noFill/>
+            <a:effectLst>
+              <a:outerShdw blurRad="50800" dist="38100" dir="2700000" algn="tl" rotWithShape="0">
+                <a:prstClr val="black">
+                  <a:alpha val="40000"/>
+                </a:prstClr>
+              </a:outerShdw>
+            </a:effectLst>
+          </p:spPr>
+          <p:txBody>
+            <a:bodyPr wrap="square" lIns="0" tIns="0" rIns="0" bIns="0" rtlCol="0">
+              <a:spAutoFit/>
+            </a:bodyPr>
+            <a:lstStyle/>
+            <a:p>
+              <a:pPr algn="ctr"/>
+              <a:r>
+                <a:rPr lang="en-US" sz="1200" b="1"/>
+                <a:t>Execute Steps</a:t>
+              </a:r>
+            </a:p>
+          </p:txBody>
+        </p:sp>
+        <p:sp>
+          <p:nvSpPr>
+            <p:cNvPr id="36" name="Freeform 35">
+              <a:extLst>
+                <a:ext uri="{FF2B5EF4-FFF2-40B4-BE49-F238E27FC236}">
+                  <a16:creationId xmlns:a16="http://schemas.microsoft.com/office/drawing/2014/main" id="{D0C73616-1CF8-AF55-5E9B-4C100C98BD12}"/>
+                </a:ext>
+              </a:extLst>
+            </p:cNvPr>
+            <p:cNvSpPr/>
+            <p:nvPr/>
+          </p:nvSpPr>
+          <p:spPr bwMode="auto">
+            <a:xfrm rot="5400000">
+              <a:off x="6590703" y="5456730"/>
+              <a:ext cx="146774" cy="73771"/>
+            </a:xfrm>
+            <a:custGeom>
+              <a:avLst/>
+              <a:gdLst>
+                <a:gd name="connsiteX0" fmla="*/ 0 w 1838425"/>
+                <a:gd name="connsiteY0" fmla="*/ 0 h 924025"/>
+                <a:gd name="connsiteX1" fmla="*/ 924025 w 1838425"/>
+                <a:gd name="connsiteY1" fmla="*/ 924025 h 924025"/>
+                <a:gd name="connsiteX2" fmla="*/ 1838425 w 1838425"/>
+                <a:gd name="connsiteY2" fmla="*/ 9625 h 924025"/>
+              </a:gdLst>
+              <a:ahLst/>
+              <a:cxnLst>
+                <a:cxn ang="0">
+                  <a:pos x="connsiteX0" y="connsiteY0"/>
+                </a:cxn>
+                <a:cxn ang="0">
+                  <a:pos x="connsiteX1" y="connsiteY1"/>
+                </a:cxn>
+                <a:cxn ang="0">
+                  <a:pos x="connsiteX2" y="connsiteY2"/>
+                </a:cxn>
+              </a:cxnLst>
+              <a:rect l="l" t="t" r="r" b="b"/>
+              <a:pathLst>
+                <a:path w="1838425" h="924025">
+                  <a:moveTo>
+                    <a:pt x="0" y="0"/>
+                  </a:moveTo>
+                  <a:lnTo>
+                    <a:pt x="924025" y="924025"/>
+                  </a:lnTo>
+                  <a:lnTo>
+                    <a:pt x="1838425" y="9625"/>
+                  </a:lnTo>
+                </a:path>
+              </a:pathLst>
+            </a:custGeom>
+            <a:noFill/>
+            <a:ln w="25400">
+              <a:solidFill>
+                <a:srgbClr val="FFFF00"/>
+              </a:solidFill>
+              <a:headEnd type="none" w="med" len="med"/>
+              <a:tailEnd type="none" w="med" len="med"/>
+            </a:ln>
+            <a:effectLst/>
+          </p:spPr>
+          <p:style>
+            <a:lnRef idx="1">
+              <a:schemeClr val="accent2"/>
+            </a:lnRef>
+            <a:fillRef idx="3">
+              <a:schemeClr val="accent2"/>
+            </a:fillRef>
+            <a:effectRef idx="2">
+              <a:schemeClr val="accent2"/>
+            </a:effectRef>
+            <a:fontRef idx="minor">
+              <a:schemeClr val="lt1"/>
+            </a:fontRef>
+          </p:style>
+          <p:txBody>
+            <a:bodyPr rtlCol="0" anchor="ctr"/>
+            <a:lstStyle/>
+            <a:p>
+              <a:pPr algn="ctr"/>
+              <a:endParaRPr lang="en-US"/>
+            </a:p>
+          </p:txBody>
+        </p:sp>
+        <p:sp>
+          <p:nvSpPr>
+            <p:cNvPr id="37" name="Freeform 36">
+              <a:extLst>
+                <a:ext uri="{FF2B5EF4-FFF2-40B4-BE49-F238E27FC236}">
+                  <a16:creationId xmlns:a16="http://schemas.microsoft.com/office/drawing/2014/main" id="{D2283A05-9725-1126-58C7-7120CF439B85}"/>
+                </a:ext>
+              </a:extLst>
+            </p:cNvPr>
+            <p:cNvSpPr/>
+            <p:nvPr/>
+          </p:nvSpPr>
+          <p:spPr bwMode="auto">
+            <a:xfrm rot="5400000">
+              <a:off x="7012086" y="5456731"/>
+              <a:ext cx="146774" cy="73771"/>
+            </a:xfrm>
+            <a:custGeom>
+              <a:avLst/>
+              <a:gdLst>
+                <a:gd name="connsiteX0" fmla="*/ 0 w 1838425"/>
+                <a:gd name="connsiteY0" fmla="*/ 0 h 924025"/>
+                <a:gd name="connsiteX1" fmla="*/ 924025 w 1838425"/>
+                <a:gd name="connsiteY1" fmla="*/ 924025 h 924025"/>
+                <a:gd name="connsiteX2" fmla="*/ 1838425 w 1838425"/>
+                <a:gd name="connsiteY2" fmla="*/ 9625 h 924025"/>
+              </a:gdLst>
+              <a:ahLst/>
+              <a:cxnLst>
+                <a:cxn ang="0">
+                  <a:pos x="connsiteX0" y="connsiteY0"/>
+                </a:cxn>
+                <a:cxn ang="0">
+                  <a:pos x="connsiteX1" y="connsiteY1"/>
+                </a:cxn>
+                <a:cxn ang="0">
+                  <a:pos x="connsiteX2" y="connsiteY2"/>
+                </a:cxn>
+              </a:cxnLst>
+              <a:rect l="l" t="t" r="r" b="b"/>
+              <a:pathLst>
+                <a:path w="1838425" h="924025">
+                  <a:moveTo>
+                    <a:pt x="0" y="0"/>
+                  </a:moveTo>
+                  <a:lnTo>
+                    <a:pt x="924025" y="924025"/>
+                  </a:lnTo>
+                  <a:lnTo>
+                    <a:pt x="1838425" y="9625"/>
+                  </a:lnTo>
+                </a:path>
+              </a:pathLst>
+            </a:custGeom>
+            <a:noFill/>
+            <a:ln w="25400">
+              <a:solidFill>
+                <a:srgbClr val="FFFF00"/>
+              </a:solidFill>
+              <a:headEnd type="none" w="med" len="med"/>
+              <a:tailEnd type="none" w="med" len="med"/>
+            </a:ln>
+            <a:effectLst/>
+          </p:spPr>
+          <p:style>
+            <a:lnRef idx="1">
+              <a:schemeClr val="accent2"/>
+            </a:lnRef>
+            <a:fillRef idx="3">
+              <a:schemeClr val="accent2"/>
+            </a:fillRef>
+            <a:effectRef idx="2">
+              <a:schemeClr val="accent2"/>
+            </a:effectRef>
+            <a:fontRef idx="minor">
+              <a:schemeClr val="lt1"/>
+            </a:fontRef>
+          </p:style>
+          <p:txBody>
+            <a:bodyPr rtlCol="0" anchor="ctr"/>
+            <a:lstStyle/>
+            <a:p>
+              <a:pPr algn="ctr"/>
+              <a:endParaRPr lang="en-US"/>
+            </a:p>
+          </p:txBody>
+        </p:sp>
+        <p:sp>
+          <p:nvSpPr>
+            <p:cNvPr id="38" name="Freeform 37">
+              <a:extLst>
+                <a:ext uri="{FF2B5EF4-FFF2-40B4-BE49-F238E27FC236}">
+                  <a16:creationId xmlns:a16="http://schemas.microsoft.com/office/drawing/2014/main" id="{C59BC4AA-4731-83FE-F7FA-E52C57BCFCAB}"/>
+                </a:ext>
+              </a:extLst>
+            </p:cNvPr>
+            <p:cNvSpPr/>
+            <p:nvPr/>
+          </p:nvSpPr>
+          <p:spPr bwMode="auto">
+            <a:xfrm rot="5400000">
+              <a:off x="7530386" y="5456732"/>
+              <a:ext cx="146774" cy="73771"/>
+            </a:xfrm>
+            <a:custGeom>
+              <a:avLst/>
+              <a:gdLst>
+                <a:gd name="connsiteX0" fmla="*/ 0 w 1838425"/>
+                <a:gd name="connsiteY0" fmla="*/ 0 h 924025"/>
+                <a:gd name="connsiteX1" fmla="*/ 924025 w 1838425"/>
+                <a:gd name="connsiteY1" fmla="*/ 924025 h 924025"/>
+                <a:gd name="connsiteX2" fmla="*/ 1838425 w 1838425"/>
+                <a:gd name="connsiteY2" fmla="*/ 9625 h 924025"/>
+              </a:gdLst>
+              <a:ahLst/>
+              <a:cxnLst>
+                <a:cxn ang="0">
+                  <a:pos x="connsiteX0" y="connsiteY0"/>
+                </a:cxn>
+                <a:cxn ang="0">
+                  <a:pos x="connsiteX1" y="connsiteY1"/>
+                </a:cxn>
+                <a:cxn ang="0">
+                  <a:pos x="connsiteX2" y="connsiteY2"/>
+                </a:cxn>
+              </a:cxnLst>
+              <a:rect l="l" t="t" r="r" b="b"/>
+              <a:pathLst>
+                <a:path w="1838425" h="924025">
+                  <a:moveTo>
+                    <a:pt x="0" y="0"/>
+                  </a:moveTo>
+                  <a:lnTo>
+                    <a:pt x="924025" y="924025"/>
+                  </a:lnTo>
+                  <a:lnTo>
+                    <a:pt x="1838425" y="9625"/>
+                  </a:lnTo>
+                </a:path>
+              </a:pathLst>
+            </a:custGeom>
+            <a:noFill/>
+            <a:ln w="25400">
+              <a:solidFill>
+                <a:srgbClr val="FFFF00"/>
+              </a:solidFill>
+              <a:headEnd type="none" w="med" len="med"/>
+              <a:tailEnd type="none" w="med" len="med"/>
+            </a:ln>
+            <a:effectLst/>
+          </p:spPr>
+          <p:style>
+            <a:lnRef idx="1">
+              <a:schemeClr val="accent2"/>
+            </a:lnRef>
+            <a:fillRef idx="3">
+              <a:schemeClr val="accent2"/>
+            </a:fillRef>
+            <a:effectRef idx="2">
+              <a:schemeClr val="accent2"/>
+            </a:effectRef>
+            <a:fontRef idx="minor">
+              <a:schemeClr val="lt1"/>
+            </a:fontRef>
+          </p:style>
+          <p:txBody>
+            <a:bodyPr rtlCol="0" anchor="ctr"/>
+            <a:lstStyle/>
+            <a:p>
+              <a:pPr algn="ctr"/>
+              <a:endParaRPr lang="en-US"/>
+            </a:p>
+          </p:txBody>
+        </p:sp>
+        <p:sp>
+          <p:nvSpPr>
+            <p:cNvPr id="39" name="Freeform 38">
+              <a:extLst>
+                <a:ext uri="{FF2B5EF4-FFF2-40B4-BE49-F238E27FC236}">
+                  <a16:creationId xmlns:a16="http://schemas.microsoft.com/office/drawing/2014/main" id="{E11C4511-0BE9-229C-0C66-FCF007272336}"/>
+                </a:ext>
+              </a:extLst>
+            </p:cNvPr>
+            <p:cNvSpPr/>
+            <p:nvPr/>
+          </p:nvSpPr>
+          <p:spPr bwMode="auto">
+            <a:xfrm rot="5400000">
+              <a:off x="8242523" y="5456733"/>
+              <a:ext cx="146774" cy="73771"/>
+            </a:xfrm>
+            <a:custGeom>
+              <a:avLst/>
+              <a:gdLst>
+                <a:gd name="connsiteX0" fmla="*/ 0 w 1838425"/>
+                <a:gd name="connsiteY0" fmla="*/ 0 h 924025"/>
+                <a:gd name="connsiteX1" fmla="*/ 924025 w 1838425"/>
+                <a:gd name="connsiteY1" fmla="*/ 924025 h 924025"/>
+                <a:gd name="connsiteX2" fmla="*/ 1838425 w 1838425"/>
+                <a:gd name="connsiteY2" fmla="*/ 9625 h 924025"/>
+              </a:gdLst>
+              <a:ahLst/>
+              <a:cxnLst>
+                <a:cxn ang="0">
+                  <a:pos x="connsiteX0" y="connsiteY0"/>
+                </a:cxn>
+                <a:cxn ang="0">
+                  <a:pos x="connsiteX1" y="connsiteY1"/>
+                </a:cxn>
+                <a:cxn ang="0">
+                  <a:pos x="connsiteX2" y="connsiteY2"/>
+                </a:cxn>
+              </a:cxnLst>
+              <a:rect l="l" t="t" r="r" b="b"/>
+              <a:pathLst>
+                <a:path w="1838425" h="924025">
+                  <a:moveTo>
+                    <a:pt x="0" y="0"/>
+                  </a:moveTo>
+                  <a:lnTo>
+                    <a:pt x="924025" y="924025"/>
+                  </a:lnTo>
+                  <a:lnTo>
+                    <a:pt x="1838425" y="9625"/>
+                  </a:lnTo>
+                </a:path>
+              </a:pathLst>
+            </a:custGeom>
+            <a:noFill/>
+            <a:ln w="25400">
+              <a:solidFill>
+                <a:srgbClr val="FFFF00"/>
+              </a:solidFill>
+              <a:headEnd type="none" w="med" len="med"/>
+              <a:tailEnd type="none" w="med" len="med"/>
+            </a:ln>
+            <a:effectLst/>
+          </p:spPr>
+          <p:style>
+            <a:lnRef idx="1">
+              <a:schemeClr val="accent2"/>
+            </a:lnRef>
+            <a:fillRef idx="3">
+              <a:schemeClr val="accent2"/>
+            </a:fillRef>
+            <a:effectRef idx="2">
+              <a:schemeClr val="accent2"/>
+            </a:effectRef>
+            <a:fontRef idx="minor">
+              <a:schemeClr val="lt1"/>
+            </a:fontRef>
+          </p:style>
+          <p:txBody>
+            <a:bodyPr rtlCol="0" anchor="ctr"/>
+            <a:lstStyle/>
+            <a:p>
+              <a:pPr algn="ctr"/>
+              <a:endParaRPr lang="en-US"/>
+            </a:p>
+          </p:txBody>
+        </p:sp>
+      </p:grpSp>
+      <p:grpSp>
+        <p:nvGrpSpPr>
+          <p:cNvPr id="35" name="Group 34">
+            <a:extLst>
+              <a:ext uri="{FF2B5EF4-FFF2-40B4-BE49-F238E27FC236}">
+                <a16:creationId xmlns:a16="http://schemas.microsoft.com/office/drawing/2014/main" id="{FD285F1F-D5F5-4613-4A3E-BDAA33CD6893}"/>
+              </a:ext>
+            </a:extLst>
+          </p:cNvPr>
+          <p:cNvGrpSpPr/>
+          <p:nvPr/>
+        </p:nvGrpSpPr>
+        <p:grpSpPr>
+          <a:xfrm>
+            <a:off x="9785306" y="4188427"/>
+            <a:ext cx="1739327" cy="1022278"/>
+            <a:chOff x="9785306" y="4188427"/>
+            <a:chExt cx="1739327" cy="1022278"/>
+          </a:xfrm>
+        </p:grpSpPr>
+        <p:sp>
+          <p:nvSpPr>
+            <p:cNvPr id="131" name="TextBox 130">
+              <a:extLst>
+                <a:ext uri="{FF2B5EF4-FFF2-40B4-BE49-F238E27FC236}">
+                  <a16:creationId xmlns:a16="http://schemas.microsoft.com/office/drawing/2014/main" id="{75B313BD-D419-CB6B-F306-01FC64F3C9E5}"/>
+                </a:ext>
+              </a:extLst>
+            </p:cNvPr>
+            <p:cNvSpPr txBox="1"/>
+            <p:nvPr/>
+          </p:nvSpPr>
+          <p:spPr>
+            <a:xfrm>
+              <a:off x="10807768" y="4594803"/>
+              <a:ext cx="716865" cy="138499"/>
+            </a:xfrm>
+            <a:prstGeom prst="rect">
+              <a:avLst/>
+            </a:prstGeom>
+            <a:noFill/>
+          </p:spPr>
+          <p:txBody>
+            <a:bodyPr wrap="square" lIns="0" tIns="0" rIns="0" bIns="0" rtlCol="0">
+              <a:spAutoFit/>
+            </a:bodyPr>
+            <a:lstStyle/>
+            <a:p>
+              <a:pPr algn="ctr"/>
+              <a:r>
+                <a:rPr lang="en-US" sz="900" b="1"/>
+                <a:t>APIs</a:t>
+              </a:r>
+            </a:p>
+          </p:txBody>
+        </p:sp>
+        <p:sp>
+          <p:nvSpPr>
+            <p:cNvPr id="6" name="TextBox 5">
+              <a:extLst>
+                <a:ext uri="{FF2B5EF4-FFF2-40B4-BE49-F238E27FC236}">
+                  <a16:creationId xmlns:a16="http://schemas.microsoft.com/office/drawing/2014/main" id="{57233ECF-0B86-7070-B853-AE542DC7C61E}"/>
+                </a:ext>
+              </a:extLst>
+            </p:cNvPr>
+            <p:cNvSpPr txBox="1"/>
+            <p:nvPr/>
+          </p:nvSpPr>
+          <p:spPr>
+            <a:xfrm>
+              <a:off x="9785306" y="4495617"/>
+              <a:ext cx="862536" cy="369332"/>
+            </a:xfrm>
+            <a:prstGeom prst="rect">
+              <a:avLst/>
+            </a:prstGeom>
+            <a:noFill/>
+            <a:effectLst>
+              <a:outerShdw blurRad="50800" dist="38100" dir="2700000" algn="tl" rotWithShape="0">
+                <a:prstClr val="black">
+                  <a:alpha val="40000"/>
+                </a:prstClr>
+              </a:outerShdw>
+            </a:effectLst>
+          </p:spPr>
+          <p:txBody>
+            <a:bodyPr wrap="square" lIns="0" tIns="0" rIns="0" bIns="0" rtlCol="0">
+              <a:spAutoFit/>
+            </a:bodyPr>
+            <a:lstStyle/>
+            <a:p>
+              <a:pPr algn="ctr"/>
+              <a:r>
+                <a:rPr lang="en-US" sz="1200"/>
+                <a:t>Gather</a:t>
+              </a:r>
+              <a:br>
+                <a:rPr lang="en-US" sz="1200"/>
+              </a:br>
+              <a:r>
+                <a:rPr lang="en-US" sz="1200"/>
+                <a:t>Connectors</a:t>
+              </a:r>
+            </a:p>
+          </p:txBody>
+        </p:sp>
+        <p:sp>
+          <p:nvSpPr>
+            <p:cNvPr id="12" name="Freeform 11">
+              <a:extLst>
+                <a:ext uri="{FF2B5EF4-FFF2-40B4-BE49-F238E27FC236}">
+                  <a16:creationId xmlns:a16="http://schemas.microsoft.com/office/drawing/2014/main" id="{9144471A-6216-55B7-5B91-476D734B4882}"/>
+                </a:ext>
+              </a:extLst>
+            </p:cNvPr>
+            <p:cNvSpPr/>
+            <p:nvPr/>
+          </p:nvSpPr>
+          <p:spPr bwMode="auto">
+            <a:xfrm rot="900000">
+              <a:off x="10035305" y="5075440"/>
+              <a:ext cx="269121" cy="135265"/>
+            </a:xfrm>
+            <a:custGeom>
+              <a:avLst/>
+              <a:gdLst>
+                <a:gd name="connsiteX0" fmla="*/ 0 w 1838425"/>
+                <a:gd name="connsiteY0" fmla="*/ 0 h 924025"/>
+                <a:gd name="connsiteX1" fmla="*/ 924025 w 1838425"/>
+                <a:gd name="connsiteY1" fmla="*/ 924025 h 924025"/>
+                <a:gd name="connsiteX2" fmla="*/ 1838425 w 1838425"/>
+                <a:gd name="connsiteY2" fmla="*/ 9625 h 924025"/>
+              </a:gdLst>
+              <a:ahLst/>
+              <a:cxnLst>
+                <a:cxn ang="0">
+                  <a:pos x="connsiteX0" y="connsiteY0"/>
+                </a:cxn>
+                <a:cxn ang="0">
+                  <a:pos x="connsiteX1" y="connsiteY1"/>
+                </a:cxn>
+                <a:cxn ang="0">
+                  <a:pos x="connsiteX2" y="connsiteY2"/>
+                </a:cxn>
+              </a:cxnLst>
+              <a:rect l="l" t="t" r="r" b="b"/>
+              <a:pathLst>
+                <a:path w="1838425" h="924025">
+                  <a:moveTo>
+                    <a:pt x="0" y="0"/>
+                  </a:moveTo>
+                  <a:lnTo>
+                    <a:pt x="924025" y="924025"/>
+                  </a:lnTo>
+                  <a:lnTo>
+                    <a:pt x="1838425" y="9625"/>
+                  </a:lnTo>
+                </a:path>
+              </a:pathLst>
+            </a:custGeom>
+            <a:noFill/>
+            <a:ln w="38100">
+              <a:solidFill>
+                <a:schemeClr val="bg1">
+                  <a:lumMod val="85000"/>
+                  <a:lumOff val="15000"/>
+                </a:schemeClr>
+              </a:solidFill>
+              <a:headEnd type="none" w="med" len="med"/>
+              <a:tailEnd type="none" w="med" len="med"/>
+            </a:ln>
+            <a:effectLst/>
+          </p:spPr>
+          <p:style>
+            <a:lnRef idx="1">
+              <a:schemeClr val="accent2"/>
+            </a:lnRef>
+            <a:fillRef idx="3">
+              <a:schemeClr val="accent2"/>
+            </a:fillRef>
+            <a:effectRef idx="2">
+              <a:schemeClr val="accent2"/>
+            </a:effectRef>
+            <a:fontRef idx="minor">
+              <a:schemeClr val="lt1"/>
+            </a:fontRef>
+          </p:style>
+          <p:txBody>
+            <a:bodyPr rtlCol="0" anchor="ctr"/>
+            <a:lstStyle/>
+            <a:p>
+              <a:pPr algn="ctr"/>
+              <a:endParaRPr lang="en-US"/>
+            </a:p>
+          </p:txBody>
+        </p:sp>
+        <p:cxnSp>
+          <p:nvCxnSpPr>
+            <p:cNvPr id="19" name="Straight Arrow Connector 18">
+              <a:extLst>
+                <a:ext uri="{FF2B5EF4-FFF2-40B4-BE49-F238E27FC236}">
+                  <a16:creationId xmlns:a16="http://schemas.microsoft.com/office/drawing/2014/main" id="{C29FCD6F-768B-A6C8-3486-7444E41618C4}"/>
+                </a:ext>
+              </a:extLst>
+            </p:cNvPr>
+            <p:cNvCxnSpPr>
+              <a:cxnSpLocks/>
+            </p:cNvCxnSpPr>
+            <p:nvPr/>
+          </p:nvCxnSpPr>
+          <p:spPr>
+            <a:xfrm flipH="1" flipV="1">
+              <a:off x="10592021" y="4677777"/>
+              <a:ext cx="215747" cy="5013"/>
+            </a:xfrm>
+            <a:prstGeom prst="straightConnector1">
+              <a:avLst/>
+            </a:prstGeom>
+            <a:ln w="25400">
+              <a:solidFill>
+                <a:schemeClr val="tx1"/>
+              </a:solidFill>
+              <a:headEnd type="none" w="lg" len="med"/>
+              <a:tailEnd type="arrow"/>
+            </a:ln>
+            <a:effectLst>
+              <a:outerShdw blurRad="50800" dist="38100" dir="2700000" algn="tl" rotWithShape="0">
+                <a:prstClr val="black">
+                  <a:alpha val="40000"/>
+                </a:prstClr>
+              </a:outerShdw>
+            </a:effectLst>
+          </p:spPr>
+          <p:style>
+            <a:lnRef idx="1">
+              <a:schemeClr val="accent1"/>
+            </a:lnRef>
+            <a:fillRef idx="0">
+              <a:schemeClr val="accent1"/>
+            </a:fillRef>
+            <a:effectRef idx="0">
+              <a:schemeClr val="accent1"/>
+            </a:effectRef>
+            <a:fontRef idx="minor">
+              <a:schemeClr val="tx1"/>
+            </a:fontRef>
+          </p:style>
+        </p:cxnSp>
+        <p:sp>
+          <p:nvSpPr>
+            <p:cNvPr id="32" name="Can 31">
+              <a:extLst>
+                <a:ext uri="{FF2B5EF4-FFF2-40B4-BE49-F238E27FC236}">
+                  <a16:creationId xmlns:a16="http://schemas.microsoft.com/office/drawing/2014/main" id="{6C924B7B-C790-502D-EF01-9A1C79B8A656}"/>
+                </a:ext>
+              </a:extLst>
+            </p:cNvPr>
+            <p:cNvSpPr/>
+            <p:nvPr/>
+          </p:nvSpPr>
+          <p:spPr bwMode="auto">
+            <a:xfrm>
+              <a:off x="10993412" y="4188427"/>
+              <a:ext cx="345575" cy="330490"/>
+            </a:xfrm>
+            <a:prstGeom prst="can">
+              <a:avLst/>
+            </a:prstGeom>
+            <a:solidFill>
+              <a:schemeClr val="accent2"/>
+            </a:solidFill>
+            <a:ln>
+              <a:noFill/>
+              <a:headEnd type="none" w="med" len="med"/>
+              <a:tailEnd type="none" w="med" len="med"/>
+            </a:ln>
+            <a:effectLst/>
+          </p:spPr>
+          <p:style>
+            <a:lnRef idx="1">
+              <a:schemeClr val="accent2"/>
+            </a:lnRef>
+            <a:fillRef idx="3">
+              <a:schemeClr val="accent2"/>
+            </a:fillRef>
+            <a:effectRef idx="2">
+              <a:schemeClr val="accent2"/>
+            </a:effectRef>
+            <a:fontRef idx="minor">
+              <a:schemeClr val="lt1"/>
+            </a:fontRef>
+          </p:style>
+          <p:txBody>
+            <a:bodyPr rot="0" spcFirstLastPara="0" vertOverflow="overflow" horzOverflow="overflow" vert="horz" wrap="square" lIns="182880" tIns="146304" rIns="182880" bIns="146304" numCol="1" spcCol="0" rtlCol="0" fromWordArt="0" anchor="t" anchorCtr="0" forceAA="0" compatLnSpc="1">
+              <a:prstTxWarp prst="textNoShape">
+                <a:avLst/>
+              </a:prstTxWarp>
+              <a:noAutofit/>
+            </a:bodyPr>
+            <a:lstStyle/>
+            <a:p>
+              <a:pPr algn="l" defTabSz="932472" fontAlgn="base">
+                <a:spcBef>
+                  <a:spcPct val="0"/>
+                </a:spcBef>
+                <a:spcAft>
+                  <a:spcPct val="0"/>
+                </a:spcAft>
+              </a:pPr>
+              <a:endParaRPr lang="en-US" sz="2000" err="1">
+                <a:solidFill>
+                  <a:srgbClr val="000000"/>
+                </a:solidFill>
+                <a:ea typeface="Segoe UI" pitchFamily="34" charset="0"/>
+                <a:cs typeface="Segoe UI" pitchFamily="34" charset="0"/>
+              </a:endParaRPr>
+            </a:p>
+          </p:txBody>
+        </p:sp>
+      </p:grpSp>
+      <p:grpSp>
+        <p:nvGrpSpPr>
+          <p:cNvPr id="29" name="Group 28">
+            <a:extLst>
+              <a:ext uri="{FF2B5EF4-FFF2-40B4-BE49-F238E27FC236}">
+                <a16:creationId xmlns:a16="http://schemas.microsoft.com/office/drawing/2014/main" id="{80D44A65-F6AE-9695-A192-1A2E22CE7E20}"/>
+              </a:ext>
+            </a:extLst>
+          </p:cNvPr>
+          <p:cNvGrpSpPr/>
+          <p:nvPr/>
+        </p:nvGrpSpPr>
+        <p:grpSpPr>
+          <a:xfrm>
+            <a:off x="7080843" y="3798189"/>
+            <a:ext cx="1644780" cy="992324"/>
+            <a:chOff x="7080843" y="3798189"/>
+            <a:chExt cx="1644780" cy="992324"/>
+          </a:xfrm>
+        </p:grpSpPr>
+        <p:sp>
+          <p:nvSpPr>
+            <p:cNvPr id="90" name="TextBox 89">
+              <a:extLst>
+                <a:ext uri="{FF2B5EF4-FFF2-40B4-BE49-F238E27FC236}">
+                  <a16:creationId xmlns:a16="http://schemas.microsoft.com/office/drawing/2014/main" id="{D15FE92A-119A-E2F4-6B75-907529E98D5A}"/>
+                </a:ext>
+              </a:extLst>
+            </p:cNvPr>
+            <p:cNvSpPr txBox="1"/>
+            <p:nvPr/>
+          </p:nvSpPr>
+          <p:spPr>
+            <a:xfrm>
+              <a:off x="7839535" y="3915254"/>
+              <a:ext cx="527013" cy="369332"/>
+            </a:xfrm>
+            <a:prstGeom prst="rect">
+              <a:avLst/>
+            </a:prstGeom>
+            <a:noFill/>
+            <a:effectLst>
+              <a:outerShdw blurRad="50800" dist="38100" dir="2700000" algn="tl" rotWithShape="0">
+                <a:prstClr val="black">
+                  <a:alpha val="40000"/>
+                </a:prstClr>
+              </a:outerShdw>
+            </a:effectLst>
+          </p:spPr>
+          <p:txBody>
+            <a:bodyPr wrap="square" lIns="0" tIns="0" rIns="0" bIns="0" rtlCol="0">
+              <a:spAutoFit/>
+            </a:bodyPr>
+            <a:lstStyle/>
+            <a:p>
+              <a:pPr algn="ctr"/>
+              <a:r>
+                <a:rPr lang="en-US" sz="1200"/>
+                <a:t>Gather</a:t>
+              </a:r>
+              <a:br>
+                <a:rPr lang="en-US" sz="1200"/>
+              </a:br>
+              <a:r>
+                <a:rPr lang="en-US" sz="1200"/>
+                <a:t>Skills</a:t>
+              </a:r>
+            </a:p>
+          </p:txBody>
+        </p:sp>
+        <p:sp>
+          <p:nvSpPr>
+            <p:cNvPr id="115" name="Freeform 114">
+              <a:extLst>
+                <a:ext uri="{FF2B5EF4-FFF2-40B4-BE49-F238E27FC236}">
+                  <a16:creationId xmlns:a16="http://schemas.microsoft.com/office/drawing/2014/main" id="{9E39F6FE-FB2E-186B-B198-16EEA9FE952F}"/>
+                </a:ext>
+              </a:extLst>
+            </p:cNvPr>
+            <p:cNvSpPr/>
+            <p:nvPr/>
+          </p:nvSpPr>
+          <p:spPr bwMode="auto">
+            <a:xfrm rot="19800000">
+              <a:off x="7545046" y="3798189"/>
+              <a:ext cx="269121" cy="135265"/>
+            </a:xfrm>
+            <a:custGeom>
+              <a:avLst/>
+              <a:gdLst>
+                <a:gd name="connsiteX0" fmla="*/ 0 w 1838425"/>
+                <a:gd name="connsiteY0" fmla="*/ 0 h 924025"/>
+                <a:gd name="connsiteX1" fmla="*/ 924025 w 1838425"/>
+                <a:gd name="connsiteY1" fmla="*/ 924025 h 924025"/>
+                <a:gd name="connsiteX2" fmla="*/ 1838425 w 1838425"/>
+                <a:gd name="connsiteY2" fmla="*/ 9625 h 924025"/>
+              </a:gdLst>
+              <a:ahLst/>
+              <a:cxnLst>
+                <a:cxn ang="0">
+                  <a:pos x="connsiteX0" y="connsiteY0"/>
+                </a:cxn>
+                <a:cxn ang="0">
+                  <a:pos x="connsiteX1" y="connsiteY1"/>
+                </a:cxn>
+                <a:cxn ang="0">
+                  <a:pos x="connsiteX2" y="connsiteY2"/>
+                </a:cxn>
+              </a:cxnLst>
+              <a:rect l="l" t="t" r="r" b="b"/>
+              <a:pathLst>
+                <a:path w="1838425" h="924025">
+                  <a:moveTo>
+                    <a:pt x="0" y="0"/>
+                  </a:moveTo>
+                  <a:lnTo>
+                    <a:pt x="924025" y="924025"/>
+                  </a:lnTo>
+                  <a:lnTo>
+                    <a:pt x="1838425" y="9625"/>
+                  </a:lnTo>
+                </a:path>
+              </a:pathLst>
+            </a:custGeom>
+            <a:noFill/>
+            <a:ln w="38100">
+              <a:solidFill>
+                <a:schemeClr val="bg1">
+                  <a:lumMod val="85000"/>
+                  <a:lumOff val="15000"/>
+                </a:schemeClr>
+              </a:solidFill>
+              <a:headEnd type="none" w="med" len="med"/>
+              <a:tailEnd type="none" w="med" len="med"/>
+            </a:ln>
+            <a:effectLst/>
+          </p:spPr>
+          <p:style>
+            <a:lnRef idx="1">
+              <a:schemeClr val="accent2"/>
+            </a:lnRef>
+            <a:fillRef idx="3">
+              <a:schemeClr val="accent2"/>
+            </a:fillRef>
+            <a:effectRef idx="2">
+              <a:schemeClr val="accent2"/>
+            </a:effectRef>
+            <a:fontRef idx="minor">
+              <a:schemeClr val="lt1"/>
+            </a:fontRef>
+          </p:style>
+          <p:txBody>
+            <a:bodyPr rtlCol="0" anchor="ctr"/>
+            <a:lstStyle/>
+            <a:p>
+              <a:pPr algn="ctr"/>
+              <a:endParaRPr lang="en-US"/>
+            </a:p>
+          </p:txBody>
+        </p:sp>
+        <p:sp>
+          <p:nvSpPr>
+            <p:cNvPr id="11" name="Freeform 10">
+              <a:extLst>
+                <a:ext uri="{FF2B5EF4-FFF2-40B4-BE49-F238E27FC236}">
+                  <a16:creationId xmlns:a16="http://schemas.microsoft.com/office/drawing/2014/main" id="{EE18C2E7-127E-BCA8-CD72-C80C114668BF}"/>
+                </a:ext>
+              </a:extLst>
+            </p:cNvPr>
+            <p:cNvSpPr/>
+            <p:nvPr/>
+          </p:nvSpPr>
+          <p:spPr bwMode="auto">
+            <a:xfrm rot="16200000">
+              <a:off x="8523430" y="4057403"/>
+              <a:ext cx="269121" cy="135265"/>
+            </a:xfrm>
+            <a:custGeom>
+              <a:avLst/>
+              <a:gdLst>
+                <a:gd name="connsiteX0" fmla="*/ 0 w 1838425"/>
+                <a:gd name="connsiteY0" fmla="*/ 0 h 924025"/>
+                <a:gd name="connsiteX1" fmla="*/ 924025 w 1838425"/>
+                <a:gd name="connsiteY1" fmla="*/ 924025 h 924025"/>
+                <a:gd name="connsiteX2" fmla="*/ 1838425 w 1838425"/>
+                <a:gd name="connsiteY2" fmla="*/ 9625 h 924025"/>
+              </a:gdLst>
+              <a:ahLst/>
+              <a:cxnLst>
+                <a:cxn ang="0">
+                  <a:pos x="connsiteX0" y="connsiteY0"/>
+                </a:cxn>
+                <a:cxn ang="0">
+                  <a:pos x="connsiteX1" y="connsiteY1"/>
+                </a:cxn>
+                <a:cxn ang="0">
+                  <a:pos x="connsiteX2" y="connsiteY2"/>
+                </a:cxn>
+              </a:cxnLst>
+              <a:rect l="l" t="t" r="r" b="b"/>
+              <a:pathLst>
+                <a:path w="1838425" h="924025">
+                  <a:moveTo>
+                    <a:pt x="0" y="0"/>
+                  </a:moveTo>
+                  <a:lnTo>
+                    <a:pt x="924025" y="924025"/>
+                  </a:lnTo>
+                  <a:lnTo>
+                    <a:pt x="1838425" y="9625"/>
+                  </a:lnTo>
+                </a:path>
+              </a:pathLst>
+            </a:custGeom>
+            <a:noFill/>
+            <a:ln w="38100">
+              <a:solidFill>
+                <a:schemeClr val="bg1">
+                  <a:lumMod val="85000"/>
+                  <a:lumOff val="15000"/>
+                </a:schemeClr>
+              </a:solidFill>
+              <a:headEnd type="none" w="med" len="med"/>
+              <a:tailEnd type="none" w="med" len="med"/>
+            </a:ln>
+            <a:effectLst/>
+          </p:spPr>
+          <p:style>
+            <a:lnRef idx="1">
+              <a:schemeClr val="accent2"/>
+            </a:lnRef>
+            <a:fillRef idx="3">
+              <a:schemeClr val="accent2"/>
+            </a:fillRef>
+            <a:effectRef idx="2">
+              <a:schemeClr val="accent2"/>
+            </a:effectRef>
+            <a:fontRef idx="minor">
+              <a:schemeClr val="lt1"/>
+            </a:fontRef>
+          </p:style>
+          <p:txBody>
+            <a:bodyPr rtlCol="0" anchor="ctr"/>
+            <a:lstStyle/>
+            <a:p>
+              <a:pPr algn="ctr"/>
+              <a:endParaRPr lang="en-US"/>
+            </a:p>
+          </p:txBody>
+        </p:sp>
+        <p:sp>
+          <p:nvSpPr>
+            <p:cNvPr id="41" name="Can 40">
+              <a:extLst>
+                <a:ext uri="{FF2B5EF4-FFF2-40B4-BE49-F238E27FC236}">
+                  <a16:creationId xmlns:a16="http://schemas.microsoft.com/office/drawing/2014/main" id="{01315C5C-07B7-B917-338B-DA132768ED0D}"/>
+                </a:ext>
+              </a:extLst>
+            </p:cNvPr>
+            <p:cNvSpPr/>
+            <p:nvPr/>
+          </p:nvSpPr>
+          <p:spPr bwMode="auto">
+            <a:xfrm>
+              <a:off x="7260684" y="4258207"/>
+              <a:ext cx="345575" cy="330490"/>
+            </a:xfrm>
+            <a:prstGeom prst="can">
+              <a:avLst/>
+            </a:prstGeom>
+            <a:solidFill>
+              <a:schemeClr val="tx2">
+                <a:lumMod val="75000"/>
+              </a:schemeClr>
+            </a:solidFill>
+            <a:ln>
+              <a:noFill/>
+              <a:headEnd type="none" w="med" len="med"/>
+              <a:tailEnd type="none" w="med" len="med"/>
+            </a:ln>
+            <a:effectLst/>
+          </p:spPr>
+          <p:style>
+            <a:lnRef idx="1">
+              <a:schemeClr val="accent2"/>
+            </a:lnRef>
+            <a:fillRef idx="3">
+              <a:schemeClr val="accent2"/>
+            </a:fillRef>
+            <a:effectRef idx="2">
+              <a:schemeClr val="accent2"/>
+            </a:effectRef>
+            <a:fontRef idx="minor">
+              <a:schemeClr val="lt1"/>
+            </a:fontRef>
+          </p:style>
+          <p:txBody>
+            <a:bodyPr rot="0" spcFirstLastPara="0" vertOverflow="overflow" horzOverflow="overflow" vert="horz" wrap="square" lIns="182880" tIns="146304" rIns="182880" bIns="146304" numCol="1" spcCol="0" rtlCol="0" fromWordArt="0" anchor="t" anchorCtr="0" forceAA="0" compatLnSpc="1">
+              <a:prstTxWarp prst="textNoShape">
+                <a:avLst/>
+              </a:prstTxWarp>
+              <a:noAutofit/>
+            </a:bodyPr>
+            <a:lstStyle/>
+            <a:p>
+              <a:pPr algn="l" defTabSz="932472" fontAlgn="base">
+                <a:spcBef>
+                  <a:spcPct val="0"/>
+                </a:spcBef>
+                <a:spcAft>
+                  <a:spcPct val="0"/>
+                </a:spcAft>
+              </a:pPr>
+              <a:endParaRPr lang="en-US" sz="2000" err="1">
+                <a:solidFill>
+                  <a:srgbClr val="000000"/>
+                </a:solidFill>
+                <a:ea typeface="Segoe UI" pitchFamily="34" charset="0"/>
+                <a:cs typeface="Segoe UI" pitchFamily="34" charset="0"/>
+              </a:endParaRPr>
+            </a:p>
+          </p:txBody>
+        </p:sp>
+        <p:sp>
+          <p:nvSpPr>
+            <p:cNvPr id="42" name="TextBox 41">
+              <a:extLst>
+                <a:ext uri="{FF2B5EF4-FFF2-40B4-BE49-F238E27FC236}">
+                  <a16:creationId xmlns:a16="http://schemas.microsoft.com/office/drawing/2014/main" id="{990B03A7-FA65-6558-9FDC-B6E6039DB6A1}"/>
+                </a:ext>
+              </a:extLst>
+            </p:cNvPr>
+            <p:cNvSpPr txBox="1"/>
+            <p:nvPr/>
+          </p:nvSpPr>
+          <p:spPr>
+            <a:xfrm>
+              <a:off x="7080843" y="4652014"/>
+              <a:ext cx="716865" cy="138499"/>
+            </a:xfrm>
+            <a:prstGeom prst="rect">
+              <a:avLst/>
+            </a:prstGeom>
+            <a:noFill/>
+          </p:spPr>
+          <p:txBody>
+            <a:bodyPr wrap="square" lIns="0" tIns="0" rIns="0" bIns="0" rtlCol="0">
+              <a:spAutoFit/>
+            </a:bodyPr>
+            <a:lstStyle/>
+            <a:p>
+              <a:pPr algn="ctr"/>
+              <a:r>
+                <a:rPr lang="en-US" sz="900" b="1"/>
+                <a:t>SKILLS</a:t>
+              </a:r>
+            </a:p>
+          </p:txBody>
+        </p:sp>
+        <p:cxnSp>
+          <p:nvCxnSpPr>
+            <p:cNvPr id="44" name="Straight Arrow Connector 43">
+              <a:extLst>
+                <a:ext uri="{FF2B5EF4-FFF2-40B4-BE49-F238E27FC236}">
+                  <a16:creationId xmlns:a16="http://schemas.microsoft.com/office/drawing/2014/main" id="{5910BE67-D449-30A1-272B-E64BAFAC3CC8}"/>
+                </a:ext>
+              </a:extLst>
+            </p:cNvPr>
+            <p:cNvCxnSpPr>
+              <a:cxnSpLocks/>
+            </p:cNvCxnSpPr>
+            <p:nvPr/>
+          </p:nvCxnSpPr>
+          <p:spPr>
+            <a:xfrm flipV="1">
+              <a:off x="7663769" y="4140191"/>
+              <a:ext cx="203671" cy="184955"/>
+            </a:xfrm>
+            <a:prstGeom prst="straightConnector1">
+              <a:avLst/>
+            </a:prstGeom>
+            <a:ln w="25400">
+              <a:solidFill>
+                <a:schemeClr val="tx1"/>
+              </a:solidFill>
+              <a:headEnd type="none" w="lg" len="med"/>
+              <a:tailEnd type="arrow"/>
+            </a:ln>
+            <a:effectLst>
+              <a:outerShdw blurRad="50800" dist="38100" dir="2700000" algn="tl" rotWithShape="0">
+                <a:prstClr val="black">
+                  <a:alpha val="40000"/>
+                </a:prstClr>
+              </a:outerShdw>
+            </a:effectLst>
+          </p:spPr>
+          <p:style>
+            <a:lnRef idx="1">
+              <a:schemeClr val="accent1"/>
+            </a:lnRef>
+            <a:fillRef idx="0">
+              <a:schemeClr val="accent1"/>
+            </a:fillRef>
+            <a:effectRef idx="0">
+              <a:schemeClr val="accent1"/>
+            </a:effectRef>
+            <a:fontRef idx="minor">
+              <a:schemeClr val="tx1"/>
+            </a:fontRef>
+          </p:style>
+        </p:cxnSp>
+        <p:sp>
+          <p:nvSpPr>
+            <p:cNvPr id="10" name="TextBox 9">
+              <a:extLst>
+                <a:ext uri="{FF2B5EF4-FFF2-40B4-BE49-F238E27FC236}">
+                  <a16:creationId xmlns:a16="http://schemas.microsoft.com/office/drawing/2014/main" id="{EAFA324F-8574-230B-A77C-733C5DF5E47C}"/>
+                </a:ext>
+              </a:extLst>
+            </p:cNvPr>
+            <p:cNvSpPr txBox="1"/>
+            <p:nvPr/>
+          </p:nvSpPr>
+          <p:spPr>
+            <a:xfrm>
+              <a:off x="7124155" y="4395806"/>
+              <a:ext cx="610888" cy="123111"/>
+            </a:xfrm>
+            <a:prstGeom prst="rect">
+              <a:avLst/>
+            </a:prstGeom>
+            <a:solidFill>
+              <a:schemeClr val="bg1">
+                <a:alpha val="21000"/>
+              </a:schemeClr>
+            </a:solidFill>
+          </p:spPr>
+          <p:txBody>
+            <a:bodyPr wrap="square" lIns="0" tIns="0" rIns="0" bIns="0" rtlCol="0">
+              <a:spAutoFit/>
+            </a:bodyPr>
+            <a:lstStyle/>
+            <a:p>
+              <a:pPr algn="ctr"/>
+              <a:r>
+                <a:rPr lang="en-US" sz="800"/>
+                <a:t>V1 READY</a:t>
+              </a:r>
+            </a:p>
+          </p:txBody>
+        </p:sp>
+      </p:grpSp>
+      <p:grpSp>
+        <p:nvGrpSpPr>
+          <p:cNvPr id="34" name="Group 33">
+            <a:extLst>
+              <a:ext uri="{FF2B5EF4-FFF2-40B4-BE49-F238E27FC236}">
+                <a16:creationId xmlns:a16="http://schemas.microsoft.com/office/drawing/2014/main" id="{F26A817C-F166-24C0-7F70-EDF51FB84A7A}"/>
+              </a:ext>
+            </a:extLst>
+          </p:cNvPr>
+          <p:cNvGrpSpPr/>
+          <p:nvPr/>
+        </p:nvGrpSpPr>
+        <p:grpSpPr>
+          <a:xfrm>
+            <a:off x="8905845" y="2961874"/>
+            <a:ext cx="1238678" cy="1390345"/>
+            <a:chOff x="8905845" y="2961874"/>
+            <a:chExt cx="1238678" cy="1390345"/>
+          </a:xfrm>
+        </p:grpSpPr>
+        <p:sp>
+          <p:nvSpPr>
+            <p:cNvPr id="88" name="TextBox 87">
+              <a:extLst>
+                <a:ext uri="{FF2B5EF4-FFF2-40B4-BE49-F238E27FC236}">
+                  <a16:creationId xmlns:a16="http://schemas.microsoft.com/office/drawing/2014/main" id="{91F99A6C-708D-FB1C-3397-98E91FE71862}"/>
+                </a:ext>
+              </a:extLst>
+            </p:cNvPr>
+            <p:cNvSpPr txBox="1"/>
+            <p:nvPr/>
+          </p:nvSpPr>
+          <p:spPr>
+            <a:xfrm>
+              <a:off x="8905845" y="3928814"/>
+              <a:ext cx="786873" cy="369332"/>
+            </a:xfrm>
+            <a:prstGeom prst="rect">
+              <a:avLst/>
+            </a:prstGeom>
+            <a:noFill/>
+            <a:effectLst>
+              <a:outerShdw blurRad="50800" dist="38100" dir="2700000" algn="tl" rotWithShape="0">
+                <a:prstClr val="black">
+                  <a:alpha val="40000"/>
+                </a:prstClr>
+              </a:outerShdw>
+            </a:effectLst>
+          </p:spPr>
+          <p:txBody>
+            <a:bodyPr wrap="square" lIns="0" tIns="0" rIns="0" bIns="0" rtlCol="0">
+              <a:spAutoFit/>
+            </a:bodyPr>
+            <a:lstStyle/>
+            <a:p>
+              <a:pPr algn="ctr"/>
+              <a:r>
+                <a:rPr lang="en-US" sz="1200"/>
+                <a:t>Gather</a:t>
+              </a:r>
+              <a:br>
+                <a:rPr lang="en-US" sz="1200"/>
+              </a:br>
+              <a:r>
+                <a:rPr lang="en-US" sz="1200"/>
+                <a:t>Memories</a:t>
+              </a:r>
+            </a:p>
+          </p:txBody>
+        </p:sp>
+        <p:sp>
+          <p:nvSpPr>
+            <p:cNvPr id="114" name="Freeform 113">
+              <a:extLst>
+                <a:ext uri="{FF2B5EF4-FFF2-40B4-BE49-F238E27FC236}">
+                  <a16:creationId xmlns:a16="http://schemas.microsoft.com/office/drawing/2014/main" id="{B6A795B7-912F-B78B-98AC-9924082FAA39}"/>
+                </a:ext>
+              </a:extLst>
+            </p:cNvPr>
+            <p:cNvSpPr/>
+            <p:nvPr/>
+          </p:nvSpPr>
+          <p:spPr bwMode="auto">
+            <a:xfrm rot="13500000">
+              <a:off x="8940046" y="3028802"/>
+              <a:ext cx="269121" cy="135265"/>
+            </a:xfrm>
+            <a:custGeom>
+              <a:avLst/>
+              <a:gdLst>
+                <a:gd name="connsiteX0" fmla="*/ 0 w 1838425"/>
+                <a:gd name="connsiteY0" fmla="*/ 0 h 924025"/>
+                <a:gd name="connsiteX1" fmla="*/ 924025 w 1838425"/>
+                <a:gd name="connsiteY1" fmla="*/ 924025 h 924025"/>
+                <a:gd name="connsiteX2" fmla="*/ 1838425 w 1838425"/>
+                <a:gd name="connsiteY2" fmla="*/ 9625 h 924025"/>
+              </a:gdLst>
+              <a:ahLst/>
+              <a:cxnLst>
+                <a:cxn ang="0">
+                  <a:pos x="connsiteX0" y="connsiteY0"/>
+                </a:cxn>
+                <a:cxn ang="0">
+                  <a:pos x="connsiteX1" y="connsiteY1"/>
+                </a:cxn>
+                <a:cxn ang="0">
+                  <a:pos x="connsiteX2" y="connsiteY2"/>
+                </a:cxn>
+              </a:cxnLst>
+              <a:rect l="l" t="t" r="r" b="b"/>
+              <a:pathLst>
+                <a:path w="1838425" h="924025">
+                  <a:moveTo>
+                    <a:pt x="0" y="0"/>
+                  </a:moveTo>
+                  <a:lnTo>
+                    <a:pt x="924025" y="924025"/>
+                  </a:lnTo>
+                  <a:lnTo>
+                    <a:pt x="1838425" y="9625"/>
+                  </a:lnTo>
+                </a:path>
+              </a:pathLst>
+            </a:custGeom>
+            <a:noFill/>
+            <a:ln w="38100">
+              <a:solidFill>
+                <a:schemeClr val="bg1">
+                  <a:lumMod val="85000"/>
+                  <a:lumOff val="15000"/>
+                </a:schemeClr>
+              </a:solidFill>
+              <a:headEnd type="none" w="med" len="med"/>
+              <a:tailEnd type="none" w="med" len="med"/>
+            </a:ln>
+            <a:effectLst/>
+          </p:spPr>
+          <p:style>
+            <a:lnRef idx="1">
+              <a:schemeClr val="accent2"/>
+            </a:lnRef>
+            <a:fillRef idx="3">
+              <a:schemeClr val="accent2"/>
+            </a:fillRef>
+            <a:effectRef idx="2">
+              <a:schemeClr val="accent2"/>
+            </a:effectRef>
+            <a:fontRef idx="minor">
+              <a:schemeClr val="lt1"/>
+            </a:fontRef>
+          </p:style>
+          <p:txBody>
+            <a:bodyPr rtlCol="0" anchor="ctr"/>
+            <a:lstStyle/>
+            <a:p>
+              <a:pPr algn="ctr"/>
+              <a:endParaRPr lang="en-US"/>
+            </a:p>
+          </p:txBody>
+        </p:sp>
+        <p:sp>
+          <p:nvSpPr>
+            <p:cNvPr id="118" name="Freeform 117">
+              <a:extLst>
+                <a:ext uri="{FF2B5EF4-FFF2-40B4-BE49-F238E27FC236}">
+                  <a16:creationId xmlns:a16="http://schemas.microsoft.com/office/drawing/2014/main" id="{2F2FAFC8-5AAF-D85B-1BAD-F5BA0673BB7B}"/>
+                </a:ext>
+              </a:extLst>
+            </p:cNvPr>
+            <p:cNvSpPr/>
+            <p:nvPr/>
+          </p:nvSpPr>
+          <p:spPr bwMode="auto">
+            <a:xfrm rot="19800000">
+              <a:off x="9875402" y="4216954"/>
+              <a:ext cx="269121" cy="135265"/>
+            </a:xfrm>
+            <a:custGeom>
+              <a:avLst/>
+              <a:gdLst>
+                <a:gd name="connsiteX0" fmla="*/ 0 w 1838425"/>
+                <a:gd name="connsiteY0" fmla="*/ 0 h 924025"/>
+                <a:gd name="connsiteX1" fmla="*/ 924025 w 1838425"/>
+                <a:gd name="connsiteY1" fmla="*/ 924025 h 924025"/>
+                <a:gd name="connsiteX2" fmla="*/ 1838425 w 1838425"/>
+                <a:gd name="connsiteY2" fmla="*/ 9625 h 924025"/>
+              </a:gdLst>
+              <a:ahLst/>
+              <a:cxnLst>
+                <a:cxn ang="0">
+                  <a:pos x="connsiteX0" y="connsiteY0"/>
+                </a:cxn>
+                <a:cxn ang="0">
+                  <a:pos x="connsiteX1" y="connsiteY1"/>
+                </a:cxn>
+                <a:cxn ang="0">
+                  <a:pos x="connsiteX2" y="connsiteY2"/>
+                </a:cxn>
+              </a:cxnLst>
+              <a:rect l="l" t="t" r="r" b="b"/>
+              <a:pathLst>
+                <a:path w="1838425" h="924025">
+                  <a:moveTo>
+                    <a:pt x="0" y="0"/>
+                  </a:moveTo>
+                  <a:lnTo>
+                    <a:pt x="924025" y="924025"/>
+                  </a:lnTo>
+                  <a:lnTo>
+                    <a:pt x="1838425" y="9625"/>
+                  </a:lnTo>
+                </a:path>
+              </a:pathLst>
+            </a:custGeom>
+            <a:noFill/>
+            <a:ln w="38100">
+              <a:solidFill>
+                <a:schemeClr val="bg1">
+                  <a:lumMod val="85000"/>
+                  <a:lumOff val="15000"/>
+                </a:schemeClr>
+              </a:solidFill>
+              <a:headEnd type="none" w="med" len="med"/>
+              <a:tailEnd type="none" w="med" len="med"/>
+            </a:ln>
+            <a:effectLst/>
+          </p:spPr>
+          <p:style>
+            <a:lnRef idx="1">
+              <a:schemeClr val="accent2"/>
+            </a:lnRef>
+            <a:fillRef idx="3">
+              <a:schemeClr val="accent2"/>
+            </a:fillRef>
+            <a:effectRef idx="2">
+              <a:schemeClr val="accent2"/>
+            </a:effectRef>
+            <a:fontRef idx="minor">
+              <a:schemeClr val="lt1"/>
+            </a:fontRef>
+          </p:style>
+          <p:txBody>
+            <a:bodyPr rtlCol="0" anchor="ctr"/>
+            <a:lstStyle/>
+            <a:p>
+              <a:pPr algn="ctr"/>
+              <a:endParaRPr lang="en-US"/>
+            </a:p>
+          </p:txBody>
+        </p:sp>
+      </p:grpSp>
+      <p:sp>
+        <p:nvSpPr>
+          <p:cNvPr id="24" name="TextBox 23">
+            <a:extLst>
+              <a:ext uri="{FF2B5EF4-FFF2-40B4-BE49-F238E27FC236}">
+                <a16:creationId xmlns:a16="http://schemas.microsoft.com/office/drawing/2014/main" id="{EA391D9C-033D-930C-C729-34F7B1FD09C0}"/>
+              </a:ext>
+            </a:extLst>
+          </p:cNvPr>
+          <p:cNvSpPr txBox="1"/>
+          <p:nvPr/>
+        </p:nvSpPr>
+        <p:spPr>
+          <a:xfrm>
+            <a:off x="1725687" y="3035825"/>
+            <a:ext cx="1836733" cy="615553"/>
+          </a:xfrm>
+          <a:prstGeom prst="rect">
+            <a:avLst/>
+          </a:prstGeom>
+          <a:noFill/>
+        </p:spPr>
+        <p:txBody>
+          <a:bodyPr wrap="square" lIns="0" tIns="0" rIns="0" bIns="0" rtlCol="0">
+            <a:spAutoFit/>
+          </a:bodyPr>
+          <a:lstStyle/>
+          <a:p>
+            <a:pPr algn="l"/>
+            <a:r>
+              <a:rPr lang="en-US" sz="2000"/>
+              <a:t>It all starts with a user’s AI ask …</a:t>
+            </a:r>
+          </a:p>
+        </p:txBody>
+      </p:sp>
+      <p:cxnSp>
+        <p:nvCxnSpPr>
+          <p:cNvPr id="26" name="Straight Connector 25">
+            <a:extLst>
+              <a:ext uri="{FF2B5EF4-FFF2-40B4-BE49-F238E27FC236}">
+                <a16:creationId xmlns:a16="http://schemas.microsoft.com/office/drawing/2014/main" id="{08F88D11-4CF3-E925-570C-C4F427FDD281}"/>
+              </a:ext>
+              <a:ext uri="{C183D7F6-B498-43B3-948B-1728B52AA6E4}">
+                <adec:decorative xmlns:adec="http://schemas.microsoft.com/office/drawing/2017/decorative" val="1"/>
+              </a:ext>
+            </a:extLst>
+          </p:cNvPr>
+          <p:cNvCxnSpPr>
+            <a:cxnSpLocks/>
+          </p:cNvCxnSpPr>
+          <p:nvPr/>
+        </p:nvCxnSpPr>
+        <p:spPr>
+          <a:xfrm>
+            <a:off x="2876620" y="3677088"/>
+            <a:ext cx="457200" cy="0"/>
+          </a:xfrm>
+          <a:prstGeom prst="line">
+            <a:avLst/>
+          </a:prstGeom>
+          <a:ln w="28575">
+            <a:solidFill>
+              <a:schemeClr val="tx2"/>
+            </a:solidFill>
+            <a:headEnd type="none" w="lg" len="med"/>
+            <a:tailEnd type="none" w="lg" len="med"/>
+          </a:ln>
+        </p:spPr>
+        <p:style>
+          <a:lnRef idx="1">
+            <a:schemeClr val="accent1"/>
+          </a:lnRef>
+          <a:fillRef idx="0">
+            <a:schemeClr val="accent1"/>
+          </a:fillRef>
+          <a:effectRef idx="0">
+            <a:schemeClr val="accent1"/>
+          </a:effectRef>
+          <a:fontRef idx="minor">
+            <a:schemeClr val="tx1"/>
+          </a:fontRef>
+        </p:style>
+      </p:cxnSp>
+      <p:sp>
+        <p:nvSpPr>
+          <p:cNvPr id="4" name="Right Arrow 3">
+            <a:extLst>
+              <a:ext uri="{FF2B5EF4-FFF2-40B4-BE49-F238E27FC236}">
+                <a16:creationId xmlns:a16="http://schemas.microsoft.com/office/drawing/2014/main" id="{84EE9A4E-F5D0-E0E0-704E-D1A423AAE2D3}"/>
+              </a:ext>
+            </a:extLst>
+          </p:cNvPr>
+          <p:cNvSpPr/>
+          <p:nvPr/>
+        </p:nvSpPr>
+        <p:spPr bwMode="auto">
+          <a:xfrm>
+            <a:off x="3751951" y="2856453"/>
+            <a:ext cx="1362003" cy="875198"/>
+          </a:xfrm>
+          <a:prstGeom prst="rightArrow">
+            <a:avLst/>
+          </a:prstGeom>
+          <a:solidFill>
+            <a:schemeClr val="accent1"/>
+          </a:solidFill>
+          <a:ln>
+            <a:noFill/>
+            <a:headEnd type="none" w="med" len="med"/>
+            <a:tailEnd type="none" w="med" len="med"/>
+          </a:ln>
+          <a:effectLst>
+            <a:outerShdw blurRad="50800" dist="38100" dir="2700000" algn="tl" rotWithShape="0">
+              <a:prstClr val="black">
+                <a:alpha val="34946"/>
+              </a:prstClr>
+            </a:outerShdw>
+          </a:effectLst>
+        </p:spPr>
+        <p:style>
+          <a:lnRef idx="1">
+            <a:schemeClr val="accent2"/>
+          </a:lnRef>
+          <a:fillRef idx="3">
+            <a:schemeClr val="accent2"/>
+          </a:fillRef>
+          <a:effectRef idx="2">
+            <a:schemeClr val="accent2"/>
+          </a:effectRef>
+          <a:fontRef idx="minor">
+            <a:schemeClr val="lt1"/>
+          </a:fontRef>
+        </p:style>
+        <p:txBody>
+          <a:bodyPr rot="0" spcFirstLastPara="0" vertOverflow="overflow" horzOverflow="overflow" vert="horz" wrap="square" lIns="182880" tIns="0" rIns="182880" bIns="0" numCol="1" spcCol="0" rtlCol="0" fromWordArt="0" anchor="ctr" anchorCtr="0" forceAA="0" compatLnSpc="1">
+            <a:prstTxWarp prst="textNoShape">
+              <a:avLst/>
+            </a:prstTxWarp>
+            <a:noAutofit/>
+          </a:bodyPr>
+          <a:lstStyle/>
+          <a:p>
+            <a:pPr algn="ctr" defTabSz="932472" fontAlgn="base">
+              <a:spcBef>
+                <a:spcPct val="0"/>
+              </a:spcBef>
+              <a:spcAft>
+                <a:spcPct val="0"/>
+              </a:spcAft>
+            </a:pPr>
+            <a:r>
+              <a:rPr lang="en-US" sz="2000">
+                <a:solidFill>
+                  <a:srgbClr val="000000"/>
+                </a:solidFill>
+                <a:ea typeface="Segoe UI" pitchFamily="34" charset="0"/>
+                <a:cs typeface="Segoe UI" pitchFamily="34" charset="0"/>
+              </a:rPr>
+              <a:t>ASK</a:t>
+            </a:r>
+          </a:p>
+        </p:txBody>
+      </p:sp>
+      <p:grpSp>
+        <p:nvGrpSpPr>
+          <p:cNvPr id="45" name="Group 44">
+            <a:extLst>
+              <a:ext uri="{FF2B5EF4-FFF2-40B4-BE49-F238E27FC236}">
+                <a16:creationId xmlns:a16="http://schemas.microsoft.com/office/drawing/2014/main" id="{80E383D5-8B72-04F1-69E2-36A0D72E6D92}"/>
+              </a:ext>
+            </a:extLst>
+          </p:cNvPr>
+          <p:cNvGrpSpPr/>
+          <p:nvPr/>
+        </p:nvGrpSpPr>
+        <p:grpSpPr>
+          <a:xfrm>
+            <a:off x="1666640" y="5007416"/>
+            <a:ext cx="3377347" cy="954954"/>
+            <a:chOff x="1666640" y="5007416"/>
+            <a:chExt cx="3377347" cy="954954"/>
+          </a:xfrm>
+        </p:grpSpPr>
+        <p:sp>
+          <p:nvSpPr>
+            <p:cNvPr id="27" name="TextBox 26">
+              <a:extLst>
+                <a:ext uri="{FF2B5EF4-FFF2-40B4-BE49-F238E27FC236}">
+                  <a16:creationId xmlns:a16="http://schemas.microsoft.com/office/drawing/2014/main" id="{1293265D-56BD-902F-2A75-D1D6F012A025}"/>
+                </a:ext>
+              </a:extLst>
+            </p:cNvPr>
+            <p:cNvSpPr txBox="1"/>
+            <p:nvPr/>
+          </p:nvSpPr>
+          <p:spPr>
+            <a:xfrm>
+              <a:off x="1666640" y="5133440"/>
+              <a:ext cx="1961896" cy="615553"/>
+            </a:xfrm>
+            <a:prstGeom prst="rect">
+              <a:avLst/>
+            </a:prstGeom>
+            <a:noFill/>
+          </p:spPr>
+          <p:txBody>
+            <a:bodyPr wrap="square" lIns="0" tIns="0" rIns="0" bIns="0" rtlCol="0">
+              <a:spAutoFit/>
+            </a:bodyPr>
+            <a:lstStyle/>
+            <a:p>
+              <a:pPr algn="l"/>
+              <a:r>
+                <a:rPr lang="en-US" sz="2000"/>
+                <a:t>… resulting in new productivity</a:t>
+              </a:r>
+            </a:p>
+          </p:txBody>
+        </p:sp>
+        <p:cxnSp>
+          <p:nvCxnSpPr>
+            <p:cNvPr id="28" name="Straight Connector 27">
+              <a:extLst>
+                <a:ext uri="{FF2B5EF4-FFF2-40B4-BE49-F238E27FC236}">
+                  <a16:creationId xmlns:a16="http://schemas.microsoft.com/office/drawing/2014/main" id="{02437701-7341-EAB7-90F8-A7BEF7AD6AAE}"/>
+                </a:ext>
+                <a:ext uri="{C183D7F6-B498-43B3-948B-1728B52AA6E4}">
+                  <adec:decorative xmlns:adec="http://schemas.microsoft.com/office/drawing/2017/decorative" val="1"/>
+                </a:ext>
+              </a:extLst>
+            </p:cNvPr>
+            <p:cNvCxnSpPr>
+              <a:cxnSpLocks/>
+            </p:cNvCxnSpPr>
+            <p:nvPr/>
+          </p:nvCxnSpPr>
+          <p:spPr>
+            <a:xfrm>
+              <a:off x="2161060" y="5791665"/>
+              <a:ext cx="1350819" cy="0"/>
+            </a:xfrm>
+            <a:prstGeom prst="line">
+              <a:avLst/>
+            </a:prstGeom>
+            <a:ln w="28575">
+              <a:solidFill>
+                <a:srgbClr val="92D050"/>
+              </a:solidFill>
+              <a:headEnd type="none" w="lg" len="med"/>
+              <a:tailEnd type="none" w="lg" len="med"/>
+            </a:ln>
+          </p:spPr>
+          <p:style>
+            <a:lnRef idx="1">
+              <a:schemeClr val="accent1"/>
+            </a:lnRef>
+            <a:fillRef idx="0">
+              <a:schemeClr val="accent1"/>
+            </a:fillRef>
+            <a:effectRef idx="0">
+              <a:schemeClr val="accent1"/>
+            </a:effectRef>
+            <a:fontRef idx="minor">
+              <a:schemeClr val="tx1"/>
+            </a:fontRef>
+          </p:style>
+        </p:cxnSp>
+        <p:sp>
+          <p:nvSpPr>
+            <p:cNvPr id="43" name="Right Arrow 42">
+              <a:extLst>
+                <a:ext uri="{FF2B5EF4-FFF2-40B4-BE49-F238E27FC236}">
+                  <a16:creationId xmlns:a16="http://schemas.microsoft.com/office/drawing/2014/main" id="{DAD7B753-5FAB-199B-12D6-CDA0016D541A}"/>
+                </a:ext>
+              </a:extLst>
+            </p:cNvPr>
+            <p:cNvSpPr/>
+            <p:nvPr/>
+          </p:nvSpPr>
+          <p:spPr bwMode="auto">
+            <a:xfrm flipH="1">
+              <a:off x="3681984" y="5007416"/>
+              <a:ext cx="1362003" cy="954954"/>
+            </a:xfrm>
+            <a:prstGeom prst="rightArrow">
+              <a:avLst/>
+            </a:prstGeom>
+            <a:solidFill>
+              <a:srgbClr val="92D050"/>
+            </a:solidFill>
+            <a:ln>
+              <a:noFill/>
+              <a:headEnd type="none" w="med" len="med"/>
+              <a:tailEnd type="none" w="med" len="med"/>
+            </a:ln>
+            <a:effectLst>
+              <a:outerShdw blurRad="50800" dist="38100" dir="2700000" algn="tl" rotWithShape="0">
+                <a:prstClr val="black">
+                  <a:alpha val="40000"/>
+                </a:prstClr>
+              </a:outerShdw>
+            </a:effectLst>
+          </p:spPr>
+          <p:style>
+            <a:lnRef idx="1">
+              <a:schemeClr val="accent2"/>
+            </a:lnRef>
+            <a:fillRef idx="3">
+              <a:schemeClr val="accent2"/>
+            </a:fillRef>
+            <a:effectRef idx="2">
+              <a:schemeClr val="accent2"/>
+            </a:effectRef>
+            <a:fontRef idx="minor">
+              <a:schemeClr val="lt1"/>
+            </a:fontRef>
+          </p:style>
+          <p:txBody>
+            <a:bodyPr rot="0" spcFirstLastPara="0" vertOverflow="overflow" horzOverflow="overflow" vert="horz" wrap="square" lIns="0" tIns="0" rIns="0" bIns="0" numCol="1" spcCol="0" rtlCol="0" fromWordArt="0" anchor="ctr" anchorCtr="0" forceAA="0" compatLnSpc="1">
+              <a:prstTxWarp prst="textNoShape">
+                <a:avLst/>
+              </a:prstTxWarp>
+              <a:noAutofit/>
+            </a:bodyPr>
+            <a:lstStyle/>
+            <a:p>
+              <a:pPr algn="ctr" defTabSz="932472" fontAlgn="base">
+                <a:spcBef>
+                  <a:spcPct val="0"/>
+                </a:spcBef>
+                <a:spcAft>
+                  <a:spcPct val="0"/>
+                </a:spcAft>
+              </a:pPr>
+              <a:r>
+                <a:rPr lang="en-US" sz="2000">
+                  <a:solidFill>
+                    <a:srgbClr val="000000"/>
+                  </a:solidFill>
+                  <a:ea typeface="Segoe UI" pitchFamily="34" charset="0"/>
+                  <a:cs typeface="Segoe UI" pitchFamily="34" charset="0"/>
+                </a:rPr>
+                <a:t>GET</a:t>
+              </a:r>
+            </a:p>
+          </p:txBody>
+        </p:sp>
+      </p:grpSp>
+    </p:spTree>
+    <p:custDataLst>
+      <p:tags r:id="rId1"/>
+    </p:custDataLst>
+    <p:extLst>
+      <p:ext uri="{BB962C8B-B14F-4D97-AF65-F5344CB8AC3E}">
+        <p14:creationId xmlns:p14="http://schemas.microsoft.com/office/powerpoint/2010/main" val="2691004079"/>
+      </p:ext>
+    </p:extLst>
+  </p:cSld>
+  <p:clrMapOvr>
+    <a:masterClrMapping/>
+  </p:clrMapOvr>
+  <p:transition spd="slow">
+    <p:push dir="u"/>
+  </p:transition>
+  <p:timing>
+    <p:tnLst>
+      <p:par>
+        <p:cTn id="1" dur="indefinite" restart="never" nodeType="tmRoot">
+          <p:childTnLst>
+            <p:seq concurrent="1" nextAc="seek">
+              <p:cTn id="2" dur="indefinite" nodeType="mainSeq">
+                <p:childTnLst>
+                  <p:par>
+                    <p:cTn id="3" fill="hold">
+                      <p:stCondLst>
+                        <p:cond delay="indefinite"/>
+                      </p:stCondLst>
+                      <p:childTnLst>
+                        <p:par>
+                          <p:cTn id="4" fill="hold">
+                            <p:stCondLst>
+                              <p:cond delay="0"/>
+                            </p:stCondLst>
+                            <p:childTnLst>
+                              <p:par>
+                                <p:cTn id="5" presetID="22" presetClass="entr" presetSubtype="8" fill="hold" nodeType="clickEffect">
+                                  <p:stCondLst>
+                                    <p:cond delay="0"/>
+                                  </p:stCondLst>
+                                  <p:childTnLst>
+                                    <p:set>
+                                      <p:cBhvr>
+                                        <p:cTn id="6" dur="1" fill="hold">
+                                          <p:stCondLst>
+                                            <p:cond delay="0"/>
+                                          </p:stCondLst>
+                                        </p:cTn>
+                                        <p:tgtEl>
+                                          <p:spTgt spid="3"/>
+                                        </p:tgtEl>
+                                        <p:attrNameLst>
+                                          <p:attrName>style.visibility</p:attrName>
+                                        </p:attrNameLst>
+                                      </p:cBhvr>
+                                      <p:to>
+                                        <p:strVal val="visible"/>
+                                      </p:to>
+                                    </p:set>
+                                    <p:animEffect transition="in" filter="wipe(left)">
+                                      <p:cBhvr>
+                                        <p:cTn id="7" dur="1000"/>
+                                        <p:tgtEl>
+                                          <p:spTgt spid="3"/>
+                                        </p:tgtEl>
+                                      </p:cBhvr>
+                                    </p:animEffect>
+                                  </p:childTnLst>
+                                </p:cTn>
+                              </p:par>
+                            </p:childTnLst>
+                          </p:cTn>
+                        </p:par>
+                      </p:childTnLst>
+                    </p:cTn>
+                  </p:par>
+                  <p:par>
+                    <p:cTn id="8" fill="hold">
+                      <p:stCondLst>
+                        <p:cond delay="indefinite"/>
+                      </p:stCondLst>
+                      <p:childTnLst>
+                        <p:par>
+                          <p:cTn id="9" fill="hold">
+                            <p:stCondLst>
+                              <p:cond delay="0"/>
+                            </p:stCondLst>
+                            <p:childTnLst>
+                              <p:par>
+                                <p:cTn id="10" presetID="10" presetClass="entr" presetSubtype="0" fill="hold" nodeType="clickEffect">
+                                  <p:stCondLst>
+                                    <p:cond delay="0"/>
+                                  </p:stCondLst>
+                                  <p:childTnLst>
+                                    <p:set>
+                                      <p:cBhvr>
+                                        <p:cTn id="11" dur="1" fill="hold">
+                                          <p:stCondLst>
+                                            <p:cond delay="0"/>
+                                          </p:stCondLst>
+                                        </p:cTn>
+                                        <p:tgtEl>
+                                          <p:spTgt spid="21"/>
+                                        </p:tgtEl>
+                                        <p:attrNameLst>
+                                          <p:attrName>style.visibility</p:attrName>
+                                        </p:attrNameLst>
+                                      </p:cBhvr>
+                                      <p:to>
+                                        <p:strVal val="visible"/>
+                                      </p:to>
+                                    </p:set>
+                                    <p:animEffect transition="in" filter="fade">
+                                      <p:cBhvr>
+                                        <p:cTn id="12" dur="1000"/>
+                                        <p:tgtEl>
+                                          <p:spTgt spid="21"/>
+                                        </p:tgtEl>
+                                      </p:cBhvr>
+                                    </p:animEffect>
+                                  </p:childTnLst>
+                                </p:cTn>
+                              </p:par>
+                            </p:childTnLst>
+                          </p:cTn>
+                        </p:par>
+                        <p:par>
+                          <p:cTn id="13" fill="hold">
+                            <p:stCondLst>
+                              <p:cond delay="1000"/>
+                            </p:stCondLst>
+                            <p:childTnLst>
+                              <p:par>
+                                <p:cTn id="14" presetID="22" presetClass="entr" presetSubtype="1" fill="hold" nodeType="afterEffect">
+                                  <p:stCondLst>
+                                    <p:cond delay="0"/>
+                                  </p:stCondLst>
+                                  <p:childTnLst>
+                                    <p:set>
+                                      <p:cBhvr>
+                                        <p:cTn id="15" dur="1" fill="hold">
+                                          <p:stCondLst>
+                                            <p:cond delay="0"/>
+                                          </p:stCondLst>
+                                        </p:cTn>
+                                        <p:tgtEl>
+                                          <p:spTgt spid="29"/>
+                                        </p:tgtEl>
+                                        <p:attrNameLst>
+                                          <p:attrName>style.visibility</p:attrName>
+                                        </p:attrNameLst>
+                                      </p:cBhvr>
+                                      <p:to>
+                                        <p:strVal val="visible"/>
+                                      </p:to>
+                                    </p:set>
+                                    <p:animEffect transition="in" filter="wipe(up)">
+                                      <p:cBhvr>
+                                        <p:cTn id="16" dur="1000"/>
+                                        <p:tgtEl>
+                                          <p:spTgt spid="29"/>
+                                        </p:tgtEl>
+                                      </p:cBhvr>
+                                    </p:animEffect>
+                                  </p:childTnLst>
+                                </p:cTn>
+                              </p:par>
+                            </p:childTnLst>
+                          </p:cTn>
+                        </p:par>
+                      </p:childTnLst>
+                    </p:cTn>
+                  </p:par>
+                  <p:par>
+                    <p:cTn id="17" fill="hold">
+                      <p:stCondLst>
+                        <p:cond delay="indefinite"/>
+                      </p:stCondLst>
+                      <p:childTnLst>
+                        <p:par>
+                          <p:cTn id="18" fill="hold">
+                            <p:stCondLst>
+                              <p:cond delay="0"/>
+                            </p:stCondLst>
+                            <p:childTnLst>
+                              <p:par>
+                                <p:cTn id="19" presetID="22" presetClass="entr" presetSubtype="8" fill="hold" nodeType="clickEffect">
+                                  <p:stCondLst>
+                                    <p:cond delay="0"/>
+                                  </p:stCondLst>
+                                  <p:childTnLst>
+                                    <p:set>
+                                      <p:cBhvr>
+                                        <p:cTn id="20" dur="1" fill="hold">
+                                          <p:stCondLst>
+                                            <p:cond delay="0"/>
+                                          </p:stCondLst>
+                                        </p:cTn>
+                                        <p:tgtEl>
+                                          <p:spTgt spid="34"/>
+                                        </p:tgtEl>
+                                        <p:attrNameLst>
+                                          <p:attrName>style.visibility</p:attrName>
+                                        </p:attrNameLst>
+                                      </p:cBhvr>
+                                      <p:to>
+                                        <p:strVal val="visible"/>
+                                      </p:to>
+                                    </p:set>
+                                    <p:animEffect transition="in" filter="wipe(left)">
+                                      <p:cBhvr>
+                                        <p:cTn id="21" dur="1000"/>
+                                        <p:tgtEl>
+                                          <p:spTgt spid="34"/>
+                                        </p:tgtEl>
+                                      </p:cBhvr>
+                                    </p:animEffect>
+                                  </p:childTnLst>
+                                </p:cTn>
+                              </p:par>
+                            </p:childTnLst>
+                          </p:cTn>
+                        </p:par>
+                      </p:childTnLst>
+                    </p:cTn>
+                  </p:par>
+                  <p:par>
+                    <p:cTn id="22" fill="hold">
+                      <p:stCondLst>
+                        <p:cond delay="indefinite"/>
+                      </p:stCondLst>
+                      <p:childTnLst>
+                        <p:par>
+                          <p:cTn id="23" fill="hold">
+                            <p:stCondLst>
+                              <p:cond delay="0"/>
+                            </p:stCondLst>
+                            <p:childTnLst>
+                              <p:par>
+                                <p:cTn id="24" presetID="22" presetClass="entr" presetSubtype="1" fill="hold" nodeType="clickEffect">
+                                  <p:stCondLst>
+                                    <p:cond delay="0"/>
+                                  </p:stCondLst>
+                                  <p:childTnLst>
+                                    <p:set>
+                                      <p:cBhvr>
+                                        <p:cTn id="25" dur="1" fill="hold">
+                                          <p:stCondLst>
+                                            <p:cond delay="0"/>
+                                          </p:stCondLst>
+                                        </p:cTn>
+                                        <p:tgtEl>
+                                          <p:spTgt spid="35"/>
+                                        </p:tgtEl>
+                                        <p:attrNameLst>
+                                          <p:attrName>style.visibility</p:attrName>
+                                        </p:attrNameLst>
+                                      </p:cBhvr>
+                                      <p:to>
+                                        <p:strVal val="visible"/>
+                                      </p:to>
+                                    </p:set>
+                                    <p:animEffect transition="in" filter="wipe(up)">
+                                      <p:cBhvr>
+                                        <p:cTn id="26" dur="500"/>
+                                        <p:tgtEl>
+                                          <p:spTgt spid="35"/>
+                                        </p:tgtEl>
+                                      </p:cBhvr>
+                                    </p:animEffect>
+                                  </p:childTnLst>
+                                </p:cTn>
+                              </p:par>
+                            </p:childTnLst>
+                          </p:cTn>
+                        </p:par>
+                      </p:childTnLst>
+                    </p:cTn>
+                  </p:par>
+                  <p:par>
+                    <p:cTn id="27" fill="hold">
+                      <p:stCondLst>
+                        <p:cond delay="indefinite"/>
+                      </p:stCondLst>
+                      <p:childTnLst>
+                        <p:par>
+                          <p:cTn id="28" fill="hold">
+                            <p:stCondLst>
+                              <p:cond delay="0"/>
+                            </p:stCondLst>
+                            <p:childTnLst>
+                              <p:par>
+                                <p:cTn id="29" presetID="22" presetClass="entr" presetSubtype="2" fill="hold" nodeType="clickEffect">
+                                  <p:stCondLst>
+                                    <p:cond delay="0"/>
+                                  </p:stCondLst>
+                                  <p:childTnLst>
+                                    <p:set>
+                                      <p:cBhvr>
+                                        <p:cTn id="30" dur="1" fill="hold">
+                                          <p:stCondLst>
+                                            <p:cond delay="0"/>
+                                          </p:stCondLst>
+                                        </p:cTn>
+                                        <p:tgtEl>
+                                          <p:spTgt spid="22"/>
+                                        </p:tgtEl>
+                                        <p:attrNameLst>
+                                          <p:attrName>style.visibility</p:attrName>
+                                        </p:attrNameLst>
+                                      </p:cBhvr>
+                                      <p:to>
+                                        <p:strVal val="visible"/>
+                                      </p:to>
+                                    </p:set>
+                                    <p:animEffect transition="in" filter="wipe(right)">
+                                      <p:cBhvr>
+                                        <p:cTn id="31" dur="1000"/>
+                                        <p:tgtEl>
+                                          <p:spTgt spid="22"/>
+                                        </p:tgtEl>
+                                      </p:cBhvr>
+                                    </p:animEffect>
+                                  </p:childTnLst>
+                                </p:cTn>
+                              </p:par>
+                            </p:childTnLst>
+                          </p:cTn>
+                        </p:par>
+                        <p:par>
+                          <p:cTn id="32" fill="hold">
+                            <p:stCondLst>
+                              <p:cond delay="1000"/>
+                            </p:stCondLst>
+                            <p:childTnLst>
+                              <p:par>
+                                <p:cTn id="33" presetID="22" presetClass="entr" presetSubtype="2" fill="hold" nodeType="afterEffect">
+                                  <p:stCondLst>
+                                    <p:cond delay="0"/>
+                                  </p:stCondLst>
+                                  <p:childTnLst>
+                                    <p:set>
+                                      <p:cBhvr>
+                                        <p:cTn id="34" dur="1" fill="hold">
+                                          <p:stCondLst>
+                                            <p:cond delay="0"/>
+                                          </p:stCondLst>
+                                        </p:cTn>
+                                        <p:tgtEl>
+                                          <p:spTgt spid="45"/>
+                                        </p:tgtEl>
+                                        <p:attrNameLst>
+                                          <p:attrName>style.visibility</p:attrName>
+                                        </p:attrNameLst>
+                                      </p:cBhvr>
+                                      <p:to>
+                                        <p:strVal val="visible"/>
+                                      </p:to>
+                                    </p:set>
+                                    <p:animEffect transition="in" filter="wipe(right)">
+                                      <p:cBhvr>
+                                        <p:cTn id="35" dur="1000"/>
+                                        <p:tgtEl>
+                                          <p:spTgt spid="45"/>
+                                        </p:tgtEl>
+                                      </p:cBhvr>
+                                    </p:animEffect>
+                                  </p:childTnLst>
+                                </p:cTn>
+                              </p:par>
+                            </p:childTnLst>
+                          </p:cTn>
+                        </p:par>
+                      </p:childTnLst>
+                    </p:cTn>
+                  </p:par>
+                </p:childTnLst>
+              </p:cTn>
+              <p:prevCondLst>
+                <p:cond evt="onPrev" delay="0">
+                  <p:tgtEl>
+                    <p:sldTgt/>
+                  </p:tgtEl>
+                </p:cond>
+              </p:prevCondLst>
+              <p:nextCondLst>
+                <p:cond evt="onNext" delay="0">
+                  <p:tgtEl>
+                    <p:sldTgt/>
+                  </p:tgtEl>
+                </p:cond>
+              </p:nextCondLst>
+            </p:seq>
+          </p:childTnLst>
+        </p:cTn>
+      </p:par>
+    </p:tnLst>
+  </p:timing>
+</p:sld>
+</file>
+
+<file path=ppt/slides/slide12.xml><?xml version="1.0" encoding="utf-8"?>
+<p:sld xmlns:a="http://schemas.openxmlformats.org/drawingml/2006/main" xmlns:r="http://schemas.openxmlformats.org/officeDocument/2006/relationships" xmlns:p="http://schemas.openxmlformats.org/presentationml/2006/main">
+  <p:cSld>
+    <p:spTree>
+      <p:nvGrpSpPr>
+        <p:cNvPr id="1" name=""/>
+        <p:cNvGrpSpPr/>
+        <p:nvPr/>
+      </p:nvGrpSpPr>
+      <p:grpSpPr>
+        <a:xfrm>
+          <a:off x="0" y="0"/>
+          <a:ext cx="0" cy="0"/>
+          <a:chOff x="0" y="0"/>
+          <a:chExt cx="0" cy="0"/>
+        </a:xfrm>
+      </p:grpSpPr>
+      <p:sp>
+        <p:nvSpPr>
           <p:cNvPr id="21" name="TextBox 20">
             <a:extLst>
               <a:ext uri="{FF2B5EF4-FFF2-40B4-BE49-F238E27FC236}">
@@ -16928,7 +23930,7 @@
 </p:sld>
 </file>
 
-<file path=ppt/slides/slide11.xml><?xml version="1.0" encoding="utf-8"?>
+<file path=ppt/slides/slide13.xml><?xml version="1.0" encoding="utf-8"?>
 <p:sld xmlns:a="http://schemas.openxmlformats.org/drawingml/2006/main" xmlns:r="http://schemas.openxmlformats.org/officeDocument/2006/relationships" xmlns:p="http://schemas.openxmlformats.org/presentationml/2006/main">
   <p:cSld>
     <p:spTree>
@@ -17037,300 +24039,6 @@
       </p:transition>
     </mc:Fallback>
   </mc:AlternateContent>
-</p:sld>
-</file>
-
-<file path=ppt/slides/slide12.xml><?xml version="1.0" encoding="utf-8"?>
-<p:sld xmlns:a="http://schemas.openxmlformats.org/drawingml/2006/main" xmlns:r="http://schemas.openxmlformats.org/officeDocument/2006/relationships" xmlns:p="http://schemas.openxmlformats.org/presentationml/2006/main">
-  <p:cSld>
-    <p:spTree>
-      <p:nvGrpSpPr>
-        <p:cNvPr id="1" name=""/>
-        <p:cNvGrpSpPr/>
-        <p:nvPr/>
-      </p:nvGrpSpPr>
-      <p:grpSpPr>
-        <a:xfrm>
-          <a:off x="0" y="0"/>
-          <a:ext cx="0" cy="0"/>
-          <a:chOff x="0" y="0"/>
-          <a:chExt cx="0" cy="0"/>
-        </a:xfrm>
-      </p:grpSpPr>
-      <p:sp>
-        <p:nvSpPr>
-          <p:cNvPr id="2" name="Title 1">
-            <a:extLst>
-              <a:ext uri="{FF2B5EF4-FFF2-40B4-BE49-F238E27FC236}">
-                <a16:creationId xmlns:a16="http://schemas.microsoft.com/office/drawing/2014/main" id="{69D2623F-0629-4017-9AFA-1E52CD042452}"/>
-              </a:ext>
-            </a:extLst>
-          </p:cNvPr>
-          <p:cNvSpPr>
-            <a:spLocks noGrp="1"/>
-          </p:cNvSpPr>
-          <p:nvPr>
-            <p:ph type="title"/>
-          </p:nvPr>
-        </p:nvSpPr>
-        <p:spPr>
-          <a:xfrm>
-            <a:off x="584200" y="209440"/>
-            <a:ext cx="7440582" cy="495520"/>
-          </a:xfrm>
-        </p:spPr>
-        <p:txBody>
-          <a:bodyPr/>
-          <a:lstStyle/>
-          <a:p>
-            <a:r>
-              <a:rPr lang="en-US" dirty="0"/>
-              <a:t>Challenge 1: The Landing Before the Launch</a:t>
-            </a:r>
-          </a:p>
-        </p:txBody>
-      </p:sp>
-      <p:sp>
-        <p:nvSpPr>
-          <p:cNvPr id="4" name="TextBox 3">
-            <a:extLst>
-              <a:ext uri="{FF2B5EF4-FFF2-40B4-BE49-F238E27FC236}">
-                <a16:creationId xmlns:a16="http://schemas.microsoft.com/office/drawing/2014/main" id="{3C2941BE-103D-4165-93CB-85210974470C}"/>
-              </a:ext>
-            </a:extLst>
-          </p:cNvPr>
-          <p:cNvSpPr txBox="1"/>
-          <p:nvPr/>
-        </p:nvSpPr>
-        <p:spPr>
-          <a:xfrm>
-            <a:off x="584200" y="1396137"/>
-            <a:ext cx="11036300" cy="2246769"/>
-          </a:xfrm>
-          <a:prstGeom prst="rect">
-            <a:avLst/>
-          </a:prstGeom>
-          <a:noFill/>
-        </p:spPr>
-        <p:txBody>
-          <a:bodyPr wrap="square" lIns="91440" tIns="45720" rIns="91440" bIns="45720" anchor="t">
-            <a:spAutoFit/>
-          </a:bodyPr>
-          <a:lstStyle/>
-          <a:p>
-            <a:pPr algn="l" rtl="0" fontAlgn="base"/>
-            <a:r>
-              <a:rPr lang="en-US" sz="2000" b="0" i="0" dirty="0">
-                <a:effectLst/>
-              </a:rPr>
-              <a:t>In this challenge</a:t>
-            </a:r>
-            <a:r>
-              <a:rPr lang="en-US" sz="2000" dirty="0"/>
-              <a:t> participants</a:t>
-            </a:r>
-            <a:r>
-              <a:rPr lang="en-US" sz="2000" b="0" i="0" dirty="0">
-                <a:effectLst/>
-              </a:rPr>
-              <a:t> deploy the services into the landing zone in preparation for the launch of the POC.</a:t>
-            </a:r>
-          </a:p>
-          <a:p>
-            <a:pPr algn="l" rtl="0" fontAlgn="base"/>
-            <a:endParaRPr lang="en-US" sz="2000" b="0" i="0" dirty="0">
-              <a:effectLst/>
-            </a:endParaRPr>
-          </a:p>
-          <a:p>
-            <a:pPr algn="l" rtl="0" fontAlgn="base"/>
-            <a:r>
-              <a:rPr lang="en-US" sz="2000" b="1" i="0" dirty="0">
-                <a:effectLst/>
-              </a:rPr>
-              <a:t>Learning objectives: </a:t>
-            </a:r>
-          </a:p>
-          <a:p>
-            <a:pPr algn="l" rtl="0" fontAlgn="base"/>
-            <a:endParaRPr lang="en-US" sz="2000" b="0" i="0" dirty="0">
-              <a:effectLst/>
-            </a:endParaRPr>
-          </a:p>
-          <a:p>
-            <a:pPr marL="342900" indent="-342900" algn="l" rtl="0" fontAlgn="base">
-              <a:buFont typeface="Arial" panose="020B0604020202020204" pitchFamily="34" charset="0"/>
-              <a:buChar char="•"/>
-            </a:pPr>
-            <a:r>
-              <a:rPr lang="en-US" sz="2000" b="0" i="0" dirty="0">
-                <a:effectLst/>
-              </a:rPr>
-              <a:t>TBD</a:t>
-            </a:r>
-          </a:p>
-          <a:p>
-            <a:pPr algn="l" rtl="0" fontAlgn="base"/>
-            <a:endParaRPr lang="en-US" sz="2000" b="0" i="0" dirty="0">
-              <a:effectLst/>
-            </a:endParaRPr>
-          </a:p>
-        </p:txBody>
-      </p:sp>
-    </p:spTree>
-    <p:extLst>
-      <p:ext uri="{BB962C8B-B14F-4D97-AF65-F5344CB8AC3E}">
-        <p14:creationId xmlns:p14="http://schemas.microsoft.com/office/powerpoint/2010/main" val="3693466064"/>
-      </p:ext>
-    </p:extLst>
-  </p:cSld>
-  <p:clrMapOvr>
-    <a:masterClrMapping/>
-  </p:clrMapOvr>
-  <p:transition>
-    <p:fade/>
-  </p:transition>
-</p:sld>
-</file>
-
-<file path=ppt/slides/slide13.xml><?xml version="1.0" encoding="utf-8"?>
-<p:sld xmlns:a="http://schemas.openxmlformats.org/drawingml/2006/main" xmlns:r="http://schemas.openxmlformats.org/officeDocument/2006/relationships" xmlns:p="http://schemas.openxmlformats.org/presentationml/2006/main">
-  <p:cSld>
-    <p:spTree>
-      <p:nvGrpSpPr>
-        <p:cNvPr id="1" name=""/>
-        <p:cNvGrpSpPr/>
-        <p:nvPr/>
-      </p:nvGrpSpPr>
-      <p:grpSpPr>
-        <a:xfrm>
-          <a:off x="0" y="0"/>
-          <a:ext cx="0" cy="0"/>
-          <a:chOff x="0" y="0"/>
-          <a:chExt cx="0" cy="0"/>
-        </a:xfrm>
-      </p:grpSpPr>
-      <p:sp>
-        <p:nvSpPr>
-          <p:cNvPr id="2" name="Title 1">
-            <a:extLst>
-              <a:ext uri="{FF2B5EF4-FFF2-40B4-BE49-F238E27FC236}">
-                <a16:creationId xmlns:a16="http://schemas.microsoft.com/office/drawing/2014/main" id="{69D2623F-0629-4017-9AFA-1E52CD042452}"/>
-              </a:ext>
-            </a:extLst>
-          </p:cNvPr>
-          <p:cNvSpPr>
-            <a:spLocks noGrp="1"/>
-          </p:cNvSpPr>
-          <p:nvPr>
-            <p:ph type="title"/>
-          </p:nvPr>
-        </p:nvSpPr>
-        <p:spPr>
-          <a:xfrm>
-            <a:off x="584200" y="209440"/>
-            <a:ext cx="7440582" cy="495520"/>
-          </a:xfrm>
-        </p:spPr>
-        <p:txBody>
-          <a:bodyPr/>
-          <a:lstStyle/>
-          <a:p>
-            <a:r>
-              <a:rPr lang="en-US" dirty="0"/>
-              <a:t>Challenge 2: It's All About the Payload</a:t>
-            </a:r>
-          </a:p>
-        </p:txBody>
-      </p:sp>
-      <p:sp>
-        <p:nvSpPr>
-          <p:cNvPr id="4" name="TextBox 3">
-            <a:extLst>
-              <a:ext uri="{FF2B5EF4-FFF2-40B4-BE49-F238E27FC236}">
-                <a16:creationId xmlns:a16="http://schemas.microsoft.com/office/drawing/2014/main" id="{1CC078BE-0A60-49C8-8EDA-2EBC51A5DC70}"/>
-              </a:ext>
-            </a:extLst>
-          </p:cNvPr>
-          <p:cNvSpPr txBox="1"/>
-          <p:nvPr/>
-        </p:nvSpPr>
-        <p:spPr>
-          <a:xfrm>
-            <a:off x="584200" y="1396137"/>
-            <a:ext cx="11036300" cy="1631216"/>
-          </a:xfrm>
-          <a:prstGeom prst="rect">
-            <a:avLst/>
-          </a:prstGeom>
-          <a:noFill/>
-        </p:spPr>
-        <p:txBody>
-          <a:bodyPr wrap="square">
-            <a:spAutoFit/>
-          </a:bodyPr>
-          <a:lstStyle/>
-          <a:p>
-            <a:pPr algn="l" rtl="0" fontAlgn="base"/>
-            <a:r>
-              <a:rPr lang="en-US" sz="2000" b="0" i="0" dirty="0">
-                <a:effectLst/>
-              </a:rPr>
-              <a:t>In this challenge</a:t>
-            </a:r>
-            <a:r>
-              <a:rPr lang="en-US" sz="2000" dirty="0"/>
-              <a:t> Run the data generator to load the sample account and member data.</a:t>
-            </a:r>
-          </a:p>
-          <a:p>
-            <a:pPr algn="l" rtl="0" fontAlgn="base"/>
-            <a:endParaRPr lang="en-US" sz="2000" b="0" i="0" dirty="0">
-              <a:effectLst/>
-            </a:endParaRPr>
-          </a:p>
-          <a:p>
-            <a:pPr algn="l" rtl="0" fontAlgn="base"/>
-            <a:r>
-              <a:rPr lang="en-US" sz="2000" b="1" i="0" dirty="0">
-                <a:effectLst/>
-              </a:rPr>
-              <a:t>Learning objectives: </a:t>
-            </a:r>
-          </a:p>
-          <a:p>
-            <a:pPr algn="l" rtl="0" fontAlgn="base"/>
-            <a:endParaRPr lang="en-US" sz="2000" b="0" i="0" dirty="0">
-              <a:effectLst/>
-            </a:endParaRPr>
-          </a:p>
-          <a:p>
-            <a:pPr marL="342900" indent="-342900" algn="l" rtl="0" fontAlgn="base">
-              <a:buFont typeface="Arial" panose="020B0604020202020204" pitchFamily="34" charset="0"/>
-              <a:buChar char="•"/>
-            </a:pPr>
-            <a:r>
-              <a:rPr lang="en-US" sz="2000" b="0" i="0" dirty="0">
-                <a:effectLst/>
-              </a:rPr>
-              <a:t>TBD</a:t>
-            </a:r>
-          </a:p>
-        </p:txBody>
-      </p:sp>
-    </p:spTree>
-    <p:extLst>
-      <p:ext uri="{BB962C8B-B14F-4D97-AF65-F5344CB8AC3E}">
-        <p14:creationId xmlns:p14="http://schemas.microsoft.com/office/powerpoint/2010/main" val="3229930525"/>
-      </p:ext>
-    </p:extLst>
-  </p:cSld>
-  <p:clrMapOvr>
-    <a:masterClrMapping/>
-  </p:clrMapOvr>
-  <p:transition>
-    <p:fade/>
-  </p:transition>
 </p:sld>
 </file>
 
@@ -17379,7 +24087,7 @@
           <a:p>
             <a:r>
               <a:rPr lang="en-US" dirty="0"/>
-              <a:t>Challenge 3: From database to screen</a:t>
+              <a:t>Challenge 1: The Landing Before the Launch</a:t>
             </a:r>
           </a:p>
         </p:txBody>
@@ -17389,7 +24097,7 @@
           <p:cNvPr id="4" name="TextBox 3">
             <a:extLst>
               <a:ext uri="{FF2B5EF4-FFF2-40B4-BE49-F238E27FC236}">
-                <a16:creationId xmlns:a16="http://schemas.microsoft.com/office/drawing/2014/main" id="{C66AB271-DFBE-48F7-9D8A-116CBE3C573C}"/>
+                <a16:creationId xmlns:a16="http://schemas.microsoft.com/office/drawing/2014/main" id="{3C2941BE-103D-4165-93CB-85210974470C}"/>
               </a:ext>
             </a:extLst>
           </p:cNvPr>
@@ -17399,7 +24107,7 @@
         <p:spPr>
           <a:xfrm>
             <a:off x="584200" y="1396137"/>
-            <a:ext cx="11036300" cy="2246769"/>
+            <a:ext cx="11036300" cy="2862322"/>
           </a:xfrm>
           <a:prstGeom prst="rect">
             <a:avLst/>
@@ -17407,7 +24115,7 @@
           <a:noFill/>
         </p:spPr>
         <p:txBody>
-          <a:bodyPr wrap="square">
+          <a:bodyPr wrap="square" lIns="91440" tIns="45720" rIns="91440" bIns="45720" anchor="t">
             <a:spAutoFit/>
           </a:bodyPr>
           <a:lstStyle/>
@@ -17417,7 +24125,7 @@
               <a:rPr lang="en-US" sz="2000" b="0" i="0" dirty="0">
                 <a:effectLst/>
               </a:rPr>
-              <a:t>In this challenge</a:t>
+              <a:t>In this challenge,</a:t>
             </a:r>
             <a:r>
               <a:rPr lang="en-US" sz="2000" dirty="0"/>
@@ -17427,15 +24135,8 @@
               <a:rPr lang="en-US" sz="2000" b="0" i="0" dirty="0">
                 <a:effectLst/>
               </a:rPr>
-              <a:t> will </a:t>
-            </a:r>
-            <a:r>
-              <a:rPr lang="en-US" sz="2000" dirty="0"/>
-              <a:t>wire up the Account Summary and Transaction Statement functionality to load the data from Cosmos DB and present it in the UI and see the end-to-end solution action.</a:t>
-            </a:r>
-            <a:endParaRPr lang="en-US" sz="2000" b="0" i="0" dirty="0">
-              <a:effectLst/>
-            </a:endParaRPr>
+              <a:t> deploy the services into the landing zone in preparation for the launch of the POC.</a:t>
+            </a:r>
           </a:p>
           <a:p>
             <a:pPr algn="l" rtl="0" fontAlgn="base"/>
@@ -17467,15 +24168,45 @@
               <a:rPr lang="en-US" sz="2000" b="0" i="0" dirty="0">
                 <a:effectLst/>
               </a:rPr>
-              <a:t>TBD</a:t>
-            </a:r>
+              <a:t>Deploy the Azure services needed to support the payments application</a:t>
+            </a:r>
+            <a:br>
+              <a:rPr lang="en-US" sz="2000" b="0" i="0" dirty="0">
+                <a:effectLst/>
+              </a:rPr>
+            </a:br>
+            <a:endParaRPr lang="en-US" sz="2000" b="0" i="0" dirty="0">
+              <a:effectLst/>
+            </a:endParaRPr>
+          </a:p>
+          <a:p>
+            <a:pPr marL="342900" indent="-342900" algn="l" rtl="0" fontAlgn="base">
+              <a:buFont typeface="Arial" panose="020B0604020202020204" pitchFamily="34" charset="0"/>
+              <a:buChar char="•"/>
+            </a:pPr>
+            <a:r>
+              <a:rPr lang="en-US" sz="2000" dirty="0"/>
+              <a:t>Understand the setup of the development environment</a:t>
+            </a:r>
+            <a:r>
+              <a:rPr lang="en-US" sz="2000" b="0" i="0" dirty="0">
+                <a:effectLst/>
+              </a:rPr>
+              <a:t> </a:t>
+            </a:r>
+          </a:p>
+          <a:p>
+            <a:pPr algn="l" rtl="0" fontAlgn="base"/>
+            <a:endParaRPr lang="en-US" sz="2000" b="0" i="0" dirty="0">
+              <a:effectLst/>
+            </a:endParaRPr>
           </a:p>
         </p:txBody>
       </p:sp>
     </p:spTree>
     <p:extLst>
       <p:ext uri="{BB962C8B-B14F-4D97-AF65-F5344CB8AC3E}">
-        <p14:creationId xmlns:p14="http://schemas.microsoft.com/office/powerpoint/2010/main" val="3214549841"/>
+        <p14:creationId xmlns:p14="http://schemas.microsoft.com/office/powerpoint/2010/main" val="3693466064"/>
       </p:ext>
     </p:extLst>
   </p:cSld>
@@ -17523,8 +24254,8 @@
         </p:nvSpPr>
         <p:spPr>
           <a:xfrm>
-            <a:off x="584200" y="209440"/>
-            <a:ext cx="7440582" cy="495520"/>
+            <a:off x="584199" y="209440"/>
+            <a:ext cx="9288535" cy="926407"/>
           </a:xfrm>
         </p:spPr>
         <p:txBody>
@@ -17533,7 +24264,7 @@
           <a:p>
             <a:r>
               <a:rPr lang="en-US" dirty="0"/>
-              <a:t>Challenge 4: Asking member questions</a:t>
+              <a:t>Challenge 2: Account for and Count the Accounts</a:t>
             </a:r>
           </a:p>
         </p:txBody>
@@ -17543,7 +24274,7 @@
           <p:cNvPr id="4" name="TextBox 3">
             <a:extLst>
               <a:ext uri="{FF2B5EF4-FFF2-40B4-BE49-F238E27FC236}">
-                <a16:creationId xmlns:a16="http://schemas.microsoft.com/office/drawing/2014/main" id="{CD037916-DF96-4B73-B2C1-764F918DCF34}"/>
+                <a16:creationId xmlns:a16="http://schemas.microsoft.com/office/drawing/2014/main" id="{1CC078BE-0A60-49C8-8EDA-2EBC51A5DC70}"/>
               </a:ext>
             </a:extLst>
           </p:cNvPr>
@@ -17553,7 +24284,7 @@
         <p:spPr>
           <a:xfrm>
             <a:off x="584200" y="1396137"/>
-            <a:ext cx="11036300" cy="2246769"/>
+            <a:ext cx="11036300" cy="2862322"/>
           </a:xfrm>
           <a:prstGeom prst="rect">
             <a:avLst/>
@@ -17571,17 +24302,11 @@
               <a:rPr lang="en-US" sz="2000" b="0" i="0" dirty="0">
                 <a:effectLst/>
               </a:rPr>
-              <a:t>In this challenge</a:t>
+              <a:t>In this challenge,</a:t>
             </a:r>
             <a:r>
               <a:rPr lang="en-US" sz="2000" dirty="0"/>
-              <a:t> participants</a:t>
-            </a:r>
-            <a:r>
-              <a:rPr lang="en-US" sz="2000" b="0" i="0" dirty="0">
-                <a:effectLst/>
-              </a:rPr>
-              <a:t> will add functionality to the transactions screen that allows the user to ask questions about a member's transactions using natural language and viewing the results.</a:t>
+              <a:t> Run the data generator to load the sample account and member data.</a:t>
             </a:r>
           </a:p>
           <a:p>
@@ -17611,26 +24336,44 @@
               <a:buChar char="•"/>
             </a:pPr>
             <a:r>
-              <a:rPr lang="en-US" sz="2000" dirty="0"/>
-              <a:t>U</a:t>
-            </a:r>
-            <a:r>
               <a:rPr lang="en-US" sz="2000" b="0" i="0" dirty="0">
                 <a:effectLst/>
               </a:rPr>
-              <a:t>se the Microsoft Semantic Kernel with Azure OpenAI to create a </a:t>
-            </a:r>
-            <a:r>
-              <a:rPr lang="en-US" sz="2000" b="0" i="0" dirty="0" err="1">
-                <a:effectLst/>
-              </a:rPr>
-              <a:t>SemanticFunction</a:t>
-            </a:r>
-            <a:r>
+              <a:t>Learn how to check for the existence of data in Azure Cosmos DB in a data-loading process</a:t>
+            </a:r>
+            <a:br>
               <a:rPr lang="en-US" sz="2000" b="0" i="0" dirty="0">
                 <a:effectLst/>
               </a:rPr>
-              <a:t> that will respond with the results of the users question</a:t>
+            </a:br>
+            <a:endParaRPr lang="en-US" sz="2000" b="0" i="0" dirty="0">
+              <a:effectLst/>
+            </a:endParaRPr>
+          </a:p>
+          <a:p>
+            <a:pPr marL="342900" indent="-342900" algn="l" rtl="0" fontAlgn="base">
+              <a:buFont typeface="Arial" panose="020B0604020202020204" pitchFamily="34" charset="0"/>
+              <a:buChar char="•"/>
+            </a:pPr>
+            <a:r>
+              <a:rPr lang="en-US" sz="2000" dirty="0"/>
+              <a:t>Generate mock data with a given schema</a:t>
+            </a:r>
+            <a:br>
+              <a:rPr lang="en-US" sz="2000" dirty="0"/>
+            </a:br>
+            <a:endParaRPr lang="en-US" sz="2000" dirty="0"/>
+          </a:p>
+          <a:p>
+            <a:pPr marL="342900" indent="-342900" algn="l" rtl="0" fontAlgn="base">
+              <a:buFont typeface="Arial" panose="020B0604020202020204" pitchFamily="34" charset="0"/>
+              <a:buChar char="•"/>
+            </a:pPr>
+            <a:r>
+              <a:rPr lang="en-US" sz="2000" b="0" i="0" dirty="0">
+                <a:effectLst/>
+              </a:rPr>
+              <a:t>Run parallel batch or continuous processing to load larger volumes of data</a:t>
             </a:r>
           </a:p>
         </p:txBody>
@@ -17638,7 +24381,7 @@
     </p:spTree>
     <p:extLst>
       <p:ext uri="{BB962C8B-B14F-4D97-AF65-F5344CB8AC3E}">
-        <p14:creationId xmlns:p14="http://schemas.microsoft.com/office/powerpoint/2010/main" val="2643562220"/>
+        <p14:creationId xmlns:p14="http://schemas.microsoft.com/office/powerpoint/2010/main" val="3229930525"/>
       </p:ext>
     </p:extLst>
   </p:cSld>
@@ -17686,6 +24429,198 @@
         </p:nvSpPr>
         <p:spPr>
           <a:xfrm>
+            <a:off x="584199" y="209440"/>
+            <a:ext cx="10518565" cy="495520"/>
+          </a:xfrm>
+        </p:spPr>
+        <p:txBody>
+          <a:bodyPr/>
+          <a:lstStyle/>
+          <a:p>
+            <a:r>
+              <a:rPr lang="en-US" dirty="0"/>
+              <a:t>Challenge 3: Visualize World Peace </a:t>
+            </a:r>
+            <a:r>
+              <a:rPr lang="en-US" sz="1400" dirty="0"/>
+              <a:t>… or at least the members, accounts, and transaction data</a:t>
+            </a:r>
+          </a:p>
+        </p:txBody>
+      </p:sp>
+      <p:sp>
+        <p:nvSpPr>
+          <p:cNvPr id="4" name="TextBox 3">
+            <a:extLst>
+              <a:ext uri="{FF2B5EF4-FFF2-40B4-BE49-F238E27FC236}">
+                <a16:creationId xmlns:a16="http://schemas.microsoft.com/office/drawing/2014/main" id="{C66AB271-DFBE-48F7-9D8A-116CBE3C573C}"/>
+              </a:ext>
+            </a:extLst>
+          </p:cNvPr>
+          <p:cNvSpPr txBox="1"/>
+          <p:nvPr/>
+        </p:nvSpPr>
+        <p:spPr>
+          <a:xfrm>
+            <a:off x="584200" y="1396137"/>
+            <a:ext cx="11036300" cy="3785652"/>
+          </a:xfrm>
+          <a:prstGeom prst="rect">
+            <a:avLst/>
+          </a:prstGeom>
+          <a:noFill/>
+        </p:spPr>
+        <p:txBody>
+          <a:bodyPr wrap="square">
+            <a:spAutoFit/>
+          </a:bodyPr>
+          <a:lstStyle/>
+          <a:p>
+            <a:pPr algn="l" rtl="0" fontAlgn="base"/>
+            <a:r>
+              <a:rPr lang="en-US" sz="2000" b="0" i="0" dirty="0">
+                <a:effectLst/>
+              </a:rPr>
+              <a:t>In this challenge,</a:t>
+            </a:r>
+            <a:r>
+              <a:rPr lang="en-US" sz="2000" dirty="0"/>
+              <a:t> participants</a:t>
+            </a:r>
+            <a:r>
+              <a:rPr lang="en-US" sz="2000" b="0" i="0" dirty="0">
+                <a:effectLst/>
+              </a:rPr>
+              <a:t> will </a:t>
+            </a:r>
+            <a:r>
+              <a:rPr lang="en-US" sz="2000" dirty="0"/>
+              <a:t>wire up the Members, Account Summary, and Transaction Statement functionality to load the data from Cosmos DB and present it in the UI and see the end-to-end solution action.</a:t>
+            </a:r>
+            <a:endParaRPr lang="en-US" sz="2000" b="0" i="0" dirty="0">
+              <a:effectLst/>
+            </a:endParaRPr>
+          </a:p>
+          <a:p>
+            <a:pPr algn="l" rtl="0" fontAlgn="base"/>
+            <a:endParaRPr lang="en-US" sz="2000" b="0" i="0" dirty="0">
+              <a:effectLst/>
+            </a:endParaRPr>
+          </a:p>
+          <a:p>
+            <a:pPr algn="l" rtl="0" fontAlgn="base"/>
+            <a:r>
+              <a:rPr lang="en-US" sz="2000" b="1" i="0" dirty="0">
+                <a:effectLst/>
+              </a:rPr>
+              <a:t>Learning objectives: </a:t>
+            </a:r>
+          </a:p>
+          <a:p>
+            <a:pPr algn="l" rtl="0" fontAlgn="base"/>
+            <a:endParaRPr lang="en-US" sz="2000" b="0" i="0" dirty="0">
+              <a:effectLst/>
+            </a:endParaRPr>
+          </a:p>
+          <a:p>
+            <a:pPr marL="342900" indent="-342900" algn="l" rtl="0" fontAlgn="base">
+              <a:buFont typeface="Arial" panose="020B0604020202020204" pitchFamily="34" charset="0"/>
+              <a:buChar char="•"/>
+            </a:pPr>
+            <a:r>
+              <a:rPr lang="en-US" sz="2000" b="0" i="0" dirty="0">
+                <a:effectLst/>
+              </a:rPr>
+              <a:t>How to conduct batch write operations to Azure Cosmos DB</a:t>
+            </a:r>
+            <a:br>
+              <a:rPr lang="en-US" sz="2000" b="0" i="0" dirty="0">
+                <a:effectLst/>
+              </a:rPr>
+            </a:br>
+            <a:endParaRPr lang="en-US" sz="2000" b="0" i="0" dirty="0">
+              <a:effectLst/>
+            </a:endParaRPr>
+          </a:p>
+          <a:p>
+            <a:pPr marL="342900" indent="-342900" algn="l" rtl="0" fontAlgn="base">
+              <a:buFont typeface="Arial" panose="020B0604020202020204" pitchFamily="34" charset="0"/>
+              <a:buChar char="•"/>
+            </a:pPr>
+            <a:r>
+              <a:rPr lang="en-US" sz="2000" dirty="0"/>
+              <a:t>Understand the core application functionality and its data; useful for later challenges</a:t>
+            </a:r>
+            <a:br>
+              <a:rPr lang="en-US" sz="2000" dirty="0"/>
+            </a:br>
+            <a:endParaRPr lang="en-US" sz="2000" dirty="0"/>
+          </a:p>
+          <a:p>
+            <a:pPr marL="342900" indent="-342900" algn="l" rtl="0" fontAlgn="base">
+              <a:buFont typeface="Arial" panose="020B0604020202020204" pitchFamily="34" charset="0"/>
+              <a:buChar char="•"/>
+            </a:pPr>
+            <a:r>
+              <a:rPr lang="en-US" sz="2000" b="0" i="0" dirty="0">
+                <a:effectLst/>
+              </a:rPr>
+              <a:t>How to conduct patch operations using the Azure Cosmos DB SDK and observe how those operations merge when patching the same document across regions</a:t>
+            </a:r>
+          </a:p>
+        </p:txBody>
+      </p:sp>
+    </p:spTree>
+    <p:extLst>
+      <p:ext uri="{BB962C8B-B14F-4D97-AF65-F5344CB8AC3E}">
+        <p14:creationId xmlns:p14="http://schemas.microsoft.com/office/powerpoint/2010/main" val="3214549841"/>
+      </p:ext>
+    </p:extLst>
+  </p:cSld>
+  <p:clrMapOvr>
+    <a:masterClrMapping/>
+  </p:clrMapOvr>
+  <p:transition>
+    <p:fade/>
+  </p:transition>
+</p:sld>
+</file>
+
+<file path=ppt/slides/slide17.xml><?xml version="1.0" encoding="utf-8"?>
+<p:sld xmlns:a="http://schemas.openxmlformats.org/drawingml/2006/main" xmlns:r="http://schemas.openxmlformats.org/officeDocument/2006/relationships" xmlns:p="http://schemas.openxmlformats.org/presentationml/2006/main">
+  <p:cSld>
+    <p:spTree>
+      <p:nvGrpSpPr>
+        <p:cNvPr id="1" name=""/>
+        <p:cNvGrpSpPr/>
+        <p:nvPr/>
+      </p:nvGrpSpPr>
+      <p:grpSpPr>
+        <a:xfrm>
+          <a:off x="0" y="0"/>
+          <a:ext cx="0" cy="0"/>
+          <a:chOff x="0" y="0"/>
+          <a:chExt cx="0" cy="0"/>
+        </a:xfrm>
+      </p:grpSpPr>
+      <p:sp>
+        <p:nvSpPr>
+          <p:cNvPr id="2" name="Title 1">
+            <a:extLst>
+              <a:ext uri="{FF2B5EF4-FFF2-40B4-BE49-F238E27FC236}">
+                <a16:creationId xmlns:a16="http://schemas.microsoft.com/office/drawing/2014/main" id="{69D2623F-0629-4017-9AFA-1E52CD042452}"/>
+              </a:ext>
+            </a:extLst>
+          </p:cNvPr>
+          <p:cNvSpPr>
+            <a:spLocks noGrp="1"/>
+          </p:cNvSpPr>
+          <p:nvPr>
+            <p:ph type="title"/>
+          </p:nvPr>
+        </p:nvSpPr>
+        <p:spPr>
+          <a:xfrm>
             <a:off x="584200" y="209440"/>
             <a:ext cx="7440582" cy="495520"/>
           </a:xfrm>
@@ -17696,7 +24631,170 @@
           <a:p>
             <a:r>
               <a:rPr lang="en-US" dirty="0"/>
-              <a:t>Challenge 5: Improving the AI</a:t>
+              <a:t>Challenge 4: This Challenge is Questionable</a:t>
+            </a:r>
+          </a:p>
+        </p:txBody>
+      </p:sp>
+      <p:sp>
+        <p:nvSpPr>
+          <p:cNvPr id="4" name="TextBox 3">
+            <a:extLst>
+              <a:ext uri="{FF2B5EF4-FFF2-40B4-BE49-F238E27FC236}">
+                <a16:creationId xmlns:a16="http://schemas.microsoft.com/office/drawing/2014/main" id="{CD037916-DF96-4B73-B2C1-764F918DCF34}"/>
+              </a:ext>
+            </a:extLst>
+          </p:cNvPr>
+          <p:cNvSpPr txBox="1"/>
+          <p:nvPr/>
+        </p:nvSpPr>
+        <p:spPr>
+          <a:xfrm>
+            <a:off x="584200" y="1396137"/>
+            <a:ext cx="11036300" cy="2554545"/>
+          </a:xfrm>
+          <a:prstGeom prst="rect">
+            <a:avLst/>
+          </a:prstGeom>
+          <a:noFill/>
+        </p:spPr>
+        <p:txBody>
+          <a:bodyPr wrap="square">
+            <a:spAutoFit/>
+          </a:bodyPr>
+          <a:lstStyle/>
+          <a:p>
+            <a:pPr algn="l" rtl="0" fontAlgn="base"/>
+            <a:r>
+              <a:rPr lang="en-US" sz="2000" b="0" i="0" dirty="0">
+                <a:effectLst/>
+              </a:rPr>
+              <a:t>In this challenge,</a:t>
+            </a:r>
+            <a:r>
+              <a:rPr lang="en-US" sz="2000" dirty="0"/>
+              <a:t> participants</a:t>
+            </a:r>
+            <a:r>
+              <a:rPr lang="en-US" sz="2000" b="0" i="0" dirty="0">
+                <a:effectLst/>
+              </a:rPr>
+              <a:t> will add functionality to the transactions screen that allows the user to ask questions about a member's transactions using natural language and viewing the results.</a:t>
+            </a:r>
+          </a:p>
+          <a:p>
+            <a:pPr algn="l" rtl="0" fontAlgn="base"/>
+            <a:endParaRPr lang="en-US" sz="2000" b="0" i="0" dirty="0">
+              <a:effectLst/>
+            </a:endParaRPr>
+          </a:p>
+          <a:p>
+            <a:pPr algn="l" rtl="0" fontAlgn="base"/>
+            <a:r>
+              <a:rPr lang="en-US" sz="2000" b="1" i="0" dirty="0">
+                <a:effectLst/>
+              </a:rPr>
+              <a:t>Learning objectives: </a:t>
+            </a:r>
+          </a:p>
+          <a:p>
+            <a:pPr algn="l" rtl="0" fontAlgn="base"/>
+            <a:endParaRPr lang="en-US" sz="2000" b="0" i="0" dirty="0">
+              <a:effectLst/>
+            </a:endParaRPr>
+          </a:p>
+          <a:p>
+            <a:pPr marL="342900" indent="-342900" algn="l" rtl="0" fontAlgn="base">
+              <a:buFont typeface="Arial" panose="020B0604020202020204" pitchFamily="34" charset="0"/>
+              <a:buChar char="•"/>
+            </a:pPr>
+            <a:r>
+              <a:rPr lang="en-US" sz="2000" dirty="0"/>
+              <a:t>U</a:t>
+            </a:r>
+            <a:r>
+              <a:rPr lang="en-US" sz="2000" b="0" i="0" dirty="0">
+                <a:effectLst/>
+              </a:rPr>
+              <a:t>se the Microsoft Semantic Kernel with Azure OpenAI to create a </a:t>
+            </a:r>
+            <a:r>
+              <a:rPr lang="en-US" sz="2000" b="0" i="0" dirty="0" err="1">
+                <a:effectLst/>
+              </a:rPr>
+              <a:t>SemanticFunction</a:t>
+            </a:r>
+            <a:r>
+              <a:rPr lang="en-US" sz="2000" b="0" i="0" dirty="0">
+                <a:effectLst/>
+              </a:rPr>
+              <a:t> that will respond with the results of the user’s question</a:t>
+            </a:r>
+          </a:p>
+        </p:txBody>
+      </p:sp>
+    </p:spTree>
+    <p:extLst>
+      <p:ext uri="{BB962C8B-B14F-4D97-AF65-F5344CB8AC3E}">
+        <p14:creationId xmlns:p14="http://schemas.microsoft.com/office/powerpoint/2010/main" val="2643562220"/>
+      </p:ext>
+    </p:extLst>
+  </p:cSld>
+  <p:clrMapOvr>
+    <a:masterClrMapping/>
+  </p:clrMapOvr>
+  <p:transition>
+    <p:fade/>
+  </p:transition>
+</p:sld>
+</file>
+
+<file path=ppt/slides/slide18.xml><?xml version="1.0" encoding="utf-8"?>
+<p:sld xmlns:a="http://schemas.openxmlformats.org/drawingml/2006/main" xmlns:r="http://schemas.openxmlformats.org/officeDocument/2006/relationships" xmlns:p="http://schemas.openxmlformats.org/presentationml/2006/main">
+  <p:cSld>
+    <p:spTree>
+      <p:nvGrpSpPr>
+        <p:cNvPr id="1" name=""/>
+        <p:cNvGrpSpPr/>
+        <p:nvPr/>
+      </p:nvGrpSpPr>
+      <p:grpSpPr>
+        <a:xfrm>
+          <a:off x="0" y="0"/>
+          <a:ext cx="0" cy="0"/>
+          <a:chOff x="0" y="0"/>
+          <a:chExt cx="0" cy="0"/>
+        </a:xfrm>
+      </p:grpSpPr>
+      <p:sp>
+        <p:nvSpPr>
+          <p:cNvPr id="2" name="Title 1">
+            <a:extLst>
+              <a:ext uri="{FF2B5EF4-FFF2-40B4-BE49-F238E27FC236}">
+                <a16:creationId xmlns:a16="http://schemas.microsoft.com/office/drawing/2014/main" id="{69D2623F-0629-4017-9AFA-1E52CD042452}"/>
+              </a:ext>
+            </a:extLst>
+          </p:cNvPr>
+          <p:cNvSpPr>
+            <a:spLocks noGrp="1"/>
+          </p:cNvSpPr>
+          <p:nvPr>
+            <p:ph type="title"/>
+          </p:nvPr>
+        </p:nvSpPr>
+        <p:spPr>
+          <a:xfrm>
+            <a:off x="584200" y="209440"/>
+            <a:ext cx="7440582" cy="495520"/>
+          </a:xfrm>
+        </p:spPr>
+        <p:txBody>
+          <a:bodyPr/>
+          <a:lstStyle/>
+          <a:p>
+            <a:r>
+              <a:rPr lang="en-US" dirty="0"/>
+              <a:t>Challenge 5: Home Improvement: AI Edition</a:t>
             </a:r>
           </a:p>
         </p:txBody>
@@ -17734,7 +24832,7 @@
               <a:rPr lang="en-US" sz="2000" b="0" i="0" dirty="0">
                 <a:effectLst/>
               </a:rPr>
-              <a:t>In this challenge</a:t>
+              <a:t>In this challenge,</a:t>
             </a:r>
             <a:r>
               <a:rPr lang="en-US" sz="2000" dirty="0"/>
@@ -17808,7 +24906,7 @@
 </p:sld>
 </file>
 
-<file path=ppt/slides/slide17.xml><?xml version="1.0" encoding="utf-8"?>
+<file path=ppt/slides/slide19.xml><?xml version="1.0" encoding="utf-8"?>
 <p:sld xmlns:a="http://schemas.openxmlformats.org/drawingml/2006/main" xmlns:r="http://schemas.openxmlformats.org/officeDocument/2006/relationships" xmlns:p="http://schemas.openxmlformats.org/presentationml/2006/main">
   <p:cSld>
     <p:spTree>
@@ -17935,76 +25033,6 @@
   <p:transition>
     <p:fade/>
   </p:transition>
-</p:sld>
-</file>
-
-<file path=ppt/slides/slide18.xml><?xml version="1.0" encoding="utf-8"?>
-<p:sld xmlns:a="http://schemas.openxmlformats.org/drawingml/2006/main" xmlns:r="http://schemas.openxmlformats.org/officeDocument/2006/relationships" xmlns:p="http://schemas.openxmlformats.org/presentationml/2006/main">
-  <p:cSld>
-    <p:spTree>
-      <p:nvGrpSpPr>
-        <p:cNvPr id="1" name=""/>
-        <p:cNvGrpSpPr/>
-        <p:nvPr/>
-      </p:nvGrpSpPr>
-      <p:grpSpPr>
-        <a:xfrm>
-          <a:off x="0" y="0"/>
-          <a:ext cx="0" cy="0"/>
-          <a:chOff x="0" y="0"/>
-          <a:chExt cx="0" cy="0"/>
-        </a:xfrm>
-      </p:grpSpPr>
-      <p:sp>
-        <p:nvSpPr>
-          <p:cNvPr id="2" name="Title 1">
-            <a:extLst>
-              <a:ext uri="{FF2B5EF4-FFF2-40B4-BE49-F238E27FC236}">
-                <a16:creationId xmlns:a16="http://schemas.microsoft.com/office/drawing/2014/main" id="{4C6B2177-4DE1-4377-A479-B793D8C4925F}"/>
-              </a:ext>
-            </a:extLst>
-          </p:cNvPr>
-          <p:cNvSpPr>
-            <a:spLocks noGrp="1"/>
-          </p:cNvSpPr>
-          <p:nvPr>
-            <p:ph type="title"/>
-          </p:nvPr>
-        </p:nvSpPr>
-        <p:spPr/>
-        <p:txBody>
-          <a:bodyPr/>
-          <a:lstStyle/>
-          <a:p>
-            <a:r>
-              <a:rPr lang="en-US"/>
-              <a:t>Thank you coaches!</a:t>
-            </a:r>
-          </a:p>
-        </p:txBody>
-      </p:sp>
-    </p:spTree>
-    <p:extLst>
-      <p:ext uri="{BB962C8B-B14F-4D97-AF65-F5344CB8AC3E}">
-        <p14:creationId xmlns:p14="http://schemas.microsoft.com/office/powerpoint/2010/main" val="4250241227"/>
-      </p:ext>
-    </p:extLst>
-  </p:cSld>
-  <p:clrMapOvr>
-    <a:masterClrMapping/>
-  </p:clrMapOvr>
-  <mc:AlternateContent xmlns:mc="http://schemas.openxmlformats.org/markup-compatibility/2006" xmlns:p14="http://schemas.microsoft.com/office/powerpoint/2010/main">
-    <mc:Choice Requires="p14">
-      <p:transition spd="med" p14:dur="700">
-        <p:fade/>
-      </p:transition>
-    </mc:Choice>
-    <mc:Fallback xmlns="">
-      <p:transition spd="med">
-        <p:fade/>
-      </p:transition>
-    </mc:Fallback>
-  </mc:AlternateContent>
 </p:sld>
 </file>
 
@@ -18183,6 +25211,76 @@
     <p:extLst>
       <p:ext uri="{BB962C8B-B14F-4D97-AF65-F5344CB8AC3E}">
         <p14:creationId xmlns:p14="http://schemas.microsoft.com/office/powerpoint/2010/main" val="172670671"/>
+      </p:ext>
+    </p:extLst>
+  </p:cSld>
+  <p:clrMapOvr>
+    <a:masterClrMapping/>
+  </p:clrMapOvr>
+  <mc:AlternateContent xmlns:mc="http://schemas.openxmlformats.org/markup-compatibility/2006" xmlns:p14="http://schemas.microsoft.com/office/powerpoint/2010/main">
+    <mc:Choice Requires="p14">
+      <p:transition spd="med" p14:dur="700">
+        <p:fade/>
+      </p:transition>
+    </mc:Choice>
+    <mc:Fallback xmlns="">
+      <p:transition spd="med">
+        <p:fade/>
+      </p:transition>
+    </mc:Fallback>
+  </mc:AlternateContent>
+</p:sld>
+</file>
+
+<file path=ppt/slides/slide20.xml><?xml version="1.0" encoding="utf-8"?>
+<p:sld xmlns:a="http://schemas.openxmlformats.org/drawingml/2006/main" xmlns:r="http://schemas.openxmlformats.org/officeDocument/2006/relationships" xmlns:p="http://schemas.openxmlformats.org/presentationml/2006/main">
+  <p:cSld>
+    <p:spTree>
+      <p:nvGrpSpPr>
+        <p:cNvPr id="1" name=""/>
+        <p:cNvGrpSpPr/>
+        <p:nvPr/>
+      </p:nvGrpSpPr>
+      <p:grpSpPr>
+        <a:xfrm>
+          <a:off x="0" y="0"/>
+          <a:ext cx="0" cy="0"/>
+          <a:chOff x="0" y="0"/>
+          <a:chExt cx="0" cy="0"/>
+        </a:xfrm>
+      </p:grpSpPr>
+      <p:sp>
+        <p:nvSpPr>
+          <p:cNvPr id="2" name="Title 1">
+            <a:extLst>
+              <a:ext uri="{FF2B5EF4-FFF2-40B4-BE49-F238E27FC236}">
+                <a16:creationId xmlns:a16="http://schemas.microsoft.com/office/drawing/2014/main" id="{4C6B2177-4DE1-4377-A479-B793D8C4925F}"/>
+              </a:ext>
+            </a:extLst>
+          </p:cNvPr>
+          <p:cNvSpPr>
+            <a:spLocks noGrp="1"/>
+          </p:cNvSpPr>
+          <p:nvPr>
+            <p:ph type="title"/>
+          </p:nvPr>
+        </p:nvSpPr>
+        <p:spPr/>
+        <p:txBody>
+          <a:bodyPr/>
+          <a:lstStyle/>
+          <a:p>
+            <a:r>
+              <a:rPr lang="en-US"/>
+              <a:t>Thank you coaches!</a:t>
+            </a:r>
+          </a:p>
+        </p:txBody>
+      </p:sp>
+    </p:spTree>
+    <p:extLst>
+      <p:ext uri="{BB962C8B-B14F-4D97-AF65-F5344CB8AC3E}">
+        <p14:creationId xmlns:p14="http://schemas.microsoft.com/office/powerpoint/2010/main" val="4250241227"/>
       </p:ext>
     </p:extLst>
   </p:cSld>
@@ -23021,6 +30119,18 @@
 </p:sld>
 </file>
 
+<file path=ppt/tags/tag1.xml><?xml version="1.0" encoding="utf-8"?>
+<p:tagLst xmlns:a="http://schemas.openxmlformats.org/drawingml/2006/main" xmlns:r="http://schemas.openxmlformats.org/officeDocument/2006/relationships" xmlns:p="http://schemas.openxmlformats.org/presentationml/2006/main">
+  <p:tag name="TIMING" val="|6|15.3|8.4"/>
+</p:tagLst>
+</file>
+
+<file path=ppt/tags/tag2.xml><?xml version="1.0" encoding="utf-8"?>
+<p:tagLst xmlns:a="http://schemas.openxmlformats.org/drawingml/2006/main" xmlns:r="http://schemas.openxmlformats.org/officeDocument/2006/relationships" xmlns:p="http://schemas.openxmlformats.org/presentationml/2006/main">
+  <p:tag name="TIMING" val="|7|6|4.9|4.7|5.6"/>
+</p:tagLst>
+</file>
+
 <file path=ppt/theme/theme1.xml><?xml version="1.0" encoding="utf-8"?>
 <a:theme xmlns:a="http://schemas.openxmlformats.org/drawingml/2006/main" name="Black Template">
   <a:themeElements>
@@ -23885,6 +30995,33 @@
 </file>
 
 <file path=customXml/item1.xml><?xml version="1.0" encoding="utf-8"?>
+<p:properties xmlns:p="http://schemas.microsoft.com/office/2006/metadata/properties" xmlns:xsi="http://www.w3.org/2001/XMLSchema-instance" xmlns:pc="http://schemas.microsoft.com/office/infopath/2007/PartnerControls">
+  <documentManagement>
+    <MediaServiceKeyPoints xmlns="675661ce-a921-4ef4-be83-dd19f3c4cc86" xsi:nil="true"/>
+    <MaterialType xmlns="675661ce-a921-4ef4-be83-dd19f3c4cc86">
+      <Value>Presentation Ready Deck</Value>
+    </MaterialType>
+    <Description xmlns="675661ce-a921-4ef4-be83-dd19f3c4cc86" xsi:nil="true"/>
+    <Tag xmlns="675661ce-a921-4ef4-be83-dd19f3c4cc86">
+      <Value>PM</Value>
+      <Value>Lead Coach</Value>
+      <Value>Coach</Value>
+    </Tag>
+    <OHOrder xmlns="675661ce-a921-4ef4-be83-dd19f3c4cc86" xsi:nil="true"/>
+    <Internal_x0020_MSFT xmlns="675661ce-a921-4ef4-be83-dd19f3c4cc86" xsi:nil="true"/>
+    <OrderNo_x002e_ xmlns="675661ce-a921-4ef4-be83-dd19f3c4cc86" xsi:nil="true"/>
+    <Sequence_x0020_of_x0020_Material xmlns="675661ce-a921-4ef4-be83-dd19f3c4cc86">4. Day of Event</Sequence_x0020_of_x0020_Material>
+    <_ip_UnifiedCompliancePolicyUIAction xmlns="http://schemas.microsoft.com/sharepoint/v3" xsi:nil="true"/>
+    <_ip_UnifiedCompliancePolicyProperties xmlns="http://schemas.microsoft.com/sharepoint/v3" xsi:nil="true"/>
+    <lcf76f155ced4ddcb4097134ff3c332f xmlns="675661ce-a921-4ef4-be83-dd19f3c4cc86">
+      <Terms xmlns="http://schemas.microsoft.com/office/infopath/2007/PartnerControls"/>
+    </lcf76f155ced4ddcb4097134ff3c332f>
+    <TaxCatchAll xmlns="230e9df3-be65-4c73-a93b-d1236ebd677e" xsi:nil="true"/>
+  </documentManagement>
+</p:properties>
+</file>
+
+<file path=customXml/item2.xml><?xml version="1.0" encoding="utf-8"?>
 <ct:contentTypeSchema xmlns:ct="http://schemas.microsoft.com/office/2006/metadata/contentType" xmlns:ma="http://schemas.microsoft.com/office/2006/metadata/properties/metaAttributes" ct:_="" ma:_="" ma:contentTypeName="Document" ma:contentTypeID="0x010100262D61D9A00A5041B210DE23A0FE8625" ma:contentTypeVersion="24" ma:contentTypeDescription="Create a new document." ma:contentTypeScope="" ma:versionID="839773bd44a51a311d8e2846b7142e4b">
   <xsd:schema xmlns:xsd="http://www.w3.org/2001/XMLSchema" xmlns:xs="http://www.w3.org/2001/XMLSchema" xmlns:p="http://schemas.microsoft.com/office/2006/metadata/properties" xmlns:ns1="http://schemas.microsoft.com/sharepoint/v3" xmlns:ns2="675661ce-a921-4ef4-be83-dd19f3c4cc86" xmlns:ns3="4343a8c8-d2d9-429e-8dd3-28f02b2ba4f5" xmlns:ns4="230e9df3-be65-4c73-a93b-d1236ebd677e" targetNamespace="http://schemas.microsoft.com/office/2006/metadata/properties" ma:root="true" ma:fieldsID="7f43399919387af8e2a3ad2b19a547db" ns1:_="" ns2:_="" ns3:_="" ns4:_="">
     <xsd:import namespace="http://schemas.microsoft.com/sharepoint/v3"/>
@@ -24224,33 +31361,6 @@
 </ct:contentTypeSchema>
 </file>
 
-<file path=customXml/item2.xml><?xml version="1.0" encoding="utf-8"?>
-<p:properties xmlns:p="http://schemas.microsoft.com/office/2006/metadata/properties" xmlns:xsi="http://www.w3.org/2001/XMLSchema-instance" xmlns:pc="http://schemas.microsoft.com/office/infopath/2007/PartnerControls">
-  <documentManagement>
-    <MediaServiceKeyPoints xmlns="675661ce-a921-4ef4-be83-dd19f3c4cc86" xsi:nil="true"/>
-    <MaterialType xmlns="675661ce-a921-4ef4-be83-dd19f3c4cc86">
-      <Value>Presentation Ready Deck</Value>
-    </MaterialType>
-    <Description xmlns="675661ce-a921-4ef4-be83-dd19f3c4cc86" xsi:nil="true"/>
-    <Tag xmlns="675661ce-a921-4ef4-be83-dd19f3c4cc86">
-      <Value>PM</Value>
-      <Value>Lead Coach</Value>
-      <Value>Coach</Value>
-    </Tag>
-    <OHOrder xmlns="675661ce-a921-4ef4-be83-dd19f3c4cc86" xsi:nil="true"/>
-    <Internal_x0020_MSFT xmlns="675661ce-a921-4ef4-be83-dd19f3c4cc86" xsi:nil="true"/>
-    <OrderNo_x002e_ xmlns="675661ce-a921-4ef4-be83-dd19f3c4cc86" xsi:nil="true"/>
-    <Sequence_x0020_of_x0020_Material xmlns="675661ce-a921-4ef4-be83-dd19f3c4cc86">4. Day of Event</Sequence_x0020_of_x0020_Material>
-    <_ip_UnifiedCompliancePolicyUIAction xmlns="http://schemas.microsoft.com/sharepoint/v3" xsi:nil="true"/>
-    <_ip_UnifiedCompliancePolicyProperties xmlns="http://schemas.microsoft.com/sharepoint/v3" xsi:nil="true"/>
-    <lcf76f155ced4ddcb4097134ff3c332f xmlns="675661ce-a921-4ef4-be83-dd19f3c4cc86">
-      <Terms xmlns="http://schemas.microsoft.com/office/infopath/2007/PartnerControls"/>
-    </lcf76f155ced4ddcb4097134ff3c332f>
-    <TaxCatchAll xmlns="230e9df3-be65-4c73-a93b-d1236ebd677e" xsi:nil="true"/>
-  </documentManagement>
-</p:properties>
-</file>
-
 <file path=customXml/item3.xml><?xml version="1.0" encoding="utf-8"?>
 <?mso-contentType ?>
 <FormTemplates xmlns="http://schemas.microsoft.com/sharepoint/v3/contenttype/forms">
@@ -24261,6 +31371,25 @@
 </file>
 
 <file path=customXml/itemProps1.xml><?xml version="1.0" encoding="utf-8"?>
+<ds:datastoreItem xmlns:ds="http://schemas.openxmlformats.org/officeDocument/2006/customXml" ds:itemID="{0A9086BA-F6B1-41F0-8458-5D968EBBF04E}">
+  <ds:schemaRefs>
+    <ds:schemaRef ds:uri="http://schemas.microsoft.com/office/2006/metadata/properties"/>
+    <ds:schemaRef ds:uri="http://purl.org/dc/elements/1.1/"/>
+    <ds:schemaRef ds:uri="http://purl.org/dc/dcmitype/"/>
+    <ds:schemaRef ds:uri="http://www.w3.org/XML/1998/namespace"/>
+    <ds:schemaRef ds:uri="http://schemas.microsoft.com/sharepoint/v3"/>
+    <ds:schemaRef ds:uri="4343a8c8-d2d9-429e-8dd3-28f02b2ba4f5"/>
+    <ds:schemaRef ds:uri="http://schemas.microsoft.com/office/2006/documentManagement/types"/>
+    <ds:schemaRef ds:uri="http://schemas.microsoft.com/office/infopath/2007/PartnerControls"/>
+    <ds:schemaRef ds:uri="http://schemas.openxmlformats.org/package/2006/metadata/core-properties"/>
+    <ds:schemaRef ds:uri="675661ce-a921-4ef4-be83-dd19f3c4cc86"/>
+    <ds:schemaRef ds:uri="http://purl.org/dc/terms/"/>
+    <ds:schemaRef ds:uri="230e9df3-be65-4c73-a93b-d1236ebd677e"/>
+  </ds:schemaRefs>
+</ds:datastoreItem>
+</file>
+
+<file path=customXml/itemProps2.xml><?xml version="1.0" encoding="utf-8"?>
 <ds:datastoreItem xmlns:ds="http://schemas.openxmlformats.org/officeDocument/2006/customXml" ds:itemID="{D1157EB0-1AB2-459D-92B4-E00E8DCC06DF}">
   <ds:schemaRefs>
     <ds:schemaRef ds:uri="http://schemas.microsoft.com/office/2006/metadata/contentType"/>
@@ -24281,25 +31410,6 @@
 </ds:datastoreItem>
 </file>
 
-<file path=customXml/itemProps2.xml><?xml version="1.0" encoding="utf-8"?>
-<ds:datastoreItem xmlns:ds="http://schemas.openxmlformats.org/officeDocument/2006/customXml" ds:itemID="{0A9086BA-F6B1-41F0-8458-5D968EBBF04E}">
-  <ds:schemaRefs>
-    <ds:schemaRef ds:uri="http://schemas.microsoft.com/office/2006/metadata/properties"/>
-    <ds:schemaRef ds:uri="http://purl.org/dc/elements/1.1/"/>
-    <ds:schemaRef ds:uri="http://purl.org/dc/dcmitype/"/>
-    <ds:schemaRef ds:uri="http://www.w3.org/XML/1998/namespace"/>
-    <ds:schemaRef ds:uri="http://schemas.microsoft.com/sharepoint/v3"/>
-    <ds:schemaRef ds:uri="4343a8c8-d2d9-429e-8dd3-28f02b2ba4f5"/>
-    <ds:schemaRef ds:uri="http://schemas.microsoft.com/office/2006/documentManagement/types"/>
-    <ds:schemaRef ds:uri="http://schemas.microsoft.com/office/infopath/2007/PartnerControls"/>
-    <ds:schemaRef ds:uri="http://schemas.openxmlformats.org/package/2006/metadata/core-properties"/>
-    <ds:schemaRef ds:uri="675661ce-a921-4ef4-be83-dd19f3c4cc86"/>
-    <ds:schemaRef ds:uri="http://purl.org/dc/terms/"/>
-    <ds:schemaRef ds:uri="230e9df3-be65-4c73-a93b-d1236ebd677e"/>
-  </ds:schemaRefs>
-</ds:datastoreItem>
-</file>
-
 <file path=customXml/itemProps3.xml><?xml version="1.0" encoding="utf-8"?>
 <ds:datastoreItem xmlns:ds="http://schemas.openxmlformats.org/officeDocument/2006/customXml" ds:itemID="{91696345-23F8-4CDB-8A31-BEF0BEB16805}">
   <ds:schemaRefs>
